--- a/歌頌復活主.pptx
+++ b/歌頌復活主.pptx
@@ -2,7 +2,7 @@
 <file path=ppt/presentation.xml><?xml version="1.0" encoding="utf-8"?>
 <p:presentation xmlns:a="http://schemas.openxmlformats.org/drawingml/2006/main" xmlns:r="http://schemas.openxmlformats.org/officeDocument/2006/relationships" xmlns:p="http://schemas.openxmlformats.org/presentationml/2006/main" saveSubsetFonts="1">
   <p:sldMasterIdLst>
-    <p:sldMasterId id="2147483660" r:id="rId1"/>
+    <p:sldMasterId id="2147483672" r:id="rId1"/>
   </p:sldMasterIdLst>
   <p:sldIdLst>
     <p:sldId id="256" r:id="rId2"/>
@@ -10,7 +10,7 @@
     <p:sldId id="258" r:id="rId4"/>
     <p:sldId id="259" r:id="rId5"/>
   </p:sldIdLst>
-  <p:sldSz cx="9144000" cy="6858000" type="screen4x3"/>
+  <p:sldSz cx="12192000" cy="6858000"/>
   <p:notesSz cx="6858000" cy="9144000"/>
   <p:defaultTextStyle>
     <a:defPPr>
@@ -107,6 +107,22 @@
       </a:defRPr>
     </a:lvl9pPr>
   </p:defaultTextStyle>
+  <p:extLst>
+    <p:ext uri="{EFAFB233-063F-42B5-8137-9DF3F51BA10A}">
+      <p15:sldGuideLst xmlns:p15="http://schemas.microsoft.com/office/powerpoint/2012/main">
+        <p15:guide id="1" orient="horz" pos="2160" userDrawn="1">
+          <p15:clr>
+            <a:srgbClr val="A4A3A4"/>
+          </p15:clr>
+        </p15:guide>
+        <p15:guide id="2" pos="3840" userDrawn="1">
+          <p15:clr>
+            <a:srgbClr val="A4A3A4"/>
+          </p15:clr>
+        </p15:guide>
+      </p15:sldGuideLst>
+    </p:ext>
+  </p:extLst>
 </p:presentation>
 </file>
 
@@ -129,7 +145,7 @@
       </p:grpSpPr>
       <p:sp>
         <p:nvSpPr>
-          <p:cNvPr id="2" name="Title 1"/>
+          <p:cNvPr id="2" name="標題 1"/>
           <p:cNvSpPr>
             <a:spLocks noGrp="1"/>
           </p:cNvSpPr>
@@ -139,8 +155,8 @@
         </p:nvSpPr>
         <p:spPr>
           <a:xfrm>
-            <a:off x="685800" y="2130425"/>
-            <a:ext cx="7772400" cy="1470025"/>
+            <a:off x="914400" y="2130426"/>
+            <a:ext cx="10363200" cy="1470025"/>
           </a:xfrm>
         </p:spPr>
         <p:txBody>
@@ -148,16 +164,16 @@
           <a:lstStyle/>
           <a:p>
             <a:r>
-              <a:rPr lang="zh-TW" altLang="en-US" smtClean="0"/>
-              <a:t>按一下以編輯母片標題樣式</a:t>
-            </a:r>
-            <a:endParaRPr lang="en-US"/>
-          </a:p>
-        </p:txBody>
-      </p:sp>
-      <p:sp>
-        <p:nvSpPr>
-          <p:cNvPr id="3" name="Subtitle 2"/>
+              <a:rPr lang="en-US" altLang="zh-TW" smtClean="0"/>
+              <a:t>Click to edit Master title style</a:t>
+            </a:r>
+            <a:endParaRPr lang="zh-TW" altLang="en-US"/>
+          </a:p>
+        </p:txBody>
+      </p:sp>
+      <p:sp>
+        <p:nvSpPr>
+          <p:cNvPr id="3" name="副標題 2"/>
           <p:cNvSpPr>
             <a:spLocks noGrp="1"/>
           </p:cNvSpPr>
@@ -167,8 +183,8 @@
         </p:nvSpPr>
         <p:spPr>
           <a:xfrm>
-            <a:off x="1371600" y="3886200"/>
-            <a:ext cx="6400800" cy="1752600"/>
+            <a:off x="1828800" y="3886200"/>
+            <a:ext cx="8534400" cy="1752600"/>
           </a:xfrm>
         </p:spPr>
         <p:txBody>
@@ -184,7 +200,7 @@
                 </a:solidFill>
               </a:defRPr>
             </a:lvl1pPr>
-            <a:lvl2pPr marL="457200" indent="0" algn="ctr">
+            <a:lvl2pPr marL="609585" indent="0" algn="ctr">
               <a:buNone/>
               <a:defRPr>
                 <a:solidFill>
@@ -194,7 +210,7 @@
                 </a:solidFill>
               </a:defRPr>
             </a:lvl2pPr>
-            <a:lvl3pPr marL="914400" indent="0" algn="ctr">
+            <a:lvl3pPr marL="1219170" indent="0" algn="ctr">
               <a:buNone/>
               <a:defRPr>
                 <a:solidFill>
@@ -204,7 +220,7 @@
                 </a:solidFill>
               </a:defRPr>
             </a:lvl3pPr>
-            <a:lvl4pPr marL="1371600" indent="0" algn="ctr">
+            <a:lvl4pPr marL="1828754" indent="0" algn="ctr">
               <a:buNone/>
               <a:defRPr>
                 <a:solidFill>
@@ -214,7 +230,7 @@
                 </a:solidFill>
               </a:defRPr>
             </a:lvl4pPr>
-            <a:lvl5pPr marL="1828800" indent="0" algn="ctr">
+            <a:lvl5pPr marL="2438339" indent="0" algn="ctr">
               <a:buNone/>
               <a:defRPr>
                 <a:solidFill>
@@ -224,7 +240,7 @@
                 </a:solidFill>
               </a:defRPr>
             </a:lvl5pPr>
-            <a:lvl6pPr marL="2286000" indent="0" algn="ctr">
+            <a:lvl6pPr marL="3047924" indent="0" algn="ctr">
               <a:buNone/>
               <a:defRPr>
                 <a:solidFill>
@@ -234,7 +250,7 @@
                 </a:solidFill>
               </a:defRPr>
             </a:lvl6pPr>
-            <a:lvl7pPr marL="2743200" indent="0" algn="ctr">
+            <a:lvl7pPr marL="3657509" indent="0" algn="ctr">
               <a:buNone/>
               <a:defRPr>
                 <a:solidFill>
@@ -244,7 +260,7 @@
                 </a:solidFill>
               </a:defRPr>
             </a:lvl7pPr>
-            <a:lvl8pPr marL="3200400" indent="0" algn="ctr">
+            <a:lvl8pPr marL="4267093" indent="0" algn="ctr">
               <a:buNone/>
               <a:defRPr>
                 <a:solidFill>
@@ -254,7 +270,7 @@
                 </a:solidFill>
               </a:defRPr>
             </a:lvl8pPr>
-            <a:lvl9pPr marL="3657600" indent="0" algn="ctr">
+            <a:lvl9pPr marL="4876678" indent="0" algn="ctr">
               <a:buNone/>
               <a:defRPr>
                 <a:solidFill>
@@ -267,16 +283,16 @@
           </a:lstStyle>
           <a:p>
             <a:r>
-              <a:rPr lang="zh-TW" altLang="en-US" smtClean="0"/>
-              <a:t>按一下以編輯母片副標題樣式</a:t>
-            </a:r>
-            <a:endParaRPr lang="en-US"/>
-          </a:p>
-        </p:txBody>
-      </p:sp>
-      <p:sp>
-        <p:nvSpPr>
-          <p:cNvPr id="4" name="Date Placeholder 3"/>
+              <a:rPr lang="en-US" altLang="zh-TW" smtClean="0"/>
+              <a:t>Click to edit Master subtitle style</a:t>
+            </a:r>
+            <a:endParaRPr lang="zh-TW" altLang="en-US"/>
+          </a:p>
+        </p:txBody>
+      </p:sp>
+      <p:sp>
+        <p:nvSpPr>
+          <p:cNvPr id="4" name="日期版面配置區 3"/>
           <p:cNvSpPr>
             <a:spLocks noGrp="1"/>
           </p:cNvSpPr>
@@ -287,15 +303,11 @@
         <p:spPr/>
         <p:txBody>
           <a:bodyPr/>
-          <a:lstStyle>
-            <a:lvl1pPr>
-              <a:defRPr/>
-            </a:lvl1pPr>
-          </a:lstStyle>
+          <a:lstStyle/>
           <a:p>
             <a:fld id="{EFB2791D-C3CD-4EB4-9F2F-930267A0665A}" type="datetimeFigureOut">
               <a:rPr lang="zh-TW" altLang="en-US" smtClean="0"/>
-              <a:t>2014/4/20</a:t>
+              <a:t>2020/4/10</a:t>
             </a:fld>
             <a:endParaRPr lang="zh-TW" altLang="en-US"/>
           </a:p>
@@ -303,7 +315,7 @@
       </p:sp>
       <p:sp>
         <p:nvSpPr>
-          <p:cNvPr id="5" name="Footer Placeholder 4"/>
+          <p:cNvPr id="5" name="頁尾版面配置區 4"/>
           <p:cNvSpPr>
             <a:spLocks noGrp="1"/>
           </p:cNvSpPr>
@@ -314,19 +326,15 @@
         <p:spPr/>
         <p:txBody>
           <a:bodyPr/>
-          <a:lstStyle>
-            <a:lvl1pPr>
-              <a:defRPr/>
-            </a:lvl1pPr>
-          </a:lstStyle>
-          <a:p>
-            <a:endParaRPr lang="zh-TW" altLang="en-US"/>
-          </a:p>
-        </p:txBody>
-      </p:sp>
-      <p:sp>
-        <p:nvSpPr>
-          <p:cNvPr id="6" name="Slide Number Placeholder 5"/>
+          <a:lstStyle/>
+          <a:p>
+            <a:endParaRPr lang="zh-TW" altLang="en-US"/>
+          </a:p>
+        </p:txBody>
+      </p:sp>
+      <p:sp>
+        <p:nvSpPr>
+          <p:cNvPr id="6" name="投影片編號版面配置區 5"/>
           <p:cNvSpPr>
             <a:spLocks noGrp="1"/>
           </p:cNvSpPr>
@@ -337,11 +345,7 @@
         <p:spPr/>
         <p:txBody>
           <a:bodyPr/>
-          <a:lstStyle>
-            <a:lvl1pPr>
-              <a:defRPr/>
-            </a:lvl1pPr>
-          </a:lstStyle>
+          <a:lstStyle/>
           <a:p>
             <a:fld id="{4703B1AB-9C2B-4871-9A28-2E7150DE209F}" type="slidenum">
               <a:rPr lang="zh-TW" altLang="en-US" smtClean="0"/>
@@ -352,6 +356,11 @@
         </p:txBody>
       </p:sp>
     </p:spTree>
+    <p:extLst>
+      <p:ext uri="{BB962C8B-B14F-4D97-AF65-F5344CB8AC3E}">
+        <p14:creationId xmlns:p14="http://schemas.microsoft.com/office/powerpoint/2010/main" val="2948774277"/>
+      </p:ext>
+    </p:extLst>
   </p:cSld>
   <p:clrMapOvr>
     <a:masterClrMapping/>
@@ -378,7 +387,7 @@
       </p:grpSpPr>
       <p:sp>
         <p:nvSpPr>
-          <p:cNvPr id="2" name="Title 1"/>
+          <p:cNvPr id="2" name="標題 1"/>
           <p:cNvSpPr>
             <a:spLocks noGrp="1"/>
           </p:cNvSpPr>
@@ -392,16 +401,16 @@
           <a:lstStyle/>
           <a:p>
             <a:r>
-              <a:rPr lang="zh-TW" altLang="en-US" smtClean="0"/>
-              <a:t>按一下以編輯母片標題樣式</a:t>
-            </a:r>
-            <a:endParaRPr lang="en-US"/>
-          </a:p>
-        </p:txBody>
-      </p:sp>
-      <p:sp>
-        <p:nvSpPr>
-          <p:cNvPr id="3" name="Vertical Text Placeholder 2"/>
+              <a:rPr lang="en-US" altLang="zh-TW" smtClean="0"/>
+              <a:t>Click to edit Master title style</a:t>
+            </a:r>
+            <a:endParaRPr lang="zh-TW" altLang="en-US"/>
+          </a:p>
+        </p:txBody>
+      </p:sp>
+      <p:sp>
+        <p:nvSpPr>
+          <p:cNvPr id="3" name="直排文字版面配置區 2"/>
           <p:cNvSpPr>
             <a:spLocks noGrp="1"/>
           </p:cNvSpPr>
@@ -416,44 +425,44 @@
           <a:p>
             <a:pPr lvl="0"/>
             <a:r>
-              <a:rPr lang="zh-TW" altLang="en-US" smtClean="0"/>
-              <a:t>按一下以編輯母片文字樣式</a:t>
+              <a:rPr lang="en-US" altLang="zh-TW" smtClean="0"/>
+              <a:t>Edit Master text styles</a:t>
             </a:r>
           </a:p>
           <a:p>
             <a:pPr lvl="1"/>
             <a:r>
-              <a:rPr lang="zh-TW" altLang="en-US" smtClean="0"/>
-              <a:t>第二層</a:t>
+              <a:rPr lang="en-US" altLang="zh-TW" smtClean="0"/>
+              <a:t>Second level</a:t>
             </a:r>
           </a:p>
           <a:p>
             <a:pPr lvl="2"/>
             <a:r>
-              <a:rPr lang="zh-TW" altLang="en-US" smtClean="0"/>
-              <a:t>第三層</a:t>
+              <a:rPr lang="en-US" altLang="zh-TW" smtClean="0"/>
+              <a:t>Third level</a:t>
             </a:r>
           </a:p>
           <a:p>
             <a:pPr lvl="3"/>
             <a:r>
-              <a:rPr lang="zh-TW" altLang="en-US" smtClean="0"/>
-              <a:t>第四層</a:t>
+              <a:rPr lang="en-US" altLang="zh-TW" smtClean="0"/>
+              <a:t>Fourth level</a:t>
             </a:r>
           </a:p>
           <a:p>
             <a:pPr lvl="4"/>
             <a:r>
-              <a:rPr lang="zh-TW" altLang="en-US" smtClean="0"/>
-              <a:t>第五層</a:t>
-            </a:r>
-            <a:endParaRPr lang="en-US"/>
-          </a:p>
-        </p:txBody>
-      </p:sp>
-      <p:sp>
-        <p:nvSpPr>
-          <p:cNvPr id="4" name="Date Placeholder 3"/>
+              <a:rPr lang="en-US" altLang="zh-TW" smtClean="0"/>
+              <a:t>Fifth level</a:t>
+            </a:r>
+            <a:endParaRPr lang="zh-TW" altLang="en-US"/>
+          </a:p>
+        </p:txBody>
+      </p:sp>
+      <p:sp>
+        <p:nvSpPr>
+          <p:cNvPr id="4" name="日期版面配置區 3"/>
           <p:cNvSpPr>
             <a:spLocks noGrp="1"/>
           </p:cNvSpPr>
@@ -464,15 +473,11 @@
         <p:spPr/>
         <p:txBody>
           <a:bodyPr/>
-          <a:lstStyle>
-            <a:lvl1pPr>
-              <a:defRPr/>
-            </a:lvl1pPr>
-          </a:lstStyle>
+          <a:lstStyle/>
           <a:p>
             <a:fld id="{EFB2791D-C3CD-4EB4-9F2F-930267A0665A}" type="datetimeFigureOut">
               <a:rPr lang="zh-TW" altLang="en-US" smtClean="0"/>
-              <a:t>2014/4/20</a:t>
+              <a:t>2020/4/10</a:t>
             </a:fld>
             <a:endParaRPr lang="zh-TW" altLang="en-US"/>
           </a:p>
@@ -480,7 +485,7 @@
       </p:sp>
       <p:sp>
         <p:nvSpPr>
-          <p:cNvPr id="5" name="Footer Placeholder 4"/>
+          <p:cNvPr id="5" name="頁尾版面配置區 4"/>
           <p:cNvSpPr>
             <a:spLocks noGrp="1"/>
           </p:cNvSpPr>
@@ -491,19 +496,15 @@
         <p:spPr/>
         <p:txBody>
           <a:bodyPr/>
-          <a:lstStyle>
-            <a:lvl1pPr>
-              <a:defRPr/>
-            </a:lvl1pPr>
-          </a:lstStyle>
-          <a:p>
-            <a:endParaRPr lang="zh-TW" altLang="en-US"/>
-          </a:p>
-        </p:txBody>
-      </p:sp>
-      <p:sp>
-        <p:nvSpPr>
-          <p:cNvPr id="6" name="Slide Number Placeholder 5"/>
+          <a:lstStyle/>
+          <a:p>
+            <a:endParaRPr lang="zh-TW" altLang="en-US"/>
+          </a:p>
+        </p:txBody>
+      </p:sp>
+      <p:sp>
+        <p:nvSpPr>
+          <p:cNvPr id="6" name="投影片編號版面配置區 5"/>
           <p:cNvSpPr>
             <a:spLocks noGrp="1"/>
           </p:cNvSpPr>
@@ -514,11 +515,7 @@
         <p:spPr/>
         <p:txBody>
           <a:bodyPr/>
-          <a:lstStyle>
-            <a:lvl1pPr>
-              <a:defRPr/>
-            </a:lvl1pPr>
-          </a:lstStyle>
+          <a:lstStyle/>
           <a:p>
             <a:fld id="{4703B1AB-9C2B-4871-9A28-2E7150DE209F}" type="slidenum">
               <a:rPr lang="zh-TW" altLang="en-US" smtClean="0"/>
@@ -529,6 +526,11 @@
         </p:txBody>
       </p:sp>
     </p:spTree>
+    <p:extLst>
+      <p:ext uri="{BB962C8B-B14F-4D97-AF65-F5344CB8AC3E}">
+        <p14:creationId xmlns:p14="http://schemas.microsoft.com/office/powerpoint/2010/main" val="2633397310"/>
+      </p:ext>
+    </p:extLst>
   </p:cSld>
   <p:clrMapOvr>
     <a:masterClrMapping/>
@@ -555,7 +557,7 @@
       </p:grpSpPr>
       <p:sp>
         <p:nvSpPr>
-          <p:cNvPr id="2" name="Vertical Title 1"/>
+          <p:cNvPr id="2" name="直排標題 1"/>
           <p:cNvSpPr>
             <a:spLocks noGrp="1"/>
           </p:cNvSpPr>
@@ -565,8 +567,8 @@
         </p:nvSpPr>
         <p:spPr>
           <a:xfrm>
-            <a:off x="6629400" y="274638"/>
-            <a:ext cx="2057400" cy="5851525"/>
+            <a:off x="8839200" y="274639"/>
+            <a:ext cx="2743200" cy="5851525"/>
           </a:xfrm>
         </p:spPr>
         <p:txBody>
@@ -574,16 +576,16 @@
           <a:lstStyle/>
           <a:p>
             <a:r>
-              <a:rPr lang="zh-TW" altLang="en-US" smtClean="0"/>
-              <a:t>按一下以編輯母片標題樣式</a:t>
-            </a:r>
-            <a:endParaRPr lang="en-US"/>
-          </a:p>
-        </p:txBody>
-      </p:sp>
-      <p:sp>
-        <p:nvSpPr>
-          <p:cNvPr id="3" name="Vertical Text Placeholder 2"/>
+              <a:rPr lang="en-US" altLang="zh-TW" smtClean="0"/>
+              <a:t>Click to edit Master title style</a:t>
+            </a:r>
+            <a:endParaRPr lang="zh-TW" altLang="en-US"/>
+          </a:p>
+        </p:txBody>
+      </p:sp>
+      <p:sp>
+        <p:nvSpPr>
+          <p:cNvPr id="3" name="直排文字版面配置區 2"/>
           <p:cNvSpPr>
             <a:spLocks noGrp="1"/>
           </p:cNvSpPr>
@@ -593,8 +595,8 @@
         </p:nvSpPr>
         <p:spPr>
           <a:xfrm>
-            <a:off x="457200" y="274638"/>
-            <a:ext cx="6019800" cy="5851525"/>
+            <a:off x="609600" y="274639"/>
+            <a:ext cx="8026400" cy="5851525"/>
           </a:xfrm>
         </p:spPr>
         <p:txBody>
@@ -603,44 +605,44 @@
           <a:p>
             <a:pPr lvl="0"/>
             <a:r>
-              <a:rPr lang="zh-TW" altLang="en-US" smtClean="0"/>
-              <a:t>按一下以編輯母片文字樣式</a:t>
+              <a:rPr lang="en-US" altLang="zh-TW" smtClean="0"/>
+              <a:t>Edit Master text styles</a:t>
             </a:r>
           </a:p>
           <a:p>
             <a:pPr lvl="1"/>
             <a:r>
-              <a:rPr lang="zh-TW" altLang="en-US" smtClean="0"/>
-              <a:t>第二層</a:t>
+              <a:rPr lang="en-US" altLang="zh-TW" smtClean="0"/>
+              <a:t>Second level</a:t>
             </a:r>
           </a:p>
           <a:p>
             <a:pPr lvl="2"/>
             <a:r>
-              <a:rPr lang="zh-TW" altLang="en-US" smtClean="0"/>
-              <a:t>第三層</a:t>
+              <a:rPr lang="en-US" altLang="zh-TW" smtClean="0"/>
+              <a:t>Third level</a:t>
             </a:r>
           </a:p>
           <a:p>
             <a:pPr lvl="3"/>
             <a:r>
-              <a:rPr lang="zh-TW" altLang="en-US" smtClean="0"/>
-              <a:t>第四層</a:t>
+              <a:rPr lang="en-US" altLang="zh-TW" smtClean="0"/>
+              <a:t>Fourth level</a:t>
             </a:r>
           </a:p>
           <a:p>
             <a:pPr lvl="4"/>
             <a:r>
-              <a:rPr lang="zh-TW" altLang="en-US" smtClean="0"/>
-              <a:t>第五層</a:t>
-            </a:r>
-            <a:endParaRPr lang="en-US"/>
-          </a:p>
-        </p:txBody>
-      </p:sp>
-      <p:sp>
-        <p:nvSpPr>
-          <p:cNvPr id="4" name="Date Placeholder 3"/>
+              <a:rPr lang="en-US" altLang="zh-TW" smtClean="0"/>
+              <a:t>Fifth level</a:t>
+            </a:r>
+            <a:endParaRPr lang="zh-TW" altLang="en-US"/>
+          </a:p>
+        </p:txBody>
+      </p:sp>
+      <p:sp>
+        <p:nvSpPr>
+          <p:cNvPr id="4" name="日期版面配置區 3"/>
           <p:cNvSpPr>
             <a:spLocks noGrp="1"/>
           </p:cNvSpPr>
@@ -651,15 +653,11 @@
         <p:spPr/>
         <p:txBody>
           <a:bodyPr/>
-          <a:lstStyle>
-            <a:lvl1pPr>
-              <a:defRPr/>
-            </a:lvl1pPr>
-          </a:lstStyle>
+          <a:lstStyle/>
           <a:p>
             <a:fld id="{EFB2791D-C3CD-4EB4-9F2F-930267A0665A}" type="datetimeFigureOut">
               <a:rPr lang="zh-TW" altLang="en-US" smtClean="0"/>
-              <a:t>2014/4/20</a:t>
+              <a:t>2020/4/10</a:t>
             </a:fld>
             <a:endParaRPr lang="zh-TW" altLang="en-US"/>
           </a:p>
@@ -667,7 +665,7 @@
       </p:sp>
       <p:sp>
         <p:nvSpPr>
-          <p:cNvPr id="5" name="Footer Placeholder 4"/>
+          <p:cNvPr id="5" name="頁尾版面配置區 4"/>
           <p:cNvSpPr>
             <a:spLocks noGrp="1"/>
           </p:cNvSpPr>
@@ -678,19 +676,15 @@
         <p:spPr/>
         <p:txBody>
           <a:bodyPr/>
-          <a:lstStyle>
-            <a:lvl1pPr>
-              <a:defRPr/>
-            </a:lvl1pPr>
-          </a:lstStyle>
-          <a:p>
-            <a:endParaRPr lang="zh-TW" altLang="en-US"/>
-          </a:p>
-        </p:txBody>
-      </p:sp>
-      <p:sp>
-        <p:nvSpPr>
-          <p:cNvPr id="6" name="Slide Number Placeholder 5"/>
+          <a:lstStyle/>
+          <a:p>
+            <a:endParaRPr lang="zh-TW" altLang="en-US"/>
+          </a:p>
+        </p:txBody>
+      </p:sp>
+      <p:sp>
+        <p:nvSpPr>
+          <p:cNvPr id="6" name="投影片編號版面配置區 5"/>
           <p:cNvSpPr>
             <a:spLocks noGrp="1"/>
           </p:cNvSpPr>
@@ -701,11 +695,7 @@
         <p:spPr/>
         <p:txBody>
           <a:bodyPr/>
-          <a:lstStyle>
-            <a:lvl1pPr>
-              <a:defRPr/>
-            </a:lvl1pPr>
-          </a:lstStyle>
+          <a:lstStyle/>
           <a:p>
             <a:fld id="{4703B1AB-9C2B-4871-9A28-2E7150DE209F}" type="slidenum">
               <a:rPr lang="zh-TW" altLang="en-US" smtClean="0"/>
@@ -716,6 +706,11 @@
         </p:txBody>
       </p:sp>
     </p:spTree>
+    <p:extLst>
+      <p:ext uri="{BB962C8B-B14F-4D97-AF65-F5344CB8AC3E}">
+        <p14:creationId xmlns:p14="http://schemas.microsoft.com/office/powerpoint/2010/main" val="2612397119"/>
+      </p:ext>
+    </p:extLst>
   </p:cSld>
   <p:clrMapOvr>
     <a:masterClrMapping/>
@@ -742,7 +737,7 @@
       </p:grpSpPr>
       <p:sp>
         <p:nvSpPr>
-          <p:cNvPr id="2" name="Title 1"/>
+          <p:cNvPr id="2" name="標題 1"/>
           <p:cNvSpPr>
             <a:spLocks noGrp="1"/>
           </p:cNvSpPr>
@@ -756,16 +751,16 @@
           <a:lstStyle/>
           <a:p>
             <a:r>
-              <a:rPr lang="zh-TW" altLang="en-US" smtClean="0"/>
-              <a:t>按一下以編輯母片標題樣式</a:t>
-            </a:r>
-            <a:endParaRPr lang="en-US"/>
-          </a:p>
-        </p:txBody>
-      </p:sp>
-      <p:sp>
-        <p:nvSpPr>
-          <p:cNvPr id="3" name="Content Placeholder 2"/>
+              <a:rPr lang="en-US" altLang="zh-TW" smtClean="0"/>
+              <a:t>Click to edit Master title style</a:t>
+            </a:r>
+            <a:endParaRPr lang="zh-TW" altLang="en-US"/>
+          </a:p>
+        </p:txBody>
+      </p:sp>
+      <p:sp>
+        <p:nvSpPr>
+          <p:cNvPr id="3" name="內容版面配置區 2"/>
           <p:cNvSpPr>
             <a:spLocks noGrp="1"/>
           </p:cNvSpPr>
@@ -780,44 +775,44 @@
           <a:p>
             <a:pPr lvl="0"/>
             <a:r>
-              <a:rPr lang="zh-TW" altLang="en-US" smtClean="0"/>
-              <a:t>按一下以編輯母片文字樣式</a:t>
+              <a:rPr lang="en-US" altLang="zh-TW" smtClean="0"/>
+              <a:t>Edit Master text styles</a:t>
             </a:r>
           </a:p>
           <a:p>
             <a:pPr lvl="1"/>
             <a:r>
-              <a:rPr lang="zh-TW" altLang="en-US" smtClean="0"/>
-              <a:t>第二層</a:t>
+              <a:rPr lang="en-US" altLang="zh-TW" smtClean="0"/>
+              <a:t>Second level</a:t>
             </a:r>
           </a:p>
           <a:p>
             <a:pPr lvl="2"/>
             <a:r>
-              <a:rPr lang="zh-TW" altLang="en-US" smtClean="0"/>
-              <a:t>第三層</a:t>
+              <a:rPr lang="en-US" altLang="zh-TW" smtClean="0"/>
+              <a:t>Third level</a:t>
             </a:r>
           </a:p>
           <a:p>
             <a:pPr lvl="3"/>
             <a:r>
-              <a:rPr lang="zh-TW" altLang="en-US" smtClean="0"/>
-              <a:t>第四層</a:t>
+              <a:rPr lang="en-US" altLang="zh-TW" smtClean="0"/>
+              <a:t>Fourth level</a:t>
             </a:r>
           </a:p>
           <a:p>
             <a:pPr lvl="4"/>
             <a:r>
-              <a:rPr lang="zh-TW" altLang="en-US" smtClean="0"/>
-              <a:t>第五層</a:t>
-            </a:r>
-            <a:endParaRPr lang="en-US"/>
-          </a:p>
-        </p:txBody>
-      </p:sp>
-      <p:sp>
-        <p:nvSpPr>
-          <p:cNvPr id="4" name="Date Placeholder 3"/>
+              <a:rPr lang="en-US" altLang="zh-TW" smtClean="0"/>
+              <a:t>Fifth level</a:t>
+            </a:r>
+            <a:endParaRPr lang="zh-TW" altLang="en-US"/>
+          </a:p>
+        </p:txBody>
+      </p:sp>
+      <p:sp>
+        <p:nvSpPr>
+          <p:cNvPr id="4" name="日期版面配置區 3"/>
           <p:cNvSpPr>
             <a:spLocks noGrp="1"/>
           </p:cNvSpPr>
@@ -828,15 +823,11 @@
         <p:spPr/>
         <p:txBody>
           <a:bodyPr/>
-          <a:lstStyle>
-            <a:lvl1pPr>
-              <a:defRPr/>
-            </a:lvl1pPr>
-          </a:lstStyle>
+          <a:lstStyle/>
           <a:p>
             <a:fld id="{EFB2791D-C3CD-4EB4-9F2F-930267A0665A}" type="datetimeFigureOut">
               <a:rPr lang="zh-TW" altLang="en-US" smtClean="0"/>
-              <a:t>2014/4/20</a:t>
+              <a:t>2020/4/10</a:t>
             </a:fld>
             <a:endParaRPr lang="zh-TW" altLang="en-US"/>
           </a:p>
@@ -844,7 +835,7 @@
       </p:sp>
       <p:sp>
         <p:nvSpPr>
-          <p:cNvPr id="5" name="Footer Placeholder 4"/>
+          <p:cNvPr id="5" name="頁尾版面配置區 4"/>
           <p:cNvSpPr>
             <a:spLocks noGrp="1"/>
           </p:cNvSpPr>
@@ -855,19 +846,15 @@
         <p:spPr/>
         <p:txBody>
           <a:bodyPr/>
-          <a:lstStyle>
-            <a:lvl1pPr>
-              <a:defRPr/>
-            </a:lvl1pPr>
-          </a:lstStyle>
-          <a:p>
-            <a:endParaRPr lang="zh-TW" altLang="en-US"/>
-          </a:p>
-        </p:txBody>
-      </p:sp>
-      <p:sp>
-        <p:nvSpPr>
-          <p:cNvPr id="6" name="Slide Number Placeholder 5"/>
+          <a:lstStyle/>
+          <a:p>
+            <a:endParaRPr lang="zh-TW" altLang="en-US"/>
+          </a:p>
+        </p:txBody>
+      </p:sp>
+      <p:sp>
+        <p:nvSpPr>
+          <p:cNvPr id="6" name="投影片編號版面配置區 5"/>
           <p:cNvSpPr>
             <a:spLocks noGrp="1"/>
           </p:cNvSpPr>
@@ -878,11 +865,7 @@
         <p:spPr/>
         <p:txBody>
           <a:bodyPr/>
-          <a:lstStyle>
-            <a:lvl1pPr>
-              <a:defRPr/>
-            </a:lvl1pPr>
-          </a:lstStyle>
+          <a:lstStyle/>
           <a:p>
             <a:fld id="{4703B1AB-9C2B-4871-9A28-2E7150DE209F}" type="slidenum">
               <a:rPr lang="zh-TW" altLang="en-US" smtClean="0"/>
@@ -893,6 +876,11 @@
         </p:txBody>
       </p:sp>
     </p:spTree>
+    <p:extLst>
+      <p:ext uri="{BB962C8B-B14F-4D97-AF65-F5344CB8AC3E}">
+        <p14:creationId xmlns:p14="http://schemas.microsoft.com/office/powerpoint/2010/main" val="3184767478"/>
+      </p:ext>
+    </p:extLst>
   </p:cSld>
   <p:clrMapOvr>
     <a:masterClrMapping/>
@@ -919,7 +907,7 @@
       </p:grpSpPr>
       <p:sp>
         <p:nvSpPr>
-          <p:cNvPr id="2" name="Title 1"/>
+          <p:cNvPr id="2" name="標題 1"/>
           <p:cNvSpPr>
             <a:spLocks noGrp="1"/>
           </p:cNvSpPr>
@@ -929,29 +917,29 @@
         </p:nvSpPr>
         <p:spPr>
           <a:xfrm>
-            <a:off x="722313" y="4406900"/>
-            <a:ext cx="7772400" cy="1362075"/>
+            <a:off x="963084" y="4406901"/>
+            <a:ext cx="10363200" cy="1362075"/>
           </a:xfrm>
         </p:spPr>
         <p:txBody>
           <a:bodyPr anchor="t"/>
           <a:lstStyle>
             <a:lvl1pPr algn="l">
-              <a:defRPr sz="4000" b="1" cap="all"/>
+              <a:defRPr sz="5333" b="1" cap="all"/>
             </a:lvl1pPr>
           </a:lstStyle>
           <a:p>
             <a:r>
-              <a:rPr lang="zh-TW" altLang="en-US" smtClean="0"/>
-              <a:t>按一下以編輯母片標題樣式</a:t>
-            </a:r>
-            <a:endParaRPr lang="en-US"/>
-          </a:p>
-        </p:txBody>
-      </p:sp>
-      <p:sp>
-        <p:nvSpPr>
-          <p:cNvPr id="3" name="Text Placeholder 2"/>
+              <a:rPr lang="en-US" altLang="zh-TW" smtClean="0"/>
+              <a:t>Click to edit Master title style</a:t>
+            </a:r>
+            <a:endParaRPr lang="zh-TW" altLang="en-US"/>
+          </a:p>
+        </p:txBody>
+      </p:sp>
+      <p:sp>
+        <p:nvSpPr>
+          <p:cNvPr id="3" name="文字版面配置區 2"/>
           <p:cNvSpPr>
             <a:spLocks noGrp="1"/>
           </p:cNvSpPr>
@@ -961,8 +949,8 @@
         </p:nvSpPr>
         <p:spPr>
           <a:xfrm>
-            <a:off x="722313" y="2906713"/>
-            <a:ext cx="7772400" cy="1500187"/>
+            <a:off x="963084" y="2906713"/>
+            <a:ext cx="10363200" cy="1500187"/>
           </a:xfrm>
         </p:spPr>
         <p:txBody>
@@ -970,7 +958,7 @@
           <a:lstStyle>
             <a:lvl1pPr marL="0" indent="0">
               <a:buNone/>
-              <a:defRPr sz="2000">
+              <a:defRPr sz="2667">
                 <a:solidFill>
                   <a:schemeClr val="tx1">
                     <a:tint val="75000"/>
@@ -978,9 +966,9 @@
                 </a:solidFill>
               </a:defRPr>
             </a:lvl1pPr>
-            <a:lvl2pPr marL="457200" indent="0">
-              <a:buNone/>
-              <a:defRPr sz="1800">
+            <a:lvl2pPr marL="609585" indent="0">
+              <a:buNone/>
+              <a:defRPr sz="2400">
                 <a:solidFill>
                   <a:schemeClr val="tx1">
                     <a:tint val="75000"/>
@@ -988,9 +976,9 @@
                 </a:solidFill>
               </a:defRPr>
             </a:lvl2pPr>
-            <a:lvl3pPr marL="914400" indent="0">
-              <a:buNone/>
-              <a:defRPr sz="1600">
+            <a:lvl3pPr marL="1219170" indent="0">
+              <a:buNone/>
+              <a:defRPr sz="2133">
                 <a:solidFill>
                   <a:schemeClr val="tx1">
                     <a:tint val="75000"/>
@@ -998,9 +986,9 @@
                 </a:solidFill>
               </a:defRPr>
             </a:lvl3pPr>
-            <a:lvl4pPr marL="1371600" indent="0">
-              <a:buNone/>
-              <a:defRPr sz="1400">
+            <a:lvl4pPr marL="1828754" indent="0">
+              <a:buNone/>
+              <a:defRPr sz="1867">
                 <a:solidFill>
                   <a:schemeClr val="tx1">
                     <a:tint val="75000"/>
@@ -1008,9 +996,9 @@
                 </a:solidFill>
               </a:defRPr>
             </a:lvl4pPr>
-            <a:lvl5pPr marL="1828800" indent="0">
-              <a:buNone/>
-              <a:defRPr sz="1400">
+            <a:lvl5pPr marL="2438339" indent="0">
+              <a:buNone/>
+              <a:defRPr sz="1867">
                 <a:solidFill>
                   <a:schemeClr val="tx1">
                     <a:tint val="75000"/>
@@ -1018,9 +1006,9 @@
                 </a:solidFill>
               </a:defRPr>
             </a:lvl5pPr>
-            <a:lvl6pPr marL="2286000" indent="0">
-              <a:buNone/>
-              <a:defRPr sz="1400">
+            <a:lvl6pPr marL="3047924" indent="0">
+              <a:buNone/>
+              <a:defRPr sz="1867">
                 <a:solidFill>
                   <a:schemeClr val="tx1">
                     <a:tint val="75000"/>
@@ -1028,9 +1016,9 @@
                 </a:solidFill>
               </a:defRPr>
             </a:lvl6pPr>
-            <a:lvl7pPr marL="2743200" indent="0">
-              <a:buNone/>
-              <a:defRPr sz="1400">
+            <a:lvl7pPr marL="3657509" indent="0">
+              <a:buNone/>
+              <a:defRPr sz="1867">
                 <a:solidFill>
                   <a:schemeClr val="tx1">
                     <a:tint val="75000"/>
@@ -1038,9 +1026,9 @@
                 </a:solidFill>
               </a:defRPr>
             </a:lvl7pPr>
-            <a:lvl8pPr marL="3200400" indent="0">
-              <a:buNone/>
-              <a:defRPr sz="1400">
+            <a:lvl8pPr marL="4267093" indent="0">
+              <a:buNone/>
+              <a:defRPr sz="1867">
                 <a:solidFill>
                   <a:schemeClr val="tx1">
                     <a:tint val="75000"/>
@@ -1048,9 +1036,9 @@
                 </a:solidFill>
               </a:defRPr>
             </a:lvl8pPr>
-            <a:lvl9pPr marL="3657600" indent="0">
-              <a:buNone/>
-              <a:defRPr sz="1400">
+            <a:lvl9pPr marL="4876678" indent="0">
+              <a:buNone/>
+              <a:defRPr sz="1867">
                 <a:solidFill>
                   <a:schemeClr val="tx1">
                     <a:tint val="75000"/>
@@ -1062,15 +1050,15 @@
           <a:p>
             <a:pPr lvl="0"/>
             <a:r>
-              <a:rPr lang="zh-TW" altLang="en-US" smtClean="0"/>
-              <a:t>按一下以編輯母片文字樣式</a:t>
-            </a:r>
-          </a:p>
-        </p:txBody>
-      </p:sp>
-      <p:sp>
-        <p:nvSpPr>
-          <p:cNvPr id="4" name="Date Placeholder 3"/>
+              <a:rPr lang="en-US" altLang="zh-TW" smtClean="0"/>
+              <a:t>Edit Master text styles</a:t>
+            </a:r>
+          </a:p>
+        </p:txBody>
+      </p:sp>
+      <p:sp>
+        <p:nvSpPr>
+          <p:cNvPr id="4" name="日期版面配置區 3"/>
           <p:cNvSpPr>
             <a:spLocks noGrp="1"/>
           </p:cNvSpPr>
@@ -1081,15 +1069,11 @@
         <p:spPr/>
         <p:txBody>
           <a:bodyPr/>
-          <a:lstStyle>
-            <a:lvl1pPr>
-              <a:defRPr/>
-            </a:lvl1pPr>
-          </a:lstStyle>
+          <a:lstStyle/>
           <a:p>
             <a:fld id="{EFB2791D-C3CD-4EB4-9F2F-930267A0665A}" type="datetimeFigureOut">
               <a:rPr lang="zh-TW" altLang="en-US" smtClean="0"/>
-              <a:t>2014/4/20</a:t>
+              <a:t>2020/4/10</a:t>
             </a:fld>
             <a:endParaRPr lang="zh-TW" altLang="en-US"/>
           </a:p>
@@ -1097,7 +1081,7 @@
       </p:sp>
       <p:sp>
         <p:nvSpPr>
-          <p:cNvPr id="5" name="Footer Placeholder 4"/>
+          <p:cNvPr id="5" name="頁尾版面配置區 4"/>
           <p:cNvSpPr>
             <a:spLocks noGrp="1"/>
           </p:cNvSpPr>
@@ -1108,19 +1092,15 @@
         <p:spPr/>
         <p:txBody>
           <a:bodyPr/>
-          <a:lstStyle>
-            <a:lvl1pPr>
-              <a:defRPr/>
-            </a:lvl1pPr>
-          </a:lstStyle>
-          <a:p>
-            <a:endParaRPr lang="zh-TW" altLang="en-US"/>
-          </a:p>
-        </p:txBody>
-      </p:sp>
-      <p:sp>
-        <p:nvSpPr>
-          <p:cNvPr id="6" name="Slide Number Placeholder 5"/>
+          <a:lstStyle/>
+          <a:p>
+            <a:endParaRPr lang="zh-TW" altLang="en-US"/>
+          </a:p>
+        </p:txBody>
+      </p:sp>
+      <p:sp>
+        <p:nvSpPr>
+          <p:cNvPr id="6" name="投影片編號版面配置區 5"/>
           <p:cNvSpPr>
             <a:spLocks noGrp="1"/>
           </p:cNvSpPr>
@@ -1131,11 +1111,7 @@
         <p:spPr/>
         <p:txBody>
           <a:bodyPr/>
-          <a:lstStyle>
-            <a:lvl1pPr>
-              <a:defRPr/>
-            </a:lvl1pPr>
-          </a:lstStyle>
+          <a:lstStyle/>
           <a:p>
             <a:fld id="{4703B1AB-9C2B-4871-9A28-2E7150DE209F}" type="slidenum">
               <a:rPr lang="zh-TW" altLang="en-US" smtClean="0"/>
@@ -1146,6 +1122,11 @@
         </p:txBody>
       </p:sp>
     </p:spTree>
+    <p:extLst>
+      <p:ext uri="{BB962C8B-B14F-4D97-AF65-F5344CB8AC3E}">
+        <p14:creationId xmlns:p14="http://schemas.microsoft.com/office/powerpoint/2010/main" val="2298963917"/>
+      </p:ext>
+    </p:extLst>
   </p:cSld>
   <p:clrMapOvr>
     <a:masterClrMapping/>
@@ -1172,7 +1153,7 @@
       </p:grpSpPr>
       <p:sp>
         <p:nvSpPr>
-          <p:cNvPr id="2" name="Title 1"/>
+          <p:cNvPr id="2" name="標題 1"/>
           <p:cNvSpPr>
             <a:spLocks noGrp="1"/>
           </p:cNvSpPr>
@@ -1186,16 +1167,16 @@
           <a:lstStyle/>
           <a:p>
             <a:r>
-              <a:rPr lang="zh-TW" altLang="en-US" smtClean="0"/>
-              <a:t>按一下以編輯母片標題樣式</a:t>
-            </a:r>
-            <a:endParaRPr lang="en-US"/>
-          </a:p>
-        </p:txBody>
-      </p:sp>
-      <p:sp>
-        <p:nvSpPr>
-          <p:cNvPr id="3" name="Content Placeholder 2"/>
+              <a:rPr lang="en-US" altLang="zh-TW" smtClean="0"/>
+              <a:t>Click to edit Master title style</a:t>
+            </a:r>
+            <a:endParaRPr lang="zh-TW" altLang="en-US"/>
+          </a:p>
+        </p:txBody>
+      </p:sp>
+      <p:sp>
+        <p:nvSpPr>
+          <p:cNvPr id="3" name="內容版面配置區 2"/>
           <p:cNvSpPr>
             <a:spLocks noGrp="1"/>
           </p:cNvSpPr>
@@ -1205,82 +1186,82 @@
         </p:nvSpPr>
         <p:spPr>
           <a:xfrm>
-            <a:off x="457200" y="1600200"/>
-            <a:ext cx="4038600" cy="4525963"/>
+            <a:off x="609600" y="1600201"/>
+            <a:ext cx="5384800" cy="4525963"/>
           </a:xfrm>
         </p:spPr>
         <p:txBody>
           <a:bodyPr/>
           <a:lstStyle>
             <a:lvl1pPr>
-              <a:defRPr sz="2800"/>
+              <a:defRPr sz="3733"/>
             </a:lvl1pPr>
             <a:lvl2pPr>
-              <a:defRPr sz="2400"/>
+              <a:defRPr sz="3200"/>
             </a:lvl2pPr>
             <a:lvl3pPr>
-              <a:defRPr sz="2000"/>
+              <a:defRPr sz="2667"/>
             </a:lvl3pPr>
             <a:lvl4pPr>
-              <a:defRPr sz="1800"/>
+              <a:defRPr sz="2400"/>
             </a:lvl4pPr>
             <a:lvl5pPr>
-              <a:defRPr sz="1800"/>
+              <a:defRPr sz="2400"/>
             </a:lvl5pPr>
             <a:lvl6pPr>
-              <a:defRPr sz="1800"/>
+              <a:defRPr sz="2400"/>
             </a:lvl6pPr>
             <a:lvl7pPr>
-              <a:defRPr sz="1800"/>
+              <a:defRPr sz="2400"/>
             </a:lvl7pPr>
             <a:lvl8pPr>
-              <a:defRPr sz="1800"/>
+              <a:defRPr sz="2400"/>
             </a:lvl8pPr>
             <a:lvl9pPr>
-              <a:defRPr sz="1800"/>
+              <a:defRPr sz="2400"/>
             </a:lvl9pPr>
           </a:lstStyle>
           <a:p>
             <a:pPr lvl="0"/>
             <a:r>
-              <a:rPr lang="zh-TW" altLang="en-US" smtClean="0"/>
-              <a:t>按一下以編輯母片文字樣式</a:t>
+              <a:rPr lang="en-US" altLang="zh-TW" smtClean="0"/>
+              <a:t>Edit Master text styles</a:t>
             </a:r>
           </a:p>
           <a:p>
             <a:pPr lvl="1"/>
             <a:r>
-              <a:rPr lang="zh-TW" altLang="en-US" smtClean="0"/>
-              <a:t>第二層</a:t>
+              <a:rPr lang="en-US" altLang="zh-TW" smtClean="0"/>
+              <a:t>Second level</a:t>
             </a:r>
           </a:p>
           <a:p>
             <a:pPr lvl="2"/>
             <a:r>
-              <a:rPr lang="zh-TW" altLang="en-US" smtClean="0"/>
-              <a:t>第三層</a:t>
+              <a:rPr lang="en-US" altLang="zh-TW" smtClean="0"/>
+              <a:t>Third level</a:t>
             </a:r>
           </a:p>
           <a:p>
             <a:pPr lvl="3"/>
             <a:r>
-              <a:rPr lang="zh-TW" altLang="en-US" smtClean="0"/>
-              <a:t>第四層</a:t>
+              <a:rPr lang="en-US" altLang="zh-TW" smtClean="0"/>
+              <a:t>Fourth level</a:t>
             </a:r>
           </a:p>
           <a:p>
             <a:pPr lvl="4"/>
             <a:r>
-              <a:rPr lang="zh-TW" altLang="en-US" smtClean="0"/>
-              <a:t>第五層</a:t>
-            </a:r>
-            <a:endParaRPr lang="en-US"/>
-          </a:p>
-        </p:txBody>
-      </p:sp>
-      <p:sp>
-        <p:nvSpPr>
-          <p:cNvPr id="4" name="Content Placeholder 3"/>
+              <a:rPr lang="en-US" altLang="zh-TW" smtClean="0"/>
+              <a:t>Fifth level</a:t>
+            </a:r>
+            <a:endParaRPr lang="zh-TW" altLang="en-US"/>
+          </a:p>
+        </p:txBody>
+      </p:sp>
+      <p:sp>
+        <p:nvSpPr>
+          <p:cNvPr id="4" name="內容版面配置區 3"/>
           <p:cNvSpPr>
             <a:spLocks noGrp="1"/>
           </p:cNvSpPr>
@@ -1290,82 +1271,82 @@
         </p:nvSpPr>
         <p:spPr>
           <a:xfrm>
-            <a:off x="4648200" y="1600200"/>
-            <a:ext cx="4038600" cy="4525963"/>
+            <a:off x="6197600" y="1600201"/>
+            <a:ext cx="5384800" cy="4525963"/>
           </a:xfrm>
         </p:spPr>
         <p:txBody>
           <a:bodyPr/>
           <a:lstStyle>
             <a:lvl1pPr>
-              <a:defRPr sz="2800"/>
+              <a:defRPr sz="3733"/>
             </a:lvl1pPr>
             <a:lvl2pPr>
-              <a:defRPr sz="2400"/>
+              <a:defRPr sz="3200"/>
             </a:lvl2pPr>
             <a:lvl3pPr>
-              <a:defRPr sz="2000"/>
+              <a:defRPr sz="2667"/>
             </a:lvl3pPr>
             <a:lvl4pPr>
-              <a:defRPr sz="1800"/>
+              <a:defRPr sz="2400"/>
             </a:lvl4pPr>
             <a:lvl5pPr>
-              <a:defRPr sz="1800"/>
+              <a:defRPr sz="2400"/>
             </a:lvl5pPr>
             <a:lvl6pPr>
-              <a:defRPr sz="1800"/>
+              <a:defRPr sz="2400"/>
             </a:lvl6pPr>
             <a:lvl7pPr>
-              <a:defRPr sz="1800"/>
+              <a:defRPr sz="2400"/>
             </a:lvl7pPr>
             <a:lvl8pPr>
-              <a:defRPr sz="1800"/>
+              <a:defRPr sz="2400"/>
             </a:lvl8pPr>
             <a:lvl9pPr>
-              <a:defRPr sz="1800"/>
+              <a:defRPr sz="2400"/>
             </a:lvl9pPr>
           </a:lstStyle>
           <a:p>
             <a:pPr lvl="0"/>
             <a:r>
-              <a:rPr lang="zh-TW" altLang="en-US" smtClean="0"/>
-              <a:t>按一下以編輯母片文字樣式</a:t>
+              <a:rPr lang="en-US" altLang="zh-TW" smtClean="0"/>
+              <a:t>Edit Master text styles</a:t>
             </a:r>
           </a:p>
           <a:p>
             <a:pPr lvl="1"/>
             <a:r>
-              <a:rPr lang="zh-TW" altLang="en-US" smtClean="0"/>
-              <a:t>第二層</a:t>
+              <a:rPr lang="en-US" altLang="zh-TW" smtClean="0"/>
+              <a:t>Second level</a:t>
             </a:r>
           </a:p>
           <a:p>
             <a:pPr lvl="2"/>
             <a:r>
-              <a:rPr lang="zh-TW" altLang="en-US" smtClean="0"/>
-              <a:t>第三層</a:t>
+              <a:rPr lang="en-US" altLang="zh-TW" smtClean="0"/>
+              <a:t>Third level</a:t>
             </a:r>
           </a:p>
           <a:p>
             <a:pPr lvl="3"/>
             <a:r>
-              <a:rPr lang="zh-TW" altLang="en-US" smtClean="0"/>
-              <a:t>第四層</a:t>
+              <a:rPr lang="en-US" altLang="zh-TW" smtClean="0"/>
+              <a:t>Fourth level</a:t>
             </a:r>
           </a:p>
           <a:p>
             <a:pPr lvl="4"/>
             <a:r>
-              <a:rPr lang="zh-TW" altLang="en-US" smtClean="0"/>
-              <a:t>第五層</a:t>
-            </a:r>
-            <a:endParaRPr lang="en-US"/>
-          </a:p>
-        </p:txBody>
-      </p:sp>
-      <p:sp>
-        <p:nvSpPr>
-          <p:cNvPr id="5" name="Date Placeholder 3"/>
+              <a:rPr lang="en-US" altLang="zh-TW" smtClean="0"/>
+              <a:t>Fifth level</a:t>
+            </a:r>
+            <a:endParaRPr lang="zh-TW" altLang="en-US"/>
+          </a:p>
+        </p:txBody>
+      </p:sp>
+      <p:sp>
+        <p:nvSpPr>
+          <p:cNvPr id="5" name="日期版面配置區 4"/>
           <p:cNvSpPr>
             <a:spLocks noGrp="1"/>
           </p:cNvSpPr>
@@ -1376,15 +1357,11 @@
         <p:spPr/>
         <p:txBody>
           <a:bodyPr/>
-          <a:lstStyle>
-            <a:lvl1pPr>
-              <a:defRPr/>
-            </a:lvl1pPr>
-          </a:lstStyle>
+          <a:lstStyle/>
           <a:p>
             <a:fld id="{EFB2791D-C3CD-4EB4-9F2F-930267A0665A}" type="datetimeFigureOut">
               <a:rPr lang="zh-TW" altLang="en-US" smtClean="0"/>
-              <a:t>2014/4/20</a:t>
+              <a:t>2020/4/10</a:t>
             </a:fld>
             <a:endParaRPr lang="zh-TW" altLang="en-US"/>
           </a:p>
@@ -1392,7 +1369,7 @@
       </p:sp>
       <p:sp>
         <p:nvSpPr>
-          <p:cNvPr id="6" name="Footer Placeholder 4"/>
+          <p:cNvPr id="6" name="頁尾版面配置區 5"/>
           <p:cNvSpPr>
             <a:spLocks noGrp="1"/>
           </p:cNvSpPr>
@@ -1403,19 +1380,15 @@
         <p:spPr/>
         <p:txBody>
           <a:bodyPr/>
-          <a:lstStyle>
-            <a:lvl1pPr>
-              <a:defRPr/>
-            </a:lvl1pPr>
-          </a:lstStyle>
-          <a:p>
-            <a:endParaRPr lang="zh-TW" altLang="en-US"/>
-          </a:p>
-        </p:txBody>
-      </p:sp>
-      <p:sp>
-        <p:nvSpPr>
-          <p:cNvPr id="7" name="Slide Number Placeholder 5"/>
+          <a:lstStyle/>
+          <a:p>
+            <a:endParaRPr lang="zh-TW" altLang="en-US"/>
+          </a:p>
+        </p:txBody>
+      </p:sp>
+      <p:sp>
+        <p:nvSpPr>
+          <p:cNvPr id="7" name="投影片編號版面配置區 6"/>
           <p:cNvSpPr>
             <a:spLocks noGrp="1"/>
           </p:cNvSpPr>
@@ -1426,11 +1399,7 @@
         <p:spPr/>
         <p:txBody>
           <a:bodyPr/>
-          <a:lstStyle>
-            <a:lvl1pPr>
-              <a:defRPr/>
-            </a:lvl1pPr>
-          </a:lstStyle>
+          <a:lstStyle/>
           <a:p>
             <a:fld id="{4703B1AB-9C2B-4871-9A28-2E7150DE209F}" type="slidenum">
               <a:rPr lang="zh-TW" altLang="en-US" smtClean="0"/>
@@ -1441,6 +1410,11 @@
         </p:txBody>
       </p:sp>
     </p:spTree>
+    <p:extLst>
+      <p:ext uri="{BB962C8B-B14F-4D97-AF65-F5344CB8AC3E}">
+        <p14:creationId xmlns:p14="http://schemas.microsoft.com/office/powerpoint/2010/main" val="524896195"/>
+      </p:ext>
+    </p:extLst>
   </p:cSld>
   <p:clrMapOvr>
     <a:masterClrMapping/>
@@ -1467,7 +1441,7 @@
       </p:grpSpPr>
       <p:sp>
         <p:nvSpPr>
-          <p:cNvPr id="2" name="Title 1"/>
+          <p:cNvPr id="2" name="標題 1"/>
           <p:cNvSpPr>
             <a:spLocks noGrp="1"/>
           </p:cNvSpPr>
@@ -1485,16 +1459,16 @@
           </a:lstStyle>
           <a:p>
             <a:r>
-              <a:rPr lang="zh-TW" altLang="en-US" smtClean="0"/>
-              <a:t>按一下以編輯母片標題樣式</a:t>
-            </a:r>
-            <a:endParaRPr lang="en-US"/>
-          </a:p>
-        </p:txBody>
-      </p:sp>
-      <p:sp>
-        <p:nvSpPr>
-          <p:cNvPr id="3" name="Text Placeholder 2"/>
+              <a:rPr lang="en-US" altLang="zh-TW" smtClean="0"/>
+              <a:t>Click to edit Master title style</a:t>
+            </a:r>
+            <a:endParaRPr lang="zh-TW" altLang="en-US"/>
+          </a:p>
+        </p:txBody>
+      </p:sp>
+      <p:sp>
+        <p:nvSpPr>
+          <p:cNvPr id="3" name="文字版面配置區 2"/>
           <p:cNvSpPr>
             <a:spLocks noGrp="1"/>
           </p:cNvSpPr>
@@ -1504,8 +1478,8 @@
         </p:nvSpPr>
         <p:spPr>
           <a:xfrm>
-            <a:off x="457200" y="1535113"/>
-            <a:ext cx="4040188" cy="639762"/>
+            <a:off x="609600" y="1535113"/>
+            <a:ext cx="5386917" cy="639763"/>
           </a:xfrm>
         </p:spPr>
         <p:txBody>
@@ -1513,53 +1487,53 @@
           <a:lstStyle>
             <a:lvl1pPr marL="0" indent="0">
               <a:buNone/>
+              <a:defRPr sz="3200" b="1"/>
+            </a:lvl1pPr>
+            <a:lvl2pPr marL="609585" indent="0">
+              <a:buNone/>
+              <a:defRPr sz="2667" b="1"/>
+            </a:lvl2pPr>
+            <a:lvl3pPr marL="1219170" indent="0">
+              <a:buNone/>
               <a:defRPr sz="2400" b="1"/>
-            </a:lvl1pPr>
-            <a:lvl2pPr marL="457200" indent="0">
-              <a:buNone/>
-              <a:defRPr sz="2000" b="1"/>
-            </a:lvl2pPr>
-            <a:lvl3pPr marL="914400" indent="0">
-              <a:buNone/>
-              <a:defRPr sz="1800" b="1"/>
             </a:lvl3pPr>
-            <a:lvl4pPr marL="1371600" indent="0">
-              <a:buNone/>
-              <a:defRPr sz="1600" b="1"/>
+            <a:lvl4pPr marL="1828754" indent="0">
+              <a:buNone/>
+              <a:defRPr sz="2133" b="1"/>
             </a:lvl4pPr>
-            <a:lvl5pPr marL="1828800" indent="0">
-              <a:buNone/>
-              <a:defRPr sz="1600" b="1"/>
+            <a:lvl5pPr marL="2438339" indent="0">
+              <a:buNone/>
+              <a:defRPr sz="2133" b="1"/>
             </a:lvl5pPr>
-            <a:lvl6pPr marL="2286000" indent="0">
-              <a:buNone/>
-              <a:defRPr sz="1600" b="1"/>
+            <a:lvl6pPr marL="3047924" indent="0">
+              <a:buNone/>
+              <a:defRPr sz="2133" b="1"/>
             </a:lvl6pPr>
-            <a:lvl7pPr marL="2743200" indent="0">
-              <a:buNone/>
-              <a:defRPr sz="1600" b="1"/>
+            <a:lvl7pPr marL="3657509" indent="0">
+              <a:buNone/>
+              <a:defRPr sz="2133" b="1"/>
             </a:lvl7pPr>
-            <a:lvl8pPr marL="3200400" indent="0">
-              <a:buNone/>
-              <a:defRPr sz="1600" b="1"/>
+            <a:lvl8pPr marL="4267093" indent="0">
+              <a:buNone/>
+              <a:defRPr sz="2133" b="1"/>
             </a:lvl8pPr>
-            <a:lvl9pPr marL="3657600" indent="0">
-              <a:buNone/>
-              <a:defRPr sz="1600" b="1"/>
+            <a:lvl9pPr marL="4876678" indent="0">
+              <a:buNone/>
+              <a:defRPr sz="2133" b="1"/>
             </a:lvl9pPr>
           </a:lstStyle>
           <a:p>
             <a:pPr lvl="0"/>
             <a:r>
-              <a:rPr lang="zh-TW" altLang="en-US" smtClean="0"/>
-              <a:t>按一下以編輯母片文字樣式</a:t>
-            </a:r>
-          </a:p>
-        </p:txBody>
-      </p:sp>
-      <p:sp>
-        <p:nvSpPr>
-          <p:cNvPr id="4" name="Content Placeholder 3"/>
+              <a:rPr lang="en-US" altLang="zh-TW" smtClean="0"/>
+              <a:t>Edit Master text styles</a:t>
+            </a:r>
+          </a:p>
+        </p:txBody>
+      </p:sp>
+      <p:sp>
+        <p:nvSpPr>
+          <p:cNvPr id="4" name="內容版面配置區 3"/>
           <p:cNvSpPr>
             <a:spLocks noGrp="1"/>
           </p:cNvSpPr>
@@ -1569,82 +1543,82 @@
         </p:nvSpPr>
         <p:spPr>
           <a:xfrm>
-            <a:off x="457200" y="2174875"/>
-            <a:ext cx="4040188" cy="3951288"/>
+            <a:off x="609600" y="2174875"/>
+            <a:ext cx="5386917" cy="3951288"/>
           </a:xfrm>
         </p:spPr>
         <p:txBody>
           <a:bodyPr/>
           <a:lstStyle>
             <a:lvl1pPr>
-              <a:defRPr sz="2400"/>
+              <a:defRPr sz="3200"/>
             </a:lvl1pPr>
             <a:lvl2pPr>
-              <a:defRPr sz="2000"/>
+              <a:defRPr sz="2667"/>
             </a:lvl2pPr>
             <a:lvl3pPr>
-              <a:defRPr sz="1800"/>
+              <a:defRPr sz="2400"/>
             </a:lvl3pPr>
             <a:lvl4pPr>
-              <a:defRPr sz="1600"/>
+              <a:defRPr sz="2133"/>
             </a:lvl4pPr>
             <a:lvl5pPr>
-              <a:defRPr sz="1600"/>
+              <a:defRPr sz="2133"/>
             </a:lvl5pPr>
             <a:lvl6pPr>
-              <a:defRPr sz="1600"/>
+              <a:defRPr sz="2133"/>
             </a:lvl6pPr>
             <a:lvl7pPr>
-              <a:defRPr sz="1600"/>
+              <a:defRPr sz="2133"/>
             </a:lvl7pPr>
             <a:lvl8pPr>
-              <a:defRPr sz="1600"/>
+              <a:defRPr sz="2133"/>
             </a:lvl8pPr>
             <a:lvl9pPr>
-              <a:defRPr sz="1600"/>
+              <a:defRPr sz="2133"/>
             </a:lvl9pPr>
           </a:lstStyle>
           <a:p>
             <a:pPr lvl="0"/>
             <a:r>
-              <a:rPr lang="zh-TW" altLang="en-US" smtClean="0"/>
-              <a:t>按一下以編輯母片文字樣式</a:t>
+              <a:rPr lang="en-US" altLang="zh-TW" smtClean="0"/>
+              <a:t>Edit Master text styles</a:t>
             </a:r>
           </a:p>
           <a:p>
             <a:pPr lvl="1"/>
             <a:r>
-              <a:rPr lang="zh-TW" altLang="en-US" smtClean="0"/>
-              <a:t>第二層</a:t>
+              <a:rPr lang="en-US" altLang="zh-TW" smtClean="0"/>
+              <a:t>Second level</a:t>
             </a:r>
           </a:p>
           <a:p>
             <a:pPr lvl="2"/>
             <a:r>
-              <a:rPr lang="zh-TW" altLang="en-US" smtClean="0"/>
-              <a:t>第三層</a:t>
+              <a:rPr lang="en-US" altLang="zh-TW" smtClean="0"/>
+              <a:t>Third level</a:t>
             </a:r>
           </a:p>
           <a:p>
             <a:pPr lvl="3"/>
             <a:r>
-              <a:rPr lang="zh-TW" altLang="en-US" smtClean="0"/>
-              <a:t>第四層</a:t>
+              <a:rPr lang="en-US" altLang="zh-TW" smtClean="0"/>
+              <a:t>Fourth level</a:t>
             </a:r>
           </a:p>
           <a:p>
             <a:pPr lvl="4"/>
             <a:r>
-              <a:rPr lang="zh-TW" altLang="en-US" smtClean="0"/>
-              <a:t>第五層</a:t>
-            </a:r>
-            <a:endParaRPr lang="en-US"/>
-          </a:p>
-        </p:txBody>
-      </p:sp>
-      <p:sp>
-        <p:nvSpPr>
-          <p:cNvPr id="5" name="Text Placeholder 4"/>
+              <a:rPr lang="en-US" altLang="zh-TW" smtClean="0"/>
+              <a:t>Fifth level</a:t>
+            </a:r>
+            <a:endParaRPr lang="zh-TW" altLang="en-US"/>
+          </a:p>
+        </p:txBody>
+      </p:sp>
+      <p:sp>
+        <p:nvSpPr>
+          <p:cNvPr id="5" name="文字版面配置區 4"/>
           <p:cNvSpPr>
             <a:spLocks noGrp="1"/>
           </p:cNvSpPr>
@@ -1654,8 +1628,8 @@
         </p:nvSpPr>
         <p:spPr>
           <a:xfrm>
-            <a:off x="4645025" y="1535113"/>
-            <a:ext cx="4041775" cy="639762"/>
+            <a:off x="6193369" y="1535113"/>
+            <a:ext cx="5389033" cy="639763"/>
           </a:xfrm>
         </p:spPr>
         <p:txBody>
@@ -1663,53 +1637,53 @@
           <a:lstStyle>
             <a:lvl1pPr marL="0" indent="0">
               <a:buNone/>
+              <a:defRPr sz="3200" b="1"/>
+            </a:lvl1pPr>
+            <a:lvl2pPr marL="609585" indent="0">
+              <a:buNone/>
+              <a:defRPr sz="2667" b="1"/>
+            </a:lvl2pPr>
+            <a:lvl3pPr marL="1219170" indent="0">
+              <a:buNone/>
               <a:defRPr sz="2400" b="1"/>
-            </a:lvl1pPr>
-            <a:lvl2pPr marL="457200" indent="0">
-              <a:buNone/>
-              <a:defRPr sz="2000" b="1"/>
-            </a:lvl2pPr>
-            <a:lvl3pPr marL="914400" indent="0">
-              <a:buNone/>
-              <a:defRPr sz="1800" b="1"/>
             </a:lvl3pPr>
-            <a:lvl4pPr marL="1371600" indent="0">
-              <a:buNone/>
-              <a:defRPr sz="1600" b="1"/>
+            <a:lvl4pPr marL="1828754" indent="0">
+              <a:buNone/>
+              <a:defRPr sz="2133" b="1"/>
             </a:lvl4pPr>
-            <a:lvl5pPr marL="1828800" indent="0">
-              <a:buNone/>
-              <a:defRPr sz="1600" b="1"/>
+            <a:lvl5pPr marL="2438339" indent="0">
+              <a:buNone/>
+              <a:defRPr sz="2133" b="1"/>
             </a:lvl5pPr>
-            <a:lvl6pPr marL="2286000" indent="0">
-              <a:buNone/>
-              <a:defRPr sz="1600" b="1"/>
+            <a:lvl6pPr marL="3047924" indent="0">
+              <a:buNone/>
+              <a:defRPr sz="2133" b="1"/>
             </a:lvl6pPr>
-            <a:lvl7pPr marL="2743200" indent="0">
-              <a:buNone/>
-              <a:defRPr sz="1600" b="1"/>
+            <a:lvl7pPr marL="3657509" indent="0">
+              <a:buNone/>
+              <a:defRPr sz="2133" b="1"/>
             </a:lvl7pPr>
-            <a:lvl8pPr marL="3200400" indent="0">
-              <a:buNone/>
-              <a:defRPr sz="1600" b="1"/>
+            <a:lvl8pPr marL="4267093" indent="0">
+              <a:buNone/>
+              <a:defRPr sz="2133" b="1"/>
             </a:lvl8pPr>
-            <a:lvl9pPr marL="3657600" indent="0">
-              <a:buNone/>
-              <a:defRPr sz="1600" b="1"/>
+            <a:lvl9pPr marL="4876678" indent="0">
+              <a:buNone/>
+              <a:defRPr sz="2133" b="1"/>
             </a:lvl9pPr>
           </a:lstStyle>
           <a:p>
             <a:pPr lvl="0"/>
             <a:r>
-              <a:rPr lang="zh-TW" altLang="en-US" smtClean="0"/>
-              <a:t>按一下以編輯母片文字樣式</a:t>
-            </a:r>
-          </a:p>
-        </p:txBody>
-      </p:sp>
-      <p:sp>
-        <p:nvSpPr>
-          <p:cNvPr id="6" name="Content Placeholder 5"/>
+              <a:rPr lang="en-US" altLang="zh-TW" smtClean="0"/>
+              <a:t>Edit Master text styles</a:t>
+            </a:r>
+          </a:p>
+        </p:txBody>
+      </p:sp>
+      <p:sp>
+        <p:nvSpPr>
+          <p:cNvPr id="6" name="內容版面配置區 5"/>
           <p:cNvSpPr>
             <a:spLocks noGrp="1"/>
           </p:cNvSpPr>
@@ -1719,82 +1693,82 @@
         </p:nvSpPr>
         <p:spPr>
           <a:xfrm>
-            <a:off x="4645025" y="2174875"/>
-            <a:ext cx="4041775" cy="3951288"/>
+            <a:off x="6193369" y="2174875"/>
+            <a:ext cx="5389033" cy="3951288"/>
           </a:xfrm>
         </p:spPr>
         <p:txBody>
           <a:bodyPr/>
           <a:lstStyle>
             <a:lvl1pPr>
-              <a:defRPr sz="2400"/>
+              <a:defRPr sz="3200"/>
             </a:lvl1pPr>
             <a:lvl2pPr>
-              <a:defRPr sz="2000"/>
+              <a:defRPr sz="2667"/>
             </a:lvl2pPr>
             <a:lvl3pPr>
-              <a:defRPr sz="1800"/>
+              <a:defRPr sz="2400"/>
             </a:lvl3pPr>
             <a:lvl4pPr>
-              <a:defRPr sz="1600"/>
+              <a:defRPr sz="2133"/>
             </a:lvl4pPr>
             <a:lvl5pPr>
-              <a:defRPr sz="1600"/>
+              <a:defRPr sz="2133"/>
             </a:lvl5pPr>
             <a:lvl6pPr>
-              <a:defRPr sz="1600"/>
+              <a:defRPr sz="2133"/>
             </a:lvl6pPr>
             <a:lvl7pPr>
-              <a:defRPr sz="1600"/>
+              <a:defRPr sz="2133"/>
             </a:lvl7pPr>
             <a:lvl8pPr>
-              <a:defRPr sz="1600"/>
+              <a:defRPr sz="2133"/>
             </a:lvl8pPr>
             <a:lvl9pPr>
-              <a:defRPr sz="1600"/>
+              <a:defRPr sz="2133"/>
             </a:lvl9pPr>
           </a:lstStyle>
           <a:p>
             <a:pPr lvl="0"/>
             <a:r>
-              <a:rPr lang="zh-TW" altLang="en-US" smtClean="0"/>
-              <a:t>按一下以編輯母片文字樣式</a:t>
+              <a:rPr lang="en-US" altLang="zh-TW" smtClean="0"/>
+              <a:t>Edit Master text styles</a:t>
             </a:r>
           </a:p>
           <a:p>
             <a:pPr lvl="1"/>
             <a:r>
-              <a:rPr lang="zh-TW" altLang="en-US" smtClean="0"/>
-              <a:t>第二層</a:t>
+              <a:rPr lang="en-US" altLang="zh-TW" smtClean="0"/>
+              <a:t>Second level</a:t>
             </a:r>
           </a:p>
           <a:p>
             <a:pPr lvl="2"/>
             <a:r>
-              <a:rPr lang="zh-TW" altLang="en-US" smtClean="0"/>
-              <a:t>第三層</a:t>
+              <a:rPr lang="en-US" altLang="zh-TW" smtClean="0"/>
+              <a:t>Third level</a:t>
             </a:r>
           </a:p>
           <a:p>
             <a:pPr lvl="3"/>
             <a:r>
-              <a:rPr lang="zh-TW" altLang="en-US" smtClean="0"/>
-              <a:t>第四層</a:t>
+              <a:rPr lang="en-US" altLang="zh-TW" smtClean="0"/>
+              <a:t>Fourth level</a:t>
             </a:r>
           </a:p>
           <a:p>
             <a:pPr lvl="4"/>
             <a:r>
-              <a:rPr lang="zh-TW" altLang="en-US" smtClean="0"/>
-              <a:t>第五層</a:t>
-            </a:r>
-            <a:endParaRPr lang="en-US"/>
-          </a:p>
-        </p:txBody>
-      </p:sp>
-      <p:sp>
-        <p:nvSpPr>
-          <p:cNvPr id="7" name="Date Placeholder 3"/>
+              <a:rPr lang="en-US" altLang="zh-TW" smtClean="0"/>
+              <a:t>Fifth level</a:t>
+            </a:r>
+            <a:endParaRPr lang="zh-TW" altLang="en-US"/>
+          </a:p>
+        </p:txBody>
+      </p:sp>
+      <p:sp>
+        <p:nvSpPr>
+          <p:cNvPr id="7" name="日期版面配置區 6"/>
           <p:cNvSpPr>
             <a:spLocks noGrp="1"/>
           </p:cNvSpPr>
@@ -1805,15 +1779,11 @@
         <p:spPr/>
         <p:txBody>
           <a:bodyPr/>
-          <a:lstStyle>
-            <a:lvl1pPr>
-              <a:defRPr/>
-            </a:lvl1pPr>
-          </a:lstStyle>
+          <a:lstStyle/>
           <a:p>
             <a:fld id="{EFB2791D-C3CD-4EB4-9F2F-930267A0665A}" type="datetimeFigureOut">
               <a:rPr lang="zh-TW" altLang="en-US" smtClean="0"/>
-              <a:t>2014/4/20</a:t>
+              <a:t>2020/4/10</a:t>
             </a:fld>
             <a:endParaRPr lang="zh-TW" altLang="en-US"/>
           </a:p>
@@ -1821,7 +1791,7 @@
       </p:sp>
       <p:sp>
         <p:nvSpPr>
-          <p:cNvPr id="8" name="Footer Placeholder 4"/>
+          <p:cNvPr id="8" name="頁尾版面配置區 7"/>
           <p:cNvSpPr>
             <a:spLocks noGrp="1"/>
           </p:cNvSpPr>
@@ -1832,19 +1802,15 @@
         <p:spPr/>
         <p:txBody>
           <a:bodyPr/>
-          <a:lstStyle>
-            <a:lvl1pPr>
-              <a:defRPr/>
-            </a:lvl1pPr>
-          </a:lstStyle>
-          <a:p>
-            <a:endParaRPr lang="zh-TW" altLang="en-US"/>
-          </a:p>
-        </p:txBody>
-      </p:sp>
-      <p:sp>
-        <p:nvSpPr>
-          <p:cNvPr id="9" name="Slide Number Placeholder 5"/>
+          <a:lstStyle/>
+          <a:p>
+            <a:endParaRPr lang="zh-TW" altLang="en-US"/>
+          </a:p>
+        </p:txBody>
+      </p:sp>
+      <p:sp>
+        <p:nvSpPr>
+          <p:cNvPr id="9" name="投影片編號版面配置區 8"/>
           <p:cNvSpPr>
             <a:spLocks noGrp="1"/>
           </p:cNvSpPr>
@@ -1855,11 +1821,7 @@
         <p:spPr/>
         <p:txBody>
           <a:bodyPr/>
-          <a:lstStyle>
-            <a:lvl1pPr>
-              <a:defRPr/>
-            </a:lvl1pPr>
-          </a:lstStyle>
+          <a:lstStyle/>
           <a:p>
             <a:fld id="{4703B1AB-9C2B-4871-9A28-2E7150DE209F}" type="slidenum">
               <a:rPr lang="zh-TW" altLang="en-US" smtClean="0"/>
@@ -1870,6 +1832,11 @@
         </p:txBody>
       </p:sp>
     </p:spTree>
+    <p:extLst>
+      <p:ext uri="{BB962C8B-B14F-4D97-AF65-F5344CB8AC3E}">
+        <p14:creationId xmlns:p14="http://schemas.microsoft.com/office/powerpoint/2010/main" val="1634817741"/>
+      </p:ext>
+    </p:extLst>
   </p:cSld>
   <p:clrMapOvr>
     <a:masterClrMapping/>
@@ -1896,7 +1863,7 @@
       </p:grpSpPr>
       <p:sp>
         <p:nvSpPr>
-          <p:cNvPr id="2" name="Title 1"/>
+          <p:cNvPr id="2" name="標題 1"/>
           <p:cNvSpPr>
             <a:spLocks noGrp="1"/>
           </p:cNvSpPr>
@@ -1910,16 +1877,16 @@
           <a:lstStyle/>
           <a:p>
             <a:r>
-              <a:rPr lang="zh-TW" altLang="en-US" smtClean="0"/>
-              <a:t>按一下以編輯母片標題樣式</a:t>
-            </a:r>
-            <a:endParaRPr lang="en-US"/>
-          </a:p>
-        </p:txBody>
-      </p:sp>
-      <p:sp>
-        <p:nvSpPr>
-          <p:cNvPr id="3" name="Date Placeholder 3"/>
+              <a:rPr lang="en-US" altLang="zh-TW" smtClean="0"/>
+              <a:t>Click to edit Master title style</a:t>
+            </a:r>
+            <a:endParaRPr lang="zh-TW" altLang="en-US"/>
+          </a:p>
+        </p:txBody>
+      </p:sp>
+      <p:sp>
+        <p:nvSpPr>
+          <p:cNvPr id="3" name="日期版面配置區 2"/>
           <p:cNvSpPr>
             <a:spLocks noGrp="1"/>
           </p:cNvSpPr>
@@ -1930,15 +1897,11 @@
         <p:spPr/>
         <p:txBody>
           <a:bodyPr/>
-          <a:lstStyle>
-            <a:lvl1pPr>
-              <a:defRPr/>
-            </a:lvl1pPr>
-          </a:lstStyle>
+          <a:lstStyle/>
           <a:p>
             <a:fld id="{EFB2791D-C3CD-4EB4-9F2F-930267A0665A}" type="datetimeFigureOut">
               <a:rPr lang="zh-TW" altLang="en-US" smtClean="0"/>
-              <a:t>2014/4/20</a:t>
+              <a:t>2020/4/10</a:t>
             </a:fld>
             <a:endParaRPr lang="zh-TW" altLang="en-US"/>
           </a:p>
@@ -1946,7 +1909,7 @@
       </p:sp>
       <p:sp>
         <p:nvSpPr>
-          <p:cNvPr id="4" name="Footer Placeholder 4"/>
+          <p:cNvPr id="4" name="頁尾版面配置區 3"/>
           <p:cNvSpPr>
             <a:spLocks noGrp="1"/>
           </p:cNvSpPr>
@@ -1957,19 +1920,15 @@
         <p:spPr/>
         <p:txBody>
           <a:bodyPr/>
-          <a:lstStyle>
-            <a:lvl1pPr>
-              <a:defRPr/>
-            </a:lvl1pPr>
-          </a:lstStyle>
-          <a:p>
-            <a:endParaRPr lang="zh-TW" altLang="en-US"/>
-          </a:p>
-        </p:txBody>
-      </p:sp>
-      <p:sp>
-        <p:nvSpPr>
-          <p:cNvPr id="5" name="Slide Number Placeholder 5"/>
+          <a:lstStyle/>
+          <a:p>
+            <a:endParaRPr lang="zh-TW" altLang="en-US"/>
+          </a:p>
+        </p:txBody>
+      </p:sp>
+      <p:sp>
+        <p:nvSpPr>
+          <p:cNvPr id="5" name="投影片編號版面配置區 4"/>
           <p:cNvSpPr>
             <a:spLocks noGrp="1"/>
           </p:cNvSpPr>
@@ -1980,11 +1939,7 @@
         <p:spPr/>
         <p:txBody>
           <a:bodyPr/>
-          <a:lstStyle>
-            <a:lvl1pPr>
-              <a:defRPr/>
-            </a:lvl1pPr>
-          </a:lstStyle>
+          <a:lstStyle/>
           <a:p>
             <a:fld id="{4703B1AB-9C2B-4871-9A28-2E7150DE209F}" type="slidenum">
               <a:rPr lang="zh-TW" altLang="en-US" smtClean="0"/>
@@ -1995,6 +1950,11 @@
         </p:txBody>
       </p:sp>
     </p:spTree>
+    <p:extLst>
+      <p:ext uri="{BB962C8B-B14F-4D97-AF65-F5344CB8AC3E}">
+        <p14:creationId xmlns:p14="http://schemas.microsoft.com/office/powerpoint/2010/main" val="2012068381"/>
+      </p:ext>
+    </p:extLst>
   </p:cSld>
   <p:clrMapOvr>
     <a:masterClrMapping/>
@@ -2021,7 +1981,7 @@
       </p:grpSpPr>
       <p:sp>
         <p:nvSpPr>
-          <p:cNvPr id="2" name="Date Placeholder 3"/>
+          <p:cNvPr id="2" name="日期版面配置區 1"/>
           <p:cNvSpPr>
             <a:spLocks noGrp="1"/>
           </p:cNvSpPr>
@@ -2032,15 +1992,11 @@
         <p:spPr/>
         <p:txBody>
           <a:bodyPr/>
-          <a:lstStyle>
-            <a:lvl1pPr>
-              <a:defRPr/>
-            </a:lvl1pPr>
-          </a:lstStyle>
+          <a:lstStyle/>
           <a:p>
             <a:fld id="{EFB2791D-C3CD-4EB4-9F2F-930267A0665A}" type="datetimeFigureOut">
               <a:rPr lang="zh-TW" altLang="en-US" smtClean="0"/>
-              <a:t>2014/4/20</a:t>
+              <a:t>2020/4/10</a:t>
             </a:fld>
             <a:endParaRPr lang="zh-TW" altLang="en-US"/>
           </a:p>
@@ -2048,7 +2004,7 @@
       </p:sp>
       <p:sp>
         <p:nvSpPr>
-          <p:cNvPr id="3" name="Footer Placeholder 4"/>
+          <p:cNvPr id="3" name="頁尾版面配置區 2"/>
           <p:cNvSpPr>
             <a:spLocks noGrp="1"/>
           </p:cNvSpPr>
@@ -2059,19 +2015,15 @@
         <p:spPr/>
         <p:txBody>
           <a:bodyPr/>
-          <a:lstStyle>
-            <a:lvl1pPr>
-              <a:defRPr/>
-            </a:lvl1pPr>
-          </a:lstStyle>
-          <a:p>
-            <a:endParaRPr lang="zh-TW" altLang="en-US"/>
-          </a:p>
-        </p:txBody>
-      </p:sp>
-      <p:sp>
-        <p:nvSpPr>
-          <p:cNvPr id="4" name="Slide Number Placeholder 5"/>
+          <a:lstStyle/>
+          <a:p>
+            <a:endParaRPr lang="zh-TW" altLang="en-US"/>
+          </a:p>
+        </p:txBody>
+      </p:sp>
+      <p:sp>
+        <p:nvSpPr>
+          <p:cNvPr id="4" name="投影片編號版面配置區 3"/>
           <p:cNvSpPr>
             <a:spLocks noGrp="1"/>
           </p:cNvSpPr>
@@ -2082,11 +2034,7 @@
         <p:spPr/>
         <p:txBody>
           <a:bodyPr/>
-          <a:lstStyle>
-            <a:lvl1pPr>
-              <a:defRPr/>
-            </a:lvl1pPr>
-          </a:lstStyle>
+          <a:lstStyle/>
           <a:p>
             <a:fld id="{4703B1AB-9C2B-4871-9A28-2E7150DE209F}" type="slidenum">
               <a:rPr lang="zh-TW" altLang="en-US" smtClean="0"/>
@@ -2097,6 +2045,11 @@
         </p:txBody>
       </p:sp>
     </p:spTree>
+    <p:extLst>
+      <p:ext uri="{BB962C8B-B14F-4D97-AF65-F5344CB8AC3E}">
+        <p14:creationId xmlns:p14="http://schemas.microsoft.com/office/powerpoint/2010/main" val="1956716881"/>
+      </p:ext>
+    </p:extLst>
   </p:cSld>
   <p:clrMapOvr>
     <a:masterClrMapping/>
@@ -2123,7 +2076,7 @@
       </p:grpSpPr>
       <p:sp>
         <p:nvSpPr>
-          <p:cNvPr id="2" name="Title 1"/>
+          <p:cNvPr id="2" name="標題 1"/>
           <p:cNvSpPr>
             <a:spLocks noGrp="1"/>
           </p:cNvSpPr>
@@ -2133,29 +2086,29 @@
         </p:nvSpPr>
         <p:spPr>
           <a:xfrm>
-            <a:off x="457200" y="273050"/>
-            <a:ext cx="3008313" cy="1162050"/>
+            <a:off x="609602" y="273049"/>
+            <a:ext cx="4011084" cy="1162051"/>
           </a:xfrm>
         </p:spPr>
         <p:txBody>
           <a:bodyPr anchor="b"/>
           <a:lstStyle>
             <a:lvl1pPr algn="l">
-              <a:defRPr sz="2000" b="1"/>
+              <a:defRPr sz="2667" b="1"/>
             </a:lvl1pPr>
           </a:lstStyle>
           <a:p>
             <a:r>
-              <a:rPr lang="zh-TW" altLang="en-US" smtClean="0"/>
-              <a:t>按一下以編輯母片標題樣式</a:t>
-            </a:r>
-            <a:endParaRPr lang="en-US"/>
-          </a:p>
-        </p:txBody>
-      </p:sp>
-      <p:sp>
-        <p:nvSpPr>
-          <p:cNvPr id="3" name="Content Placeholder 2"/>
+              <a:rPr lang="en-US" altLang="zh-TW" smtClean="0"/>
+              <a:t>Click to edit Master title style</a:t>
+            </a:r>
+            <a:endParaRPr lang="zh-TW" altLang="en-US"/>
+          </a:p>
+        </p:txBody>
+      </p:sp>
+      <p:sp>
+        <p:nvSpPr>
+          <p:cNvPr id="3" name="內容版面配置區 2"/>
           <p:cNvSpPr>
             <a:spLocks noGrp="1"/>
           </p:cNvSpPr>
@@ -2165,82 +2118,82 @@
         </p:nvSpPr>
         <p:spPr>
           <a:xfrm>
-            <a:off x="3575050" y="273050"/>
-            <a:ext cx="5111750" cy="5853113"/>
+            <a:off x="4766733" y="273052"/>
+            <a:ext cx="6815667" cy="5853113"/>
           </a:xfrm>
         </p:spPr>
         <p:txBody>
           <a:bodyPr/>
           <a:lstStyle>
             <a:lvl1pPr>
-              <a:defRPr sz="3200"/>
+              <a:defRPr sz="4267"/>
             </a:lvl1pPr>
             <a:lvl2pPr>
-              <a:defRPr sz="2800"/>
+              <a:defRPr sz="3733"/>
             </a:lvl2pPr>
             <a:lvl3pPr>
-              <a:defRPr sz="2400"/>
+              <a:defRPr sz="3200"/>
             </a:lvl3pPr>
             <a:lvl4pPr>
-              <a:defRPr sz="2000"/>
+              <a:defRPr sz="2667"/>
             </a:lvl4pPr>
             <a:lvl5pPr>
-              <a:defRPr sz="2000"/>
+              <a:defRPr sz="2667"/>
             </a:lvl5pPr>
             <a:lvl6pPr>
-              <a:defRPr sz="2000"/>
+              <a:defRPr sz="2667"/>
             </a:lvl6pPr>
             <a:lvl7pPr>
-              <a:defRPr sz="2000"/>
+              <a:defRPr sz="2667"/>
             </a:lvl7pPr>
             <a:lvl8pPr>
-              <a:defRPr sz="2000"/>
+              <a:defRPr sz="2667"/>
             </a:lvl8pPr>
             <a:lvl9pPr>
-              <a:defRPr sz="2000"/>
+              <a:defRPr sz="2667"/>
             </a:lvl9pPr>
           </a:lstStyle>
           <a:p>
             <a:pPr lvl="0"/>
             <a:r>
-              <a:rPr lang="zh-TW" altLang="en-US" smtClean="0"/>
-              <a:t>按一下以編輯母片文字樣式</a:t>
+              <a:rPr lang="en-US" altLang="zh-TW" smtClean="0"/>
+              <a:t>Edit Master text styles</a:t>
             </a:r>
           </a:p>
           <a:p>
             <a:pPr lvl="1"/>
             <a:r>
-              <a:rPr lang="zh-TW" altLang="en-US" smtClean="0"/>
-              <a:t>第二層</a:t>
+              <a:rPr lang="en-US" altLang="zh-TW" smtClean="0"/>
+              <a:t>Second level</a:t>
             </a:r>
           </a:p>
           <a:p>
             <a:pPr lvl="2"/>
             <a:r>
-              <a:rPr lang="zh-TW" altLang="en-US" smtClean="0"/>
-              <a:t>第三層</a:t>
+              <a:rPr lang="en-US" altLang="zh-TW" smtClean="0"/>
+              <a:t>Third level</a:t>
             </a:r>
           </a:p>
           <a:p>
             <a:pPr lvl="3"/>
             <a:r>
-              <a:rPr lang="zh-TW" altLang="en-US" smtClean="0"/>
-              <a:t>第四層</a:t>
+              <a:rPr lang="en-US" altLang="zh-TW" smtClean="0"/>
+              <a:t>Fourth level</a:t>
             </a:r>
           </a:p>
           <a:p>
             <a:pPr lvl="4"/>
             <a:r>
-              <a:rPr lang="zh-TW" altLang="en-US" smtClean="0"/>
-              <a:t>第五層</a:t>
-            </a:r>
-            <a:endParaRPr lang="en-US"/>
-          </a:p>
-        </p:txBody>
-      </p:sp>
-      <p:sp>
-        <p:nvSpPr>
-          <p:cNvPr id="4" name="Text Placeholder 3"/>
+              <a:rPr lang="en-US" altLang="zh-TW" smtClean="0"/>
+              <a:t>Fifth level</a:t>
+            </a:r>
+            <a:endParaRPr lang="zh-TW" altLang="en-US"/>
+          </a:p>
+        </p:txBody>
+      </p:sp>
+      <p:sp>
+        <p:nvSpPr>
+          <p:cNvPr id="4" name="文字版面配置區 3"/>
           <p:cNvSpPr>
             <a:spLocks noGrp="1"/>
           </p:cNvSpPr>
@@ -2250,8 +2203,8 @@
         </p:nvSpPr>
         <p:spPr>
           <a:xfrm>
-            <a:off x="457200" y="1435100"/>
-            <a:ext cx="3008313" cy="4691063"/>
+            <a:off x="609602" y="1435102"/>
+            <a:ext cx="4011084" cy="4691063"/>
           </a:xfrm>
         </p:spPr>
         <p:txBody>
@@ -2259,53 +2212,53 @@
           <a:lstStyle>
             <a:lvl1pPr marL="0" indent="0">
               <a:buNone/>
-              <a:defRPr sz="1400"/>
+              <a:defRPr sz="1867"/>
             </a:lvl1pPr>
-            <a:lvl2pPr marL="457200" indent="0">
+            <a:lvl2pPr marL="609585" indent="0">
+              <a:buNone/>
+              <a:defRPr sz="1600"/>
+            </a:lvl2pPr>
+            <a:lvl3pPr marL="1219170" indent="0">
+              <a:buNone/>
+              <a:defRPr sz="1333"/>
+            </a:lvl3pPr>
+            <a:lvl4pPr marL="1828754" indent="0">
               <a:buNone/>
               <a:defRPr sz="1200"/>
-            </a:lvl2pPr>
-            <a:lvl3pPr marL="914400" indent="0">
-              <a:buNone/>
-              <a:defRPr sz="1000"/>
-            </a:lvl3pPr>
-            <a:lvl4pPr marL="1371600" indent="0">
-              <a:buNone/>
-              <a:defRPr sz="900"/>
             </a:lvl4pPr>
-            <a:lvl5pPr marL="1828800" indent="0">
-              <a:buNone/>
-              <a:defRPr sz="900"/>
+            <a:lvl5pPr marL="2438339" indent="0">
+              <a:buNone/>
+              <a:defRPr sz="1200"/>
             </a:lvl5pPr>
-            <a:lvl6pPr marL="2286000" indent="0">
-              <a:buNone/>
-              <a:defRPr sz="900"/>
+            <a:lvl6pPr marL="3047924" indent="0">
+              <a:buNone/>
+              <a:defRPr sz="1200"/>
             </a:lvl6pPr>
-            <a:lvl7pPr marL="2743200" indent="0">
-              <a:buNone/>
-              <a:defRPr sz="900"/>
+            <a:lvl7pPr marL="3657509" indent="0">
+              <a:buNone/>
+              <a:defRPr sz="1200"/>
             </a:lvl7pPr>
-            <a:lvl8pPr marL="3200400" indent="0">
-              <a:buNone/>
-              <a:defRPr sz="900"/>
+            <a:lvl8pPr marL="4267093" indent="0">
+              <a:buNone/>
+              <a:defRPr sz="1200"/>
             </a:lvl8pPr>
-            <a:lvl9pPr marL="3657600" indent="0">
-              <a:buNone/>
-              <a:defRPr sz="900"/>
+            <a:lvl9pPr marL="4876678" indent="0">
+              <a:buNone/>
+              <a:defRPr sz="1200"/>
             </a:lvl9pPr>
           </a:lstStyle>
           <a:p>
             <a:pPr lvl="0"/>
             <a:r>
-              <a:rPr lang="zh-TW" altLang="en-US" smtClean="0"/>
-              <a:t>按一下以編輯母片文字樣式</a:t>
-            </a:r>
-          </a:p>
-        </p:txBody>
-      </p:sp>
-      <p:sp>
-        <p:nvSpPr>
-          <p:cNvPr id="5" name="Date Placeholder 3"/>
+              <a:rPr lang="en-US" altLang="zh-TW" smtClean="0"/>
+              <a:t>Edit Master text styles</a:t>
+            </a:r>
+          </a:p>
+        </p:txBody>
+      </p:sp>
+      <p:sp>
+        <p:nvSpPr>
+          <p:cNvPr id="5" name="日期版面配置區 4"/>
           <p:cNvSpPr>
             <a:spLocks noGrp="1"/>
           </p:cNvSpPr>
@@ -2316,15 +2269,11 @@
         <p:spPr/>
         <p:txBody>
           <a:bodyPr/>
-          <a:lstStyle>
-            <a:lvl1pPr>
-              <a:defRPr/>
-            </a:lvl1pPr>
-          </a:lstStyle>
+          <a:lstStyle/>
           <a:p>
             <a:fld id="{EFB2791D-C3CD-4EB4-9F2F-930267A0665A}" type="datetimeFigureOut">
               <a:rPr lang="zh-TW" altLang="en-US" smtClean="0"/>
-              <a:t>2014/4/20</a:t>
+              <a:t>2020/4/10</a:t>
             </a:fld>
             <a:endParaRPr lang="zh-TW" altLang="en-US"/>
           </a:p>
@@ -2332,7 +2281,7 @@
       </p:sp>
       <p:sp>
         <p:nvSpPr>
-          <p:cNvPr id="6" name="Footer Placeholder 4"/>
+          <p:cNvPr id="6" name="頁尾版面配置區 5"/>
           <p:cNvSpPr>
             <a:spLocks noGrp="1"/>
           </p:cNvSpPr>
@@ -2343,19 +2292,15 @@
         <p:spPr/>
         <p:txBody>
           <a:bodyPr/>
-          <a:lstStyle>
-            <a:lvl1pPr>
-              <a:defRPr/>
-            </a:lvl1pPr>
-          </a:lstStyle>
-          <a:p>
-            <a:endParaRPr lang="zh-TW" altLang="en-US"/>
-          </a:p>
-        </p:txBody>
-      </p:sp>
-      <p:sp>
-        <p:nvSpPr>
-          <p:cNvPr id="7" name="Slide Number Placeholder 5"/>
+          <a:lstStyle/>
+          <a:p>
+            <a:endParaRPr lang="zh-TW" altLang="en-US"/>
+          </a:p>
+        </p:txBody>
+      </p:sp>
+      <p:sp>
+        <p:nvSpPr>
+          <p:cNvPr id="7" name="投影片編號版面配置區 6"/>
           <p:cNvSpPr>
             <a:spLocks noGrp="1"/>
           </p:cNvSpPr>
@@ -2366,11 +2311,7 @@
         <p:spPr/>
         <p:txBody>
           <a:bodyPr/>
-          <a:lstStyle>
-            <a:lvl1pPr>
-              <a:defRPr/>
-            </a:lvl1pPr>
-          </a:lstStyle>
+          <a:lstStyle/>
           <a:p>
             <a:fld id="{4703B1AB-9C2B-4871-9A28-2E7150DE209F}" type="slidenum">
               <a:rPr lang="zh-TW" altLang="en-US" smtClean="0"/>
@@ -2381,6 +2322,11 @@
         </p:txBody>
       </p:sp>
     </p:spTree>
+    <p:extLst>
+      <p:ext uri="{BB962C8B-B14F-4D97-AF65-F5344CB8AC3E}">
+        <p14:creationId xmlns:p14="http://schemas.microsoft.com/office/powerpoint/2010/main" val="1596760715"/>
+      </p:ext>
+    </p:extLst>
   </p:cSld>
   <p:clrMapOvr>
     <a:masterClrMapping/>
@@ -2407,7 +2353,7 @@
       </p:grpSpPr>
       <p:sp>
         <p:nvSpPr>
-          <p:cNvPr id="2" name="Title 1"/>
+          <p:cNvPr id="2" name="標題 1"/>
           <p:cNvSpPr>
             <a:spLocks noGrp="1"/>
           </p:cNvSpPr>
@@ -2417,29 +2363,29 @@
         </p:nvSpPr>
         <p:spPr>
           <a:xfrm>
-            <a:off x="1792288" y="4800600"/>
-            <a:ext cx="5486400" cy="566738"/>
+            <a:off x="2389717" y="4800600"/>
+            <a:ext cx="7315200" cy="566739"/>
           </a:xfrm>
         </p:spPr>
         <p:txBody>
           <a:bodyPr anchor="b"/>
           <a:lstStyle>
             <a:lvl1pPr algn="l">
-              <a:defRPr sz="2000" b="1"/>
+              <a:defRPr sz="2667" b="1"/>
             </a:lvl1pPr>
           </a:lstStyle>
           <a:p>
             <a:r>
-              <a:rPr lang="zh-TW" altLang="en-US" smtClean="0"/>
-              <a:t>按一下以編輯母片標題樣式</a:t>
-            </a:r>
-            <a:endParaRPr lang="en-US"/>
-          </a:p>
-        </p:txBody>
-      </p:sp>
-      <p:sp>
-        <p:nvSpPr>
-          <p:cNvPr id="3" name="Picture Placeholder 2"/>
+              <a:rPr lang="en-US" altLang="zh-TW" smtClean="0"/>
+              <a:t>Click to edit Master title style</a:t>
+            </a:r>
+            <a:endParaRPr lang="zh-TW" altLang="en-US"/>
+          </a:p>
+        </p:txBody>
+      </p:sp>
+      <p:sp>
+        <p:nvSpPr>
+          <p:cNvPr id="3" name="圖片版面配置區 2"/>
           <p:cNvSpPr>
             <a:spLocks noGrp="1"/>
           </p:cNvSpPr>
@@ -2449,65 +2395,62 @@
         </p:nvSpPr>
         <p:spPr>
           <a:xfrm>
-            <a:off x="1792288" y="612775"/>
-            <a:ext cx="5486400" cy="4114800"/>
+            <a:off x="2389717" y="612775"/>
+            <a:ext cx="7315200" cy="4114800"/>
           </a:xfrm>
         </p:spPr>
         <p:txBody>
-          <a:bodyPr rtlCol="0">
-            <a:normAutofit/>
-          </a:bodyPr>
+          <a:bodyPr/>
           <a:lstStyle>
             <a:lvl1pPr marL="0" indent="0">
               <a:buNone/>
+              <a:defRPr sz="4267"/>
+            </a:lvl1pPr>
+            <a:lvl2pPr marL="609585" indent="0">
+              <a:buNone/>
+              <a:defRPr sz="3733"/>
+            </a:lvl2pPr>
+            <a:lvl3pPr marL="1219170" indent="0">
+              <a:buNone/>
               <a:defRPr sz="3200"/>
-            </a:lvl1pPr>
-            <a:lvl2pPr marL="457200" indent="0">
-              <a:buNone/>
-              <a:defRPr sz="2800"/>
-            </a:lvl2pPr>
-            <a:lvl3pPr marL="914400" indent="0">
-              <a:buNone/>
-              <a:defRPr sz="2400"/>
             </a:lvl3pPr>
-            <a:lvl4pPr marL="1371600" indent="0">
-              <a:buNone/>
-              <a:defRPr sz="2000"/>
+            <a:lvl4pPr marL="1828754" indent="0">
+              <a:buNone/>
+              <a:defRPr sz="2667"/>
             </a:lvl4pPr>
-            <a:lvl5pPr marL="1828800" indent="0">
-              <a:buNone/>
-              <a:defRPr sz="2000"/>
+            <a:lvl5pPr marL="2438339" indent="0">
+              <a:buNone/>
+              <a:defRPr sz="2667"/>
             </a:lvl5pPr>
-            <a:lvl6pPr marL="2286000" indent="0">
-              <a:buNone/>
-              <a:defRPr sz="2000"/>
+            <a:lvl6pPr marL="3047924" indent="0">
+              <a:buNone/>
+              <a:defRPr sz="2667"/>
             </a:lvl6pPr>
-            <a:lvl7pPr marL="2743200" indent="0">
-              <a:buNone/>
-              <a:defRPr sz="2000"/>
+            <a:lvl7pPr marL="3657509" indent="0">
+              <a:buNone/>
+              <a:defRPr sz="2667"/>
             </a:lvl7pPr>
-            <a:lvl8pPr marL="3200400" indent="0">
-              <a:buNone/>
-              <a:defRPr sz="2000"/>
+            <a:lvl8pPr marL="4267093" indent="0">
+              <a:buNone/>
+              <a:defRPr sz="2667"/>
             </a:lvl8pPr>
-            <a:lvl9pPr marL="3657600" indent="0">
-              <a:buNone/>
-              <a:defRPr sz="2000"/>
+            <a:lvl9pPr marL="4876678" indent="0">
+              <a:buNone/>
+              <a:defRPr sz="2667"/>
             </a:lvl9pPr>
           </a:lstStyle>
           <a:p>
-            <a:pPr lvl="0"/>
-            <a:r>
-              <a:rPr lang="zh-TW" altLang="en-US" noProof="0" smtClean="0"/>
-              <a:t>按一下圖示以新增圖片</a:t>
-            </a:r>
-            <a:endParaRPr lang="en-US" noProof="0"/>
-          </a:p>
-        </p:txBody>
-      </p:sp>
-      <p:sp>
-        <p:nvSpPr>
-          <p:cNvPr id="4" name="Text Placeholder 3"/>
+            <a:r>
+              <a:rPr lang="en-US" altLang="zh-TW" smtClean="0"/>
+              <a:t>Click icon to add picture</a:t>
+            </a:r>
+            <a:endParaRPr lang="zh-TW" altLang="en-US"/>
+          </a:p>
+        </p:txBody>
+      </p:sp>
+      <p:sp>
+        <p:nvSpPr>
+          <p:cNvPr id="4" name="文字版面配置區 3"/>
           <p:cNvSpPr>
             <a:spLocks noGrp="1"/>
           </p:cNvSpPr>
@@ -2517,8 +2460,8 @@
         </p:nvSpPr>
         <p:spPr>
           <a:xfrm>
-            <a:off x="1792288" y="5367338"/>
-            <a:ext cx="5486400" cy="804862"/>
+            <a:off x="2389717" y="5367338"/>
+            <a:ext cx="7315200" cy="804863"/>
           </a:xfrm>
         </p:spPr>
         <p:txBody>
@@ -2526,53 +2469,53 @@
           <a:lstStyle>
             <a:lvl1pPr marL="0" indent="0">
               <a:buNone/>
-              <a:defRPr sz="1400"/>
+              <a:defRPr sz="1867"/>
             </a:lvl1pPr>
-            <a:lvl2pPr marL="457200" indent="0">
+            <a:lvl2pPr marL="609585" indent="0">
+              <a:buNone/>
+              <a:defRPr sz="1600"/>
+            </a:lvl2pPr>
+            <a:lvl3pPr marL="1219170" indent="0">
+              <a:buNone/>
+              <a:defRPr sz="1333"/>
+            </a:lvl3pPr>
+            <a:lvl4pPr marL="1828754" indent="0">
               <a:buNone/>
               <a:defRPr sz="1200"/>
-            </a:lvl2pPr>
-            <a:lvl3pPr marL="914400" indent="0">
-              <a:buNone/>
-              <a:defRPr sz="1000"/>
-            </a:lvl3pPr>
-            <a:lvl4pPr marL="1371600" indent="0">
-              <a:buNone/>
-              <a:defRPr sz="900"/>
             </a:lvl4pPr>
-            <a:lvl5pPr marL="1828800" indent="0">
-              <a:buNone/>
-              <a:defRPr sz="900"/>
+            <a:lvl5pPr marL="2438339" indent="0">
+              <a:buNone/>
+              <a:defRPr sz="1200"/>
             </a:lvl5pPr>
-            <a:lvl6pPr marL="2286000" indent="0">
-              <a:buNone/>
-              <a:defRPr sz="900"/>
+            <a:lvl6pPr marL="3047924" indent="0">
+              <a:buNone/>
+              <a:defRPr sz="1200"/>
             </a:lvl6pPr>
-            <a:lvl7pPr marL="2743200" indent="0">
-              <a:buNone/>
-              <a:defRPr sz="900"/>
+            <a:lvl7pPr marL="3657509" indent="0">
+              <a:buNone/>
+              <a:defRPr sz="1200"/>
             </a:lvl7pPr>
-            <a:lvl8pPr marL="3200400" indent="0">
-              <a:buNone/>
-              <a:defRPr sz="900"/>
+            <a:lvl8pPr marL="4267093" indent="0">
+              <a:buNone/>
+              <a:defRPr sz="1200"/>
             </a:lvl8pPr>
-            <a:lvl9pPr marL="3657600" indent="0">
-              <a:buNone/>
-              <a:defRPr sz="900"/>
+            <a:lvl9pPr marL="4876678" indent="0">
+              <a:buNone/>
+              <a:defRPr sz="1200"/>
             </a:lvl9pPr>
           </a:lstStyle>
           <a:p>
             <a:pPr lvl="0"/>
             <a:r>
-              <a:rPr lang="zh-TW" altLang="en-US" smtClean="0"/>
-              <a:t>按一下以編輯母片文字樣式</a:t>
-            </a:r>
-          </a:p>
-        </p:txBody>
-      </p:sp>
-      <p:sp>
-        <p:nvSpPr>
-          <p:cNvPr id="5" name="Date Placeholder 3"/>
+              <a:rPr lang="en-US" altLang="zh-TW" smtClean="0"/>
+              <a:t>Edit Master text styles</a:t>
+            </a:r>
+          </a:p>
+        </p:txBody>
+      </p:sp>
+      <p:sp>
+        <p:nvSpPr>
+          <p:cNvPr id="5" name="日期版面配置區 4"/>
           <p:cNvSpPr>
             <a:spLocks noGrp="1"/>
           </p:cNvSpPr>
@@ -2583,15 +2526,11 @@
         <p:spPr/>
         <p:txBody>
           <a:bodyPr/>
-          <a:lstStyle>
-            <a:lvl1pPr>
-              <a:defRPr/>
-            </a:lvl1pPr>
-          </a:lstStyle>
+          <a:lstStyle/>
           <a:p>
             <a:fld id="{EFB2791D-C3CD-4EB4-9F2F-930267A0665A}" type="datetimeFigureOut">
               <a:rPr lang="zh-TW" altLang="en-US" smtClean="0"/>
-              <a:t>2014/4/20</a:t>
+              <a:t>2020/4/10</a:t>
             </a:fld>
             <a:endParaRPr lang="zh-TW" altLang="en-US"/>
           </a:p>
@@ -2599,7 +2538,7 @@
       </p:sp>
       <p:sp>
         <p:nvSpPr>
-          <p:cNvPr id="6" name="Footer Placeholder 4"/>
+          <p:cNvPr id="6" name="頁尾版面配置區 5"/>
           <p:cNvSpPr>
             <a:spLocks noGrp="1"/>
           </p:cNvSpPr>
@@ -2610,19 +2549,15 @@
         <p:spPr/>
         <p:txBody>
           <a:bodyPr/>
-          <a:lstStyle>
-            <a:lvl1pPr>
-              <a:defRPr/>
-            </a:lvl1pPr>
-          </a:lstStyle>
-          <a:p>
-            <a:endParaRPr lang="zh-TW" altLang="en-US"/>
-          </a:p>
-        </p:txBody>
-      </p:sp>
-      <p:sp>
-        <p:nvSpPr>
-          <p:cNvPr id="7" name="Slide Number Placeholder 5"/>
+          <a:lstStyle/>
+          <a:p>
+            <a:endParaRPr lang="zh-TW" altLang="en-US"/>
+          </a:p>
+        </p:txBody>
+      </p:sp>
+      <p:sp>
+        <p:nvSpPr>
+          <p:cNvPr id="7" name="投影片編號版面配置區 6"/>
           <p:cNvSpPr>
             <a:spLocks noGrp="1"/>
           </p:cNvSpPr>
@@ -2633,11 +2568,7 @@
         <p:spPr/>
         <p:txBody>
           <a:bodyPr/>
-          <a:lstStyle>
-            <a:lvl1pPr>
-              <a:defRPr/>
-            </a:lvl1pPr>
-          </a:lstStyle>
+          <a:lstStyle/>
           <a:p>
             <a:fld id="{4703B1AB-9C2B-4871-9A28-2E7150DE209F}" type="slidenum">
               <a:rPr lang="zh-TW" altLang="en-US" smtClean="0"/>
@@ -2648,6 +2579,11 @@
         </p:txBody>
       </p:sp>
     </p:spTree>
+    <p:extLst>
+      <p:ext uri="{BB962C8B-B14F-4D97-AF65-F5344CB8AC3E}">
+        <p14:creationId xmlns:p14="http://schemas.microsoft.com/office/powerpoint/2010/main" val="3559374511"/>
+      </p:ext>
+    </p:extLst>
   </p:cSld>
   <p:clrMapOvr>
     <a:masterClrMapping/>
@@ -2661,13 +2597,9 @@
     <p:bg>
       <p:bgPr>
         <a:blipFill dpi="0" rotWithShape="1">
-          <a:blip r:embed="rId13">
-            <a:lum/>
-          </a:blip>
+          <a:blip r:embed="rId13"/>
           <a:srcRect/>
-          <a:stretch>
-            <a:fillRect l="-21000" r="-21000"/>
-          </a:stretch>
+          <a:tile tx="0" ty="0" sx="100000" sy="100000" flip="none" algn="tl"/>
         </a:blipFill>
         <a:effectLst/>
       </p:bgPr>
@@ -2688,162 +2620,135 @@
       </p:grpSpPr>
       <p:sp>
         <p:nvSpPr>
-          <p:cNvPr id="1026" name="Title Placeholder 1"/>
+          <p:cNvPr id="2" name="標題版面配置區 1"/>
           <p:cNvSpPr>
             <a:spLocks noGrp="1"/>
           </p:cNvSpPr>
           <p:nvPr>
             <p:ph type="title"/>
-          </p:nvPr>
-        </p:nvSpPr>
-        <p:spPr bwMode="auto">
-          <a:xfrm>
-            <a:off x="457200" y="274638"/>
-            <a:ext cx="8229600" cy="1143000"/>
-          </a:xfrm>
-          <a:prstGeom prst="rect">
-            <a:avLst/>
-          </a:prstGeom>
-          <a:noFill/>
-          <a:ln w="9525">
-            <a:noFill/>
-            <a:miter lim="800000"/>
-            <a:headEnd/>
-            <a:tailEnd/>
-          </a:ln>
-        </p:spPr>
-        <p:txBody>
-          <a:bodyPr vert="horz" wrap="square" lIns="91440" tIns="45720" rIns="91440" bIns="45720" numCol="1" anchor="ctr" anchorCtr="0" compatLnSpc="1">
-            <a:prstTxWarp prst="textNoShape">
-              <a:avLst/>
-            </a:prstTxWarp>
-          </a:bodyPr>
-          <a:lstStyle/>
-          <a:p>
-            <a:pPr lvl="0"/>
-            <a:r>
-              <a:rPr lang="zh-TW" altLang="en-US" smtClean="0"/>
-              <a:t>按一下以編輯母片標題樣式</a:t>
-            </a:r>
-            <a:endParaRPr lang="en-US" altLang="zh-TW" smtClean="0"/>
-          </a:p>
-        </p:txBody>
-      </p:sp>
-      <p:sp>
-        <p:nvSpPr>
-          <p:cNvPr id="1027" name="Text Placeholder 2"/>
-          <p:cNvSpPr>
-            <a:spLocks noGrp="1"/>
-          </p:cNvSpPr>
-          <p:nvPr>
-            <p:ph type="body" idx="1"/>
-          </p:nvPr>
-        </p:nvSpPr>
-        <p:spPr bwMode="auto">
-          <a:xfrm>
-            <a:off x="457200" y="1600200"/>
-            <a:ext cx="8229600" cy="4525963"/>
-          </a:xfrm>
-          <a:prstGeom prst="rect">
-            <a:avLst/>
-          </a:prstGeom>
-          <a:noFill/>
-          <a:ln w="9525">
-            <a:noFill/>
-            <a:miter lim="800000"/>
-            <a:headEnd/>
-            <a:tailEnd/>
-          </a:ln>
-        </p:spPr>
-        <p:txBody>
-          <a:bodyPr vert="horz" wrap="square" lIns="91440" tIns="45720" rIns="91440" bIns="45720" numCol="1" anchor="t" anchorCtr="0" compatLnSpc="1">
-            <a:prstTxWarp prst="textNoShape">
-              <a:avLst/>
-            </a:prstTxWarp>
-          </a:bodyPr>
-          <a:lstStyle/>
-          <a:p>
-            <a:pPr lvl="0"/>
-            <a:r>
-              <a:rPr lang="zh-TW" altLang="en-US" smtClean="0"/>
-              <a:t>按一下以編輯母片文字樣式</a:t>
-            </a:r>
-          </a:p>
-          <a:p>
-            <a:pPr lvl="1"/>
-            <a:r>
-              <a:rPr lang="zh-TW" altLang="en-US" smtClean="0"/>
-              <a:t>第二層</a:t>
-            </a:r>
-          </a:p>
-          <a:p>
-            <a:pPr lvl="2"/>
-            <a:r>
-              <a:rPr lang="zh-TW" altLang="en-US" smtClean="0"/>
-              <a:t>第三層</a:t>
-            </a:r>
-          </a:p>
-          <a:p>
-            <a:pPr lvl="3"/>
-            <a:r>
-              <a:rPr lang="zh-TW" altLang="en-US" smtClean="0"/>
-              <a:t>第四層</a:t>
-            </a:r>
-          </a:p>
-          <a:p>
-            <a:pPr lvl="4"/>
-            <a:r>
-              <a:rPr lang="zh-TW" altLang="en-US" smtClean="0"/>
-              <a:t>第五層</a:t>
-            </a:r>
-            <a:endParaRPr lang="en-US" altLang="zh-TW" smtClean="0"/>
-          </a:p>
-        </p:txBody>
-      </p:sp>
-      <p:sp>
-        <p:nvSpPr>
-          <p:cNvPr id="4" name="Date Placeholder 3"/>
-          <p:cNvSpPr>
-            <a:spLocks noGrp="1"/>
-          </p:cNvSpPr>
-          <p:nvPr>
-            <p:ph type="dt" sz="half" idx="2"/>
           </p:nvPr>
         </p:nvSpPr>
         <p:spPr>
           <a:xfrm>
-            <a:off x="457200" y="6356350"/>
-            <a:ext cx="2133600" cy="365125"/>
+            <a:off x="609600" y="274639"/>
+            <a:ext cx="10972800" cy="1143000"/>
           </a:xfrm>
           <a:prstGeom prst="rect">
             <a:avLst/>
           </a:prstGeom>
         </p:spPr>
         <p:txBody>
+          <a:bodyPr vert="horz" lIns="91440" tIns="45720" rIns="91440" bIns="45720" rtlCol="0" anchor="ctr">
+            <a:normAutofit/>
+          </a:bodyPr>
+          <a:lstStyle/>
+          <a:p>
+            <a:r>
+              <a:rPr lang="zh-TW" altLang="en-US" smtClean="0"/>
+              <a:t>按一下以編輯母片標題樣式</a:t>
+            </a:r>
+            <a:endParaRPr lang="zh-TW" altLang="en-US"/>
+          </a:p>
+        </p:txBody>
+      </p:sp>
+      <p:sp>
+        <p:nvSpPr>
+          <p:cNvPr id="3" name="文字版面配置區 2"/>
+          <p:cNvSpPr>
+            <a:spLocks noGrp="1"/>
+          </p:cNvSpPr>
+          <p:nvPr>
+            <p:ph type="body" idx="1"/>
+          </p:nvPr>
+        </p:nvSpPr>
+        <p:spPr>
+          <a:xfrm>
+            <a:off x="609600" y="1600201"/>
+            <a:ext cx="10972800" cy="4525963"/>
+          </a:xfrm>
+          <a:prstGeom prst="rect">
+            <a:avLst/>
+          </a:prstGeom>
+        </p:spPr>
+        <p:txBody>
+          <a:bodyPr vert="horz" lIns="91440" tIns="45720" rIns="91440" bIns="45720" rtlCol="0">
+            <a:normAutofit/>
+          </a:bodyPr>
+          <a:lstStyle/>
+          <a:p>
+            <a:pPr lvl="0"/>
+            <a:r>
+              <a:rPr lang="zh-TW" altLang="en-US" smtClean="0"/>
+              <a:t>按一下以編輯母片文字樣式</a:t>
+            </a:r>
+          </a:p>
+          <a:p>
+            <a:pPr lvl="1"/>
+            <a:r>
+              <a:rPr lang="zh-TW" altLang="en-US" smtClean="0"/>
+              <a:t>第二層</a:t>
+            </a:r>
+          </a:p>
+          <a:p>
+            <a:pPr lvl="2"/>
+            <a:r>
+              <a:rPr lang="zh-TW" altLang="en-US" smtClean="0"/>
+              <a:t>第三層</a:t>
+            </a:r>
+          </a:p>
+          <a:p>
+            <a:pPr lvl="3"/>
+            <a:r>
+              <a:rPr lang="zh-TW" altLang="en-US" smtClean="0"/>
+              <a:t>第四層</a:t>
+            </a:r>
+          </a:p>
+          <a:p>
+            <a:pPr lvl="4"/>
+            <a:r>
+              <a:rPr lang="zh-TW" altLang="en-US" smtClean="0"/>
+              <a:t>第五層</a:t>
+            </a:r>
+            <a:endParaRPr lang="zh-TW" altLang="en-US"/>
+          </a:p>
+        </p:txBody>
+      </p:sp>
+      <p:sp>
+        <p:nvSpPr>
+          <p:cNvPr id="4" name="日期版面配置區 3"/>
+          <p:cNvSpPr>
+            <a:spLocks noGrp="1"/>
+          </p:cNvSpPr>
+          <p:nvPr>
+            <p:ph type="dt" sz="half" idx="2"/>
+          </p:nvPr>
+        </p:nvSpPr>
+        <p:spPr>
+          <a:xfrm>
+            <a:off x="609600" y="6356351"/>
+            <a:ext cx="2844800" cy="365125"/>
+          </a:xfrm>
+          <a:prstGeom prst="rect">
+            <a:avLst/>
+          </a:prstGeom>
+        </p:spPr>
+        <p:txBody>
           <a:bodyPr vert="horz" lIns="91440" tIns="45720" rIns="91440" bIns="45720" rtlCol="0" anchor="ctr"/>
           <a:lstStyle>
-            <a:lvl1pPr algn="l" fontAlgn="auto">
-              <a:spcBef>
-                <a:spcPts val="0"/>
-              </a:spcBef>
-              <a:spcAft>
-                <a:spcPts val="0"/>
-              </a:spcAft>
-              <a:defRPr kumimoji="0" sz="1200" smtClean="0">
+            <a:lvl1pPr algn="l">
+              <a:defRPr sz="1600">
                 <a:solidFill>
                   <a:schemeClr val="tx1">
                     <a:tint val="75000"/>
                   </a:schemeClr>
                 </a:solidFill>
-                <a:latin typeface="+mn-lt"/>
-                <a:ea typeface="+mn-ea"/>
               </a:defRPr>
             </a:lvl1pPr>
           </a:lstStyle>
           <a:p>
             <a:fld id="{EFB2791D-C3CD-4EB4-9F2F-930267A0665A}" type="datetimeFigureOut">
               <a:rPr lang="zh-TW" altLang="en-US" smtClean="0"/>
-              <a:t>2014/4/20</a:t>
+              <a:t>2020/4/10</a:t>
             </a:fld>
             <a:endParaRPr lang="zh-TW" altLang="en-US"/>
           </a:p>
@@ -2851,7 +2756,7 @@
       </p:sp>
       <p:sp>
         <p:nvSpPr>
-          <p:cNvPr id="5" name="Footer Placeholder 4"/>
+          <p:cNvPr id="5" name="頁尾版面配置區 4"/>
           <p:cNvSpPr>
             <a:spLocks noGrp="1"/>
           </p:cNvSpPr>
@@ -2861,8 +2766,8 @@
         </p:nvSpPr>
         <p:spPr>
           <a:xfrm>
-            <a:off x="3124200" y="6356350"/>
-            <a:ext cx="2895600" cy="365125"/>
+            <a:off x="4165600" y="6356351"/>
+            <a:ext cx="3860800" cy="365125"/>
           </a:xfrm>
           <a:prstGeom prst="rect">
             <a:avLst/>
@@ -2871,21 +2776,13 @@
         <p:txBody>
           <a:bodyPr vert="horz" lIns="91440" tIns="45720" rIns="91440" bIns="45720" rtlCol="0" anchor="ctr"/>
           <a:lstStyle>
-            <a:lvl1pPr algn="ctr" fontAlgn="auto">
-              <a:spcBef>
-                <a:spcPts val="0"/>
-              </a:spcBef>
-              <a:spcAft>
-                <a:spcPts val="0"/>
-              </a:spcAft>
-              <a:defRPr kumimoji="0" sz="1200">
+            <a:lvl1pPr algn="ctr">
+              <a:defRPr sz="1600">
                 <a:solidFill>
                   <a:schemeClr val="tx1">
                     <a:tint val="75000"/>
                   </a:schemeClr>
                 </a:solidFill>
-                <a:latin typeface="+mn-lt"/>
-                <a:ea typeface="+mn-ea"/>
               </a:defRPr>
             </a:lvl1pPr>
           </a:lstStyle>
@@ -2896,7 +2793,7 @@
       </p:sp>
       <p:sp>
         <p:nvSpPr>
-          <p:cNvPr id="6" name="Slide Number Placeholder 5"/>
+          <p:cNvPr id="6" name="投影片編號版面配置區 5"/>
           <p:cNvSpPr>
             <a:spLocks noGrp="1"/>
           </p:cNvSpPr>
@@ -2906,8 +2803,8 @@
         </p:nvSpPr>
         <p:spPr>
           <a:xfrm>
-            <a:off x="6553200" y="6356350"/>
-            <a:ext cx="2133600" cy="365125"/>
+            <a:off x="8737600" y="6356351"/>
+            <a:ext cx="2844800" cy="365125"/>
           </a:xfrm>
           <a:prstGeom prst="rect">
             <a:avLst/>
@@ -2916,21 +2813,13 @@
         <p:txBody>
           <a:bodyPr vert="horz" lIns="91440" tIns="45720" rIns="91440" bIns="45720" rtlCol="0" anchor="ctr"/>
           <a:lstStyle>
-            <a:lvl1pPr algn="r" fontAlgn="auto">
-              <a:spcBef>
-                <a:spcPts val="0"/>
-              </a:spcBef>
-              <a:spcAft>
-                <a:spcPts val="0"/>
-              </a:spcAft>
-              <a:defRPr kumimoji="0" sz="1200" smtClean="0">
+            <a:lvl1pPr algn="r">
+              <a:defRPr sz="1600">
                 <a:solidFill>
                   <a:schemeClr val="tx1">
                     <a:tint val="75000"/>
                   </a:schemeClr>
                 </a:solidFill>
-                <a:latin typeface="+mn-lt"/>
-                <a:ea typeface="+mn-ea"/>
               </a:defRPr>
             </a:lvl1pPr>
           </a:lstStyle>
@@ -2944,31 +2833,34 @@
         </p:txBody>
       </p:sp>
     </p:spTree>
+    <p:extLst>
+      <p:ext uri="{BB962C8B-B14F-4D97-AF65-F5344CB8AC3E}">
+        <p14:creationId xmlns:p14="http://schemas.microsoft.com/office/powerpoint/2010/main" val="1589713115"/>
+      </p:ext>
+    </p:extLst>
   </p:cSld>
   <p:clrMap bg1="lt1" tx1="dk1" bg2="lt2" tx2="dk2" accent1="accent1" accent2="accent2" accent3="accent3" accent4="accent4" accent5="accent5" accent6="accent6" hlink="hlink" folHlink="folHlink"/>
   <p:sldLayoutIdLst>
-    <p:sldLayoutId id="2147483661" r:id="rId1"/>
-    <p:sldLayoutId id="2147483662" r:id="rId2"/>
-    <p:sldLayoutId id="2147483663" r:id="rId3"/>
-    <p:sldLayoutId id="2147483664" r:id="rId4"/>
-    <p:sldLayoutId id="2147483665" r:id="rId5"/>
-    <p:sldLayoutId id="2147483666" r:id="rId6"/>
-    <p:sldLayoutId id="2147483667" r:id="rId7"/>
-    <p:sldLayoutId id="2147483668" r:id="rId8"/>
-    <p:sldLayoutId id="2147483669" r:id="rId9"/>
-    <p:sldLayoutId id="2147483670" r:id="rId10"/>
-    <p:sldLayoutId id="2147483671" r:id="rId11"/>
+    <p:sldLayoutId id="2147483673" r:id="rId1"/>
+    <p:sldLayoutId id="2147483674" r:id="rId2"/>
+    <p:sldLayoutId id="2147483675" r:id="rId3"/>
+    <p:sldLayoutId id="2147483676" r:id="rId4"/>
+    <p:sldLayoutId id="2147483677" r:id="rId5"/>
+    <p:sldLayoutId id="2147483678" r:id="rId6"/>
+    <p:sldLayoutId id="2147483679" r:id="rId7"/>
+    <p:sldLayoutId id="2147483680" r:id="rId8"/>
+    <p:sldLayoutId id="2147483681" r:id="rId9"/>
+    <p:sldLayoutId id="2147483682" r:id="rId10"/>
+    <p:sldLayoutId id="2147483683" r:id="rId11"/>
   </p:sldLayoutIdLst>
   <p:txStyles>
     <p:titleStyle>
-      <a:lvl1pPr algn="ctr" rtl="0" eaLnBrk="1" fontAlgn="base" hangingPunct="1">
+      <a:lvl1pPr algn="ctr" defTabSz="1219170" rtl="0" eaLnBrk="1" latinLnBrk="0" hangingPunct="1">
         <a:spcBef>
           <a:spcPct val="0"/>
         </a:spcBef>
-        <a:spcAft>
-          <a:spcPct val="0"/>
-        </a:spcAft>
-        <a:defRPr sz="4400" kern="1200">
+        <a:buNone/>
+        <a:defRPr sz="5867" kern="1200">
           <a:solidFill>
             <a:schemeClr val="tx1"/>
           </a:solidFill>
@@ -2977,128 +2869,43 @@
           <a:cs typeface="+mj-cs"/>
         </a:defRPr>
       </a:lvl1pPr>
-      <a:lvl2pPr algn="ctr" rtl="0" eaLnBrk="1" fontAlgn="base" hangingPunct="1">
+    </p:titleStyle>
+    <p:bodyStyle>
+      <a:lvl1pPr marL="457189" indent="-457189" algn="l" defTabSz="1219170" rtl="0" eaLnBrk="1" latinLnBrk="0" hangingPunct="1">
         <a:spcBef>
-          <a:spcPct val="0"/>
+          <a:spcPct val="20000"/>
         </a:spcBef>
-        <a:spcAft>
-          <a:spcPct val="0"/>
-        </a:spcAft>
-        <a:defRPr sz="4400">
+        <a:buFont typeface="Arial" pitchFamily="34" charset="0"/>
+        <a:buChar char="•"/>
+        <a:defRPr sz="4267" kern="1200">
           <a:solidFill>
             <a:schemeClr val="tx1"/>
           </a:solidFill>
-          <a:latin typeface="Calibri" pitchFamily="34" charset="0"/>
+          <a:latin typeface="+mn-lt"/>
+          <a:ea typeface="+mn-ea"/>
+          <a:cs typeface="+mn-cs"/>
         </a:defRPr>
-      </a:lvl2pPr>
-      <a:lvl3pPr algn="ctr" rtl="0" eaLnBrk="1" fontAlgn="base" hangingPunct="1">
+      </a:lvl1pPr>
+      <a:lvl2pPr marL="990575" indent="-380990" algn="l" defTabSz="1219170" rtl="0" eaLnBrk="1" latinLnBrk="0" hangingPunct="1">
         <a:spcBef>
-          <a:spcPct val="0"/>
+          <a:spcPct val="20000"/>
         </a:spcBef>
-        <a:spcAft>
-          <a:spcPct val="0"/>
-        </a:spcAft>
-        <a:defRPr sz="4400">
+        <a:buFont typeface="Arial" pitchFamily="34" charset="0"/>
+        <a:buChar char="–"/>
+        <a:defRPr sz="3733" kern="1200">
           <a:solidFill>
             <a:schemeClr val="tx1"/>
           </a:solidFill>
-          <a:latin typeface="Calibri" pitchFamily="34" charset="0"/>
+          <a:latin typeface="+mn-lt"/>
+          <a:ea typeface="+mn-ea"/>
+          <a:cs typeface="+mn-cs"/>
         </a:defRPr>
-      </a:lvl3pPr>
-      <a:lvl4pPr algn="ctr" rtl="0" eaLnBrk="1" fontAlgn="base" hangingPunct="1">
-        <a:spcBef>
-          <a:spcPct val="0"/>
-        </a:spcBef>
-        <a:spcAft>
-          <a:spcPct val="0"/>
-        </a:spcAft>
-        <a:defRPr sz="4400">
-          <a:solidFill>
-            <a:schemeClr val="tx1"/>
-          </a:solidFill>
-          <a:latin typeface="Calibri" pitchFamily="34" charset="0"/>
-        </a:defRPr>
-      </a:lvl4pPr>
-      <a:lvl5pPr algn="ctr" rtl="0" eaLnBrk="1" fontAlgn="base" hangingPunct="1">
-        <a:spcBef>
-          <a:spcPct val="0"/>
-        </a:spcBef>
-        <a:spcAft>
-          <a:spcPct val="0"/>
-        </a:spcAft>
-        <a:defRPr sz="4400">
-          <a:solidFill>
-            <a:schemeClr val="tx1"/>
-          </a:solidFill>
-          <a:latin typeface="Calibri" pitchFamily="34" charset="0"/>
-        </a:defRPr>
-      </a:lvl5pPr>
-      <a:lvl6pPr marL="457200" algn="ctr" rtl="0" eaLnBrk="1" fontAlgn="base" hangingPunct="1">
-        <a:spcBef>
-          <a:spcPct val="0"/>
-        </a:spcBef>
-        <a:spcAft>
-          <a:spcPct val="0"/>
-        </a:spcAft>
-        <a:defRPr sz="4400">
-          <a:solidFill>
-            <a:schemeClr val="tx1"/>
-          </a:solidFill>
-          <a:latin typeface="Calibri" pitchFamily="34" charset="0"/>
-        </a:defRPr>
-      </a:lvl6pPr>
-      <a:lvl7pPr marL="914400" algn="ctr" rtl="0" eaLnBrk="1" fontAlgn="base" hangingPunct="1">
-        <a:spcBef>
-          <a:spcPct val="0"/>
-        </a:spcBef>
-        <a:spcAft>
-          <a:spcPct val="0"/>
-        </a:spcAft>
-        <a:defRPr sz="4400">
-          <a:solidFill>
-            <a:schemeClr val="tx1"/>
-          </a:solidFill>
-          <a:latin typeface="Calibri" pitchFamily="34" charset="0"/>
-        </a:defRPr>
-      </a:lvl7pPr>
-      <a:lvl8pPr marL="1371600" algn="ctr" rtl="0" eaLnBrk="1" fontAlgn="base" hangingPunct="1">
-        <a:spcBef>
-          <a:spcPct val="0"/>
-        </a:spcBef>
-        <a:spcAft>
-          <a:spcPct val="0"/>
-        </a:spcAft>
-        <a:defRPr sz="4400">
-          <a:solidFill>
-            <a:schemeClr val="tx1"/>
-          </a:solidFill>
-          <a:latin typeface="Calibri" pitchFamily="34" charset="0"/>
-        </a:defRPr>
-      </a:lvl8pPr>
-      <a:lvl9pPr marL="1828800" algn="ctr" rtl="0" eaLnBrk="1" fontAlgn="base" hangingPunct="1">
-        <a:spcBef>
-          <a:spcPct val="0"/>
-        </a:spcBef>
-        <a:spcAft>
-          <a:spcPct val="0"/>
-        </a:spcAft>
-        <a:defRPr sz="4400">
-          <a:solidFill>
-            <a:schemeClr val="tx1"/>
-          </a:solidFill>
-          <a:latin typeface="Calibri" pitchFamily="34" charset="0"/>
-        </a:defRPr>
-      </a:lvl9pPr>
-    </p:titleStyle>
-    <p:bodyStyle>
-      <a:lvl1pPr marL="342900" indent="-342900" algn="l" rtl="0" eaLnBrk="1" fontAlgn="base" hangingPunct="1">
+      </a:lvl2pPr>
+      <a:lvl3pPr marL="1523962" indent="-304792" algn="l" defTabSz="1219170" rtl="0" eaLnBrk="1" latinLnBrk="0" hangingPunct="1">
         <a:spcBef>
           <a:spcPct val="20000"/>
         </a:spcBef>
-        <a:spcAft>
-          <a:spcPct val="0"/>
-        </a:spcAft>
-        <a:buFont typeface="Arial" charset="0"/>
+        <a:buFont typeface="Arial" pitchFamily="34" charset="0"/>
         <a:buChar char="•"/>
         <a:defRPr sz="3200" kern="1200">
           <a:solidFill>
@@ -3108,53 +2915,14 @@
           <a:ea typeface="+mn-ea"/>
           <a:cs typeface="+mn-cs"/>
         </a:defRPr>
-      </a:lvl1pPr>
-      <a:lvl2pPr marL="742950" indent="-285750" algn="l" rtl="0" eaLnBrk="1" fontAlgn="base" hangingPunct="1">
+      </a:lvl3pPr>
+      <a:lvl4pPr marL="2133547" indent="-304792" algn="l" defTabSz="1219170" rtl="0" eaLnBrk="1" latinLnBrk="0" hangingPunct="1">
         <a:spcBef>
           <a:spcPct val="20000"/>
         </a:spcBef>
-        <a:spcAft>
-          <a:spcPct val="0"/>
-        </a:spcAft>
-        <a:buFont typeface="Arial" charset="0"/>
+        <a:buFont typeface="Arial" pitchFamily="34" charset="0"/>
         <a:buChar char="–"/>
-        <a:defRPr sz="2800" kern="1200">
-          <a:solidFill>
-            <a:schemeClr val="tx1"/>
-          </a:solidFill>
-          <a:latin typeface="+mn-lt"/>
-          <a:ea typeface="+mn-ea"/>
-          <a:cs typeface="+mn-cs"/>
-        </a:defRPr>
-      </a:lvl2pPr>
-      <a:lvl3pPr marL="1143000" indent="-228600" algn="l" rtl="0" eaLnBrk="1" fontAlgn="base" hangingPunct="1">
-        <a:spcBef>
-          <a:spcPct val="20000"/>
-        </a:spcBef>
-        <a:spcAft>
-          <a:spcPct val="0"/>
-        </a:spcAft>
-        <a:buFont typeface="Arial" charset="0"/>
-        <a:buChar char="•"/>
-        <a:defRPr sz="2400" kern="1200">
-          <a:solidFill>
-            <a:schemeClr val="tx1"/>
-          </a:solidFill>
-          <a:latin typeface="+mn-lt"/>
-          <a:ea typeface="+mn-ea"/>
-          <a:cs typeface="+mn-cs"/>
-        </a:defRPr>
-      </a:lvl3pPr>
-      <a:lvl4pPr marL="1600200" indent="-228600" algn="l" rtl="0" eaLnBrk="1" fontAlgn="base" hangingPunct="1">
-        <a:spcBef>
-          <a:spcPct val="20000"/>
-        </a:spcBef>
-        <a:spcAft>
-          <a:spcPct val="0"/>
-        </a:spcAft>
-        <a:buFont typeface="Arial" charset="0"/>
-        <a:buChar char="–"/>
-        <a:defRPr sz="2000" kern="1200">
+        <a:defRPr sz="2667" kern="1200">
           <a:solidFill>
             <a:schemeClr val="tx1"/>
           </a:solidFill>
@@ -3163,16 +2931,13 @@
           <a:cs typeface="+mn-cs"/>
         </a:defRPr>
       </a:lvl4pPr>
-      <a:lvl5pPr marL="2057400" indent="-228600" algn="l" rtl="0" eaLnBrk="1" fontAlgn="base" hangingPunct="1">
+      <a:lvl5pPr marL="2743131" indent="-304792" algn="l" defTabSz="1219170" rtl="0" eaLnBrk="1" latinLnBrk="0" hangingPunct="1">
         <a:spcBef>
           <a:spcPct val="20000"/>
         </a:spcBef>
-        <a:spcAft>
-          <a:spcPct val="0"/>
-        </a:spcAft>
-        <a:buFont typeface="Arial" charset="0"/>
+        <a:buFont typeface="Arial" pitchFamily="34" charset="0"/>
         <a:buChar char="»"/>
-        <a:defRPr sz="2000" kern="1200">
+        <a:defRPr sz="2667" kern="1200">
           <a:solidFill>
             <a:schemeClr val="tx1"/>
           </a:solidFill>
@@ -3181,13 +2946,13 @@
           <a:cs typeface="+mn-cs"/>
         </a:defRPr>
       </a:lvl5pPr>
-      <a:lvl6pPr marL="2514600" indent="-228600" algn="l" defTabSz="914400" rtl="0" eaLnBrk="1" latinLnBrk="0" hangingPunct="1">
+      <a:lvl6pPr marL="3352716" indent="-304792" algn="l" defTabSz="1219170" rtl="0" eaLnBrk="1" latinLnBrk="0" hangingPunct="1">
         <a:spcBef>
           <a:spcPct val="20000"/>
         </a:spcBef>
         <a:buFont typeface="Arial" pitchFamily="34" charset="0"/>
         <a:buChar char="•"/>
-        <a:defRPr sz="2000" kern="1200">
+        <a:defRPr sz="2667" kern="1200">
           <a:solidFill>
             <a:schemeClr val="tx1"/>
           </a:solidFill>
@@ -3196,13 +2961,13 @@
           <a:cs typeface="+mn-cs"/>
         </a:defRPr>
       </a:lvl6pPr>
-      <a:lvl7pPr marL="2971800" indent="-228600" algn="l" defTabSz="914400" rtl="0" eaLnBrk="1" latinLnBrk="0" hangingPunct="1">
+      <a:lvl7pPr marL="3962301" indent="-304792" algn="l" defTabSz="1219170" rtl="0" eaLnBrk="1" latinLnBrk="0" hangingPunct="1">
         <a:spcBef>
           <a:spcPct val="20000"/>
         </a:spcBef>
         <a:buFont typeface="Arial" pitchFamily="34" charset="0"/>
         <a:buChar char="•"/>
-        <a:defRPr sz="2000" kern="1200">
+        <a:defRPr sz="2667" kern="1200">
           <a:solidFill>
             <a:schemeClr val="tx1"/>
           </a:solidFill>
@@ -3211,13 +2976,13 @@
           <a:cs typeface="+mn-cs"/>
         </a:defRPr>
       </a:lvl7pPr>
-      <a:lvl8pPr marL="3429000" indent="-228600" algn="l" defTabSz="914400" rtl="0" eaLnBrk="1" latinLnBrk="0" hangingPunct="1">
+      <a:lvl8pPr marL="4571886" indent="-304792" algn="l" defTabSz="1219170" rtl="0" eaLnBrk="1" latinLnBrk="0" hangingPunct="1">
         <a:spcBef>
           <a:spcPct val="20000"/>
         </a:spcBef>
         <a:buFont typeface="Arial" pitchFamily="34" charset="0"/>
         <a:buChar char="•"/>
-        <a:defRPr sz="2000" kern="1200">
+        <a:defRPr sz="2667" kern="1200">
           <a:solidFill>
             <a:schemeClr val="tx1"/>
           </a:solidFill>
@@ -3226,13 +2991,13 @@
           <a:cs typeface="+mn-cs"/>
         </a:defRPr>
       </a:lvl8pPr>
-      <a:lvl9pPr marL="3886200" indent="-228600" algn="l" defTabSz="914400" rtl="0" eaLnBrk="1" latinLnBrk="0" hangingPunct="1">
+      <a:lvl9pPr marL="5181470" indent="-304792" algn="l" defTabSz="1219170" rtl="0" eaLnBrk="1" latinLnBrk="0" hangingPunct="1">
         <a:spcBef>
           <a:spcPct val="20000"/>
         </a:spcBef>
         <a:buFont typeface="Arial" pitchFamily="34" charset="0"/>
         <a:buChar char="•"/>
-        <a:defRPr sz="2000" kern="1200">
+        <a:defRPr sz="2667" kern="1200">
           <a:solidFill>
             <a:schemeClr val="tx1"/>
           </a:solidFill>
@@ -3244,10 +3009,10 @@
     </p:bodyStyle>
     <p:otherStyle>
       <a:defPPr>
-        <a:defRPr lang="en-US"/>
+        <a:defRPr lang="zh-TW"/>
       </a:defPPr>
-      <a:lvl1pPr marL="0" algn="l" defTabSz="914400" rtl="0" eaLnBrk="1" latinLnBrk="0" hangingPunct="1">
-        <a:defRPr sz="1800" kern="1200">
+      <a:lvl1pPr marL="0" algn="l" defTabSz="1219170" rtl="0" eaLnBrk="1" latinLnBrk="0" hangingPunct="1">
+        <a:defRPr sz="2400" kern="1200">
           <a:solidFill>
             <a:schemeClr val="tx1"/>
           </a:solidFill>
@@ -3256,8 +3021,8 @@
           <a:cs typeface="+mn-cs"/>
         </a:defRPr>
       </a:lvl1pPr>
-      <a:lvl2pPr marL="457200" algn="l" defTabSz="914400" rtl="0" eaLnBrk="1" latinLnBrk="0" hangingPunct="1">
-        <a:defRPr sz="1800" kern="1200">
+      <a:lvl2pPr marL="609585" algn="l" defTabSz="1219170" rtl="0" eaLnBrk="1" latinLnBrk="0" hangingPunct="1">
+        <a:defRPr sz="2400" kern="1200">
           <a:solidFill>
             <a:schemeClr val="tx1"/>
           </a:solidFill>
@@ -3266,8 +3031,8 @@
           <a:cs typeface="+mn-cs"/>
         </a:defRPr>
       </a:lvl2pPr>
-      <a:lvl3pPr marL="914400" algn="l" defTabSz="914400" rtl="0" eaLnBrk="1" latinLnBrk="0" hangingPunct="1">
-        <a:defRPr sz="1800" kern="1200">
+      <a:lvl3pPr marL="1219170" algn="l" defTabSz="1219170" rtl="0" eaLnBrk="1" latinLnBrk="0" hangingPunct="1">
+        <a:defRPr sz="2400" kern="1200">
           <a:solidFill>
             <a:schemeClr val="tx1"/>
           </a:solidFill>
@@ -3276,8 +3041,8 @@
           <a:cs typeface="+mn-cs"/>
         </a:defRPr>
       </a:lvl3pPr>
-      <a:lvl4pPr marL="1371600" algn="l" defTabSz="914400" rtl="0" eaLnBrk="1" latinLnBrk="0" hangingPunct="1">
-        <a:defRPr sz="1800" kern="1200">
+      <a:lvl4pPr marL="1828754" algn="l" defTabSz="1219170" rtl="0" eaLnBrk="1" latinLnBrk="0" hangingPunct="1">
+        <a:defRPr sz="2400" kern="1200">
           <a:solidFill>
             <a:schemeClr val="tx1"/>
           </a:solidFill>
@@ -3286,8 +3051,8 @@
           <a:cs typeface="+mn-cs"/>
         </a:defRPr>
       </a:lvl4pPr>
-      <a:lvl5pPr marL="1828800" algn="l" defTabSz="914400" rtl="0" eaLnBrk="1" latinLnBrk="0" hangingPunct="1">
-        <a:defRPr sz="1800" kern="1200">
+      <a:lvl5pPr marL="2438339" algn="l" defTabSz="1219170" rtl="0" eaLnBrk="1" latinLnBrk="0" hangingPunct="1">
+        <a:defRPr sz="2400" kern="1200">
           <a:solidFill>
             <a:schemeClr val="tx1"/>
           </a:solidFill>
@@ -3296,8 +3061,8 @@
           <a:cs typeface="+mn-cs"/>
         </a:defRPr>
       </a:lvl5pPr>
-      <a:lvl6pPr marL="2286000" algn="l" defTabSz="914400" rtl="0" eaLnBrk="1" latinLnBrk="0" hangingPunct="1">
-        <a:defRPr sz="1800" kern="1200">
+      <a:lvl6pPr marL="3047924" algn="l" defTabSz="1219170" rtl="0" eaLnBrk="1" latinLnBrk="0" hangingPunct="1">
+        <a:defRPr sz="2400" kern="1200">
           <a:solidFill>
             <a:schemeClr val="tx1"/>
           </a:solidFill>
@@ -3306,8 +3071,8 @@
           <a:cs typeface="+mn-cs"/>
         </a:defRPr>
       </a:lvl6pPr>
-      <a:lvl7pPr marL="2743200" algn="l" defTabSz="914400" rtl="0" eaLnBrk="1" latinLnBrk="0" hangingPunct="1">
-        <a:defRPr sz="1800" kern="1200">
+      <a:lvl7pPr marL="3657509" algn="l" defTabSz="1219170" rtl="0" eaLnBrk="1" latinLnBrk="0" hangingPunct="1">
+        <a:defRPr sz="2400" kern="1200">
           <a:solidFill>
             <a:schemeClr val="tx1"/>
           </a:solidFill>
@@ -3316,8 +3081,8 @@
           <a:cs typeface="+mn-cs"/>
         </a:defRPr>
       </a:lvl7pPr>
-      <a:lvl8pPr marL="3200400" algn="l" defTabSz="914400" rtl="0" eaLnBrk="1" latinLnBrk="0" hangingPunct="1">
-        <a:defRPr sz="1800" kern="1200">
+      <a:lvl8pPr marL="4267093" algn="l" defTabSz="1219170" rtl="0" eaLnBrk="1" latinLnBrk="0" hangingPunct="1">
+        <a:defRPr sz="2400" kern="1200">
           <a:solidFill>
             <a:schemeClr val="tx1"/>
           </a:solidFill>
@@ -3326,8 +3091,8 @@
           <a:cs typeface="+mn-cs"/>
         </a:defRPr>
       </a:lvl8pPr>
-      <a:lvl9pPr marL="3657600" algn="l" defTabSz="914400" rtl="0" eaLnBrk="1" latinLnBrk="0" hangingPunct="1">
-        <a:defRPr sz="1800" kern="1200">
+      <a:lvl9pPr marL="4876678" algn="l" defTabSz="1219170" rtl="0" eaLnBrk="1" latinLnBrk="0" hangingPunct="1">
+        <a:defRPr sz="2400" kern="1200">
           <a:solidFill>
             <a:schemeClr val="tx1"/>
           </a:solidFill>
@@ -3370,92 +3135,136 @@
         </p:nvSpPr>
         <p:spPr/>
         <p:txBody>
-          <a:bodyPr/>
-          <a:lstStyle/>
-          <a:p>
-            <a:r>
-              <a:rPr lang="zh-TW" altLang="en-US" dirty="0"/>
-              <a:t>歌頌復活主</a:t>
-            </a:r>
-          </a:p>
-        </p:txBody>
-      </p:sp>
-      <p:sp>
-        <p:nvSpPr>
-          <p:cNvPr id="5" name="內容版面配置區 4"/>
-          <p:cNvSpPr>
-            <a:spLocks noGrp="1"/>
-          </p:cNvSpPr>
-          <p:nvPr>
-            <p:ph idx="1"/>
-          </p:nvPr>
-        </p:nvSpPr>
-        <p:spPr/>
-        <p:txBody>
           <a:bodyPr>
             <a:normAutofit/>
           </a:bodyPr>
           <a:lstStyle/>
           <a:p>
+            <a:r>
+              <a:rPr lang="zh-TW" altLang="en-US" sz="4800" b="1" dirty="0">
+                <a:latin typeface="Microsoft JhengHei" panose="020B0604030504040204" pitchFamily="34" charset="-120"/>
+                <a:ea typeface="Microsoft JhengHei" panose="020B0604030504040204" pitchFamily="34" charset="-120"/>
+              </a:rPr>
+              <a:t>歌頌復活主</a:t>
+            </a:r>
+          </a:p>
+        </p:txBody>
+      </p:sp>
+      <p:sp>
+        <p:nvSpPr>
+          <p:cNvPr id="5" name="內容版面配置區 4"/>
+          <p:cNvSpPr>
+            <a:spLocks noGrp="1"/>
+          </p:cNvSpPr>
+          <p:nvPr>
+            <p:ph idx="1"/>
+          </p:nvPr>
+        </p:nvSpPr>
+        <p:spPr/>
+        <p:txBody>
+          <a:bodyPr>
+            <a:normAutofit/>
+          </a:bodyPr>
+          <a:lstStyle/>
+          <a:p>
             <a:pPr algn="ctr">
               <a:buNone/>
             </a:pPr>
             <a:r>
-              <a:rPr lang="zh-TW" altLang="en-US" sz="5400" dirty="0"/>
+              <a:rPr lang="zh-TW" altLang="en-US" sz="5400" b="1" dirty="0">
+                <a:latin typeface="Microsoft JhengHei" panose="020B0604030504040204" pitchFamily="34" charset="-120"/>
+                <a:ea typeface="Microsoft JhengHei" panose="020B0604030504040204" pitchFamily="34" charset="-120"/>
+              </a:rPr>
               <a:t>復活的主是主</a:t>
             </a:r>
             <a:r>
-              <a:rPr lang="zh-TW" altLang="en-US" sz="5400" dirty="0" smtClean="0"/>
+              <a:rPr lang="zh-TW" altLang="en-US" sz="5400" b="1" dirty="0">
+                <a:latin typeface="Microsoft JhengHei" panose="020B0604030504040204" pitchFamily="34" charset="-120"/>
+                <a:ea typeface="Microsoft JhengHei" panose="020B0604030504040204" pitchFamily="34" charset="-120"/>
+              </a:rPr>
               <a:t>耶穌</a:t>
             </a:r>
-            <a:endParaRPr lang="en-US" altLang="zh-TW" sz="5400" dirty="0" smtClean="0"/>
+            <a:endParaRPr lang="en-US" altLang="zh-TW" sz="5400" b="1" dirty="0">
+              <a:latin typeface="Microsoft JhengHei" panose="020B0604030504040204" pitchFamily="34" charset="-120"/>
+              <a:ea typeface="Microsoft JhengHei" panose="020B0604030504040204" pitchFamily="34" charset="-120"/>
+            </a:endParaRPr>
           </a:p>
           <a:p>
             <a:pPr algn="ctr">
               <a:buNone/>
             </a:pPr>
             <a:r>
-              <a:rPr lang="zh-TW" altLang="en-US" sz="5400" dirty="0" smtClean="0"/>
+              <a:rPr lang="zh-TW" altLang="en-US" sz="5400" b="1" dirty="0">
+                <a:latin typeface="Microsoft JhengHei" panose="020B0604030504040204" pitchFamily="34" charset="-120"/>
+                <a:ea typeface="Microsoft JhengHei" panose="020B0604030504040204" pitchFamily="34" charset="-120"/>
+              </a:rPr>
               <a:t>世上</a:t>
             </a:r>
             <a:r>
-              <a:rPr lang="zh-TW" altLang="en-US" sz="5400" dirty="0"/>
+              <a:rPr lang="zh-TW" altLang="en-US" sz="5400" b="1" dirty="0">
+                <a:latin typeface="Microsoft JhengHei" panose="020B0604030504040204" pitchFamily="34" charset="-120"/>
+                <a:ea typeface="Microsoft JhengHei" panose="020B0604030504040204" pitchFamily="34" charset="-120"/>
+              </a:rPr>
               <a:t>沒有祂的</a:t>
             </a:r>
             <a:r>
-              <a:rPr lang="zh-TW" altLang="en-US" sz="5400" dirty="0" smtClean="0"/>
+              <a:rPr lang="zh-TW" altLang="en-US" sz="5400" b="1" dirty="0">
+                <a:latin typeface="Microsoft JhengHei" panose="020B0604030504040204" pitchFamily="34" charset="-120"/>
+                <a:ea typeface="Microsoft JhengHei" panose="020B0604030504040204" pitchFamily="34" charset="-120"/>
+              </a:rPr>
               <a:t>墳墓</a:t>
             </a:r>
-            <a:endParaRPr lang="en-US" altLang="zh-TW" sz="5400" dirty="0"/>
+            <a:endParaRPr lang="en-US" altLang="zh-TW" sz="5400" b="1" dirty="0">
+              <a:latin typeface="Microsoft JhengHei" panose="020B0604030504040204" pitchFamily="34" charset="-120"/>
+              <a:ea typeface="Microsoft JhengHei" panose="020B0604030504040204" pitchFamily="34" charset="-120"/>
+            </a:endParaRPr>
           </a:p>
           <a:p>
             <a:pPr algn="ctr">
               <a:buNone/>
             </a:pPr>
             <a:r>
-              <a:rPr lang="zh-TW" altLang="en-US" sz="5400" dirty="0" smtClean="0"/>
+              <a:rPr lang="zh-TW" altLang="en-US" sz="5400" b="1" dirty="0">
+                <a:latin typeface="Microsoft JhengHei" panose="020B0604030504040204" pitchFamily="34" charset="-120"/>
+                <a:ea typeface="Microsoft JhengHei" panose="020B0604030504040204" pitchFamily="34" charset="-120"/>
+              </a:rPr>
               <a:t>挪開</a:t>
             </a:r>
             <a:r>
-              <a:rPr lang="zh-TW" altLang="en-US" sz="5400" dirty="0"/>
+              <a:rPr lang="zh-TW" altLang="en-US" sz="5400" b="1" dirty="0">
+                <a:latin typeface="Microsoft JhengHei" panose="020B0604030504040204" pitchFamily="34" charset="-120"/>
+                <a:ea typeface="Microsoft JhengHei" panose="020B0604030504040204" pitchFamily="34" charset="-120"/>
+              </a:rPr>
               <a:t>咒詛挪開</a:t>
             </a:r>
             <a:r>
-              <a:rPr lang="zh-TW" altLang="en-US" sz="5400" dirty="0" smtClean="0"/>
+              <a:rPr lang="zh-TW" altLang="en-US" sz="5400" b="1" dirty="0">
+                <a:latin typeface="Microsoft JhengHei" panose="020B0604030504040204" pitchFamily="34" charset="-120"/>
+                <a:ea typeface="Microsoft JhengHei" panose="020B0604030504040204" pitchFamily="34" charset="-120"/>
+              </a:rPr>
               <a:t>羞辱</a:t>
             </a:r>
-            <a:endParaRPr lang="en-US" altLang="zh-TW" sz="5400" dirty="0" smtClean="0"/>
+            <a:endParaRPr lang="en-US" altLang="zh-TW" sz="5400" b="1" dirty="0">
+              <a:latin typeface="Microsoft JhengHei" panose="020B0604030504040204" pitchFamily="34" charset="-120"/>
+              <a:ea typeface="Microsoft JhengHei" panose="020B0604030504040204" pitchFamily="34" charset="-120"/>
+            </a:endParaRPr>
           </a:p>
           <a:p>
             <a:pPr algn="ctr">
               <a:buNone/>
             </a:pPr>
             <a:r>
-              <a:rPr lang="zh-TW" altLang="en-US" sz="5400" dirty="0" smtClean="0"/>
+              <a:rPr lang="zh-TW" altLang="en-US" sz="5400" b="1" dirty="0">
+                <a:latin typeface="Microsoft JhengHei" panose="020B0604030504040204" pitchFamily="34" charset="-120"/>
+                <a:ea typeface="Microsoft JhengHei" panose="020B0604030504040204" pitchFamily="34" charset="-120"/>
+              </a:rPr>
               <a:t>祂</a:t>
             </a:r>
             <a:r>
-              <a:rPr lang="zh-TW" altLang="en-US" sz="5400" dirty="0"/>
+              <a:rPr lang="zh-TW" altLang="en-US" sz="5400" b="1" dirty="0">
+                <a:latin typeface="Microsoft JhengHei" panose="020B0604030504040204" pitchFamily="34" charset="-120"/>
+                <a:ea typeface="Microsoft JhengHei" panose="020B0604030504040204" pitchFamily="34" charset="-120"/>
+              </a:rPr>
               <a:t>已完成偉大救贖</a:t>
             </a:r>
           </a:p>
@@ -3498,93 +3307,95 @@
         </p:nvSpPr>
         <p:spPr/>
         <p:txBody>
-          <a:bodyPr/>
-          <a:lstStyle/>
-          <a:p>
-            <a:r>
-              <a:rPr lang="zh-TW" altLang="en-US" dirty="0"/>
-              <a:t>歌頌復活主</a:t>
-            </a:r>
-          </a:p>
-        </p:txBody>
-      </p:sp>
-      <p:sp>
-        <p:nvSpPr>
-          <p:cNvPr id="5" name="內容版面配置區 4"/>
-          <p:cNvSpPr>
-            <a:spLocks noGrp="1"/>
-          </p:cNvSpPr>
-          <p:nvPr>
-            <p:ph idx="1"/>
-          </p:nvPr>
-        </p:nvSpPr>
-        <p:spPr/>
-        <p:txBody>
           <a:bodyPr>
             <a:normAutofit/>
           </a:bodyPr>
           <a:lstStyle/>
           <a:p>
+            <a:r>
+              <a:rPr lang="zh-TW" altLang="en-US" sz="4800" b="1" dirty="0">
+                <a:latin typeface="Microsoft JhengHei" panose="020B0604030504040204" pitchFamily="34" charset="-120"/>
+                <a:ea typeface="Microsoft JhengHei" panose="020B0604030504040204" pitchFamily="34" charset="-120"/>
+              </a:rPr>
+              <a:t>歌頌復活主</a:t>
+            </a:r>
+          </a:p>
+        </p:txBody>
+      </p:sp>
+      <p:sp>
+        <p:nvSpPr>
+          <p:cNvPr id="5" name="內容版面配置區 4"/>
+          <p:cNvSpPr>
+            <a:spLocks noGrp="1"/>
+          </p:cNvSpPr>
+          <p:nvPr>
+            <p:ph idx="1"/>
+          </p:nvPr>
+        </p:nvSpPr>
+        <p:spPr/>
+        <p:txBody>
+          <a:bodyPr>
+            <a:normAutofit/>
+          </a:bodyPr>
+          <a:lstStyle/>
+          <a:p>
             <a:pPr algn="ctr">
               <a:buNone/>
             </a:pPr>
             <a:r>
-              <a:rPr lang="zh-TW" altLang="en-US" sz="5400" dirty="0"/>
-              <a:t>復活的主是主</a:t>
-            </a:r>
-            <a:r>
-              <a:rPr lang="zh-TW" altLang="en-US" sz="5400" dirty="0" smtClean="0"/>
-              <a:t>耶穌</a:t>
-            </a:r>
-            <a:endParaRPr lang="en-US" altLang="zh-TW" sz="5400" dirty="0" smtClean="0"/>
+              <a:rPr lang="zh-TW" altLang="en-US" sz="5400" b="1" dirty="0">
+                <a:latin typeface="Microsoft JhengHei" panose="020B0604030504040204" pitchFamily="34" charset="-120"/>
+                <a:ea typeface="Microsoft JhengHei" panose="020B0604030504040204" pitchFamily="34" charset="-120"/>
+              </a:rPr>
+              <a:t>復活的主是主耶穌</a:t>
+            </a:r>
+            <a:endParaRPr lang="en-US" altLang="zh-TW" sz="5400" b="1" dirty="0">
+              <a:latin typeface="Microsoft JhengHei" panose="020B0604030504040204" pitchFamily="34" charset="-120"/>
+              <a:ea typeface="Microsoft JhengHei" panose="020B0604030504040204" pitchFamily="34" charset="-120"/>
+            </a:endParaRPr>
           </a:p>
           <a:p>
             <a:pPr algn="ctr">
               <a:buNone/>
             </a:pPr>
             <a:r>
-              <a:rPr lang="zh-TW" altLang="en-US" sz="5400" dirty="0" smtClean="0"/>
-              <a:t>世上</a:t>
-            </a:r>
-            <a:r>
-              <a:rPr lang="zh-TW" altLang="en-US" sz="5400" dirty="0"/>
-              <a:t>沒有祂的</a:t>
-            </a:r>
-            <a:r>
-              <a:rPr lang="zh-TW" altLang="en-US" sz="5400" dirty="0" smtClean="0"/>
-              <a:t>墳墓</a:t>
-            </a:r>
-            <a:endParaRPr lang="en-US" altLang="zh-TW" sz="5400" dirty="0"/>
+              <a:rPr lang="zh-TW" altLang="en-US" sz="5400" b="1" dirty="0">
+                <a:latin typeface="Microsoft JhengHei" panose="020B0604030504040204" pitchFamily="34" charset="-120"/>
+                <a:ea typeface="Microsoft JhengHei" panose="020B0604030504040204" pitchFamily="34" charset="-120"/>
+              </a:rPr>
+              <a:t>世上沒有祂的墳墓</a:t>
+            </a:r>
+            <a:endParaRPr lang="en-US" altLang="zh-TW" sz="5400" b="1" dirty="0">
+              <a:latin typeface="Microsoft JhengHei" panose="020B0604030504040204" pitchFamily="34" charset="-120"/>
+              <a:ea typeface="Microsoft JhengHei" panose="020B0604030504040204" pitchFamily="34" charset="-120"/>
+            </a:endParaRPr>
           </a:p>
           <a:p>
             <a:pPr algn="ctr">
               <a:buNone/>
             </a:pPr>
             <a:r>
-              <a:rPr lang="zh-TW" altLang="en-US" sz="5400" dirty="0" smtClean="0"/>
-              <a:t>同</a:t>
-            </a:r>
-            <a:r>
-              <a:rPr lang="zh-TW" altLang="en-US" sz="5400" dirty="0"/>
-              <a:t>來歡呼同來</a:t>
-            </a:r>
-            <a:r>
-              <a:rPr lang="zh-TW" altLang="en-US" sz="5400" dirty="0" smtClean="0"/>
-              <a:t>慶祝</a:t>
-            </a:r>
-            <a:endParaRPr lang="en-US" altLang="zh-TW" sz="5400" dirty="0" smtClean="0"/>
+              <a:rPr lang="zh-TW" altLang="en-US" sz="5400" b="1" dirty="0">
+                <a:latin typeface="Microsoft JhengHei" panose="020B0604030504040204" pitchFamily="34" charset="-120"/>
+                <a:ea typeface="Microsoft JhengHei" panose="020B0604030504040204" pitchFamily="34" charset="-120"/>
+              </a:rPr>
+              <a:t>同來歡呼同來慶祝</a:t>
+            </a:r>
+            <a:endParaRPr lang="en-US" altLang="zh-TW" sz="5400" b="1" dirty="0">
+              <a:latin typeface="Microsoft JhengHei" panose="020B0604030504040204" pitchFamily="34" charset="-120"/>
+              <a:ea typeface="Microsoft JhengHei" panose="020B0604030504040204" pitchFamily="34" charset="-120"/>
+            </a:endParaRPr>
           </a:p>
           <a:p>
             <a:pPr algn="ctr">
               <a:buNone/>
             </a:pPr>
             <a:r>
-              <a:rPr lang="zh-TW" altLang="en-US" sz="5400" dirty="0" smtClean="0"/>
-              <a:t>祂</a:t>
-            </a:r>
-            <a:r>
-              <a:rPr lang="zh-TW" altLang="en-US" sz="5400" dirty="0"/>
-              <a:t>已完成偉大救贖</a:t>
+              <a:rPr lang="zh-TW" altLang="en-US" sz="5400" b="1" dirty="0">
+                <a:latin typeface="Microsoft JhengHei" panose="020B0604030504040204" pitchFamily="34" charset="-120"/>
+                <a:ea typeface="Microsoft JhengHei" panose="020B0604030504040204" pitchFamily="34" charset="-120"/>
+              </a:rPr>
+              <a:t>祂已完成偉大救贖</a:t>
             </a:r>
           </a:p>
         </p:txBody>
@@ -3626,93 +3437,95 @@
         </p:nvSpPr>
         <p:spPr/>
         <p:txBody>
-          <a:bodyPr/>
-          <a:lstStyle/>
-          <a:p>
-            <a:r>
-              <a:rPr lang="zh-TW" altLang="en-US" dirty="0"/>
-              <a:t>歌頌復活主</a:t>
-            </a:r>
-          </a:p>
-        </p:txBody>
-      </p:sp>
-      <p:sp>
-        <p:nvSpPr>
-          <p:cNvPr id="5" name="內容版面配置區 4"/>
-          <p:cNvSpPr>
-            <a:spLocks noGrp="1"/>
-          </p:cNvSpPr>
-          <p:nvPr>
-            <p:ph idx="1"/>
-          </p:nvPr>
-        </p:nvSpPr>
-        <p:spPr/>
-        <p:txBody>
           <a:bodyPr>
             <a:normAutofit/>
           </a:bodyPr>
           <a:lstStyle/>
           <a:p>
+            <a:r>
+              <a:rPr lang="zh-TW" altLang="en-US" sz="4800" b="1" dirty="0">
+                <a:latin typeface="Microsoft JhengHei" panose="020B0604030504040204" pitchFamily="34" charset="-120"/>
+                <a:ea typeface="Microsoft JhengHei" panose="020B0604030504040204" pitchFamily="34" charset="-120"/>
+              </a:rPr>
+              <a:t>歌頌復活主</a:t>
+            </a:r>
+          </a:p>
+        </p:txBody>
+      </p:sp>
+      <p:sp>
+        <p:nvSpPr>
+          <p:cNvPr id="5" name="內容版面配置區 4"/>
+          <p:cNvSpPr>
+            <a:spLocks noGrp="1"/>
+          </p:cNvSpPr>
+          <p:nvPr>
+            <p:ph idx="1"/>
+          </p:nvPr>
+        </p:nvSpPr>
+        <p:spPr/>
+        <p:txBody>
+          <a:bodyPr>
+            <a:normAutofit/>
+          </a:bodyPr>
+          <a:lstStyle/>
+          <a:p>
             <a:pPr algn="ctr">
               <a:buNone/>
             </a:pPr>
             <a:r>
-              <a:rPr lang="zh-TW" altLang="en-US" sz="5400" dirty="0"/>
-              <a:t>世上有哪一位</a:t>
-            </a:r>
-            <a:r>
-              <a:rPr lang="zh-TW" altLang="en-US" sz="5400" dirty="0" smtClean="0"/>
-              <a:t>神</a:t>
-            </a:r>
-            <a:endParaRPr lang="en-US" altLang="zh-TW" sz="5400" dirty="0" smtClean="0"/>
+              <a:rPr lang="zh-TW" altLang="en-US" sz="5400" b="1" dirty="0">
+                <a:latin typeface="Microsoft JhengHei" panose="020B0604030504040204" pitchFamily="34" charset="-120"/>
+                <a:ea typeface="Microsoft JhengHei" panose="020B0604030504040204" pitchFamily="34" charset="-120"/>
+              </a:rPr>
+              <a:t>世上有哪一位神</a:t>
+            </a:r>
+            <a:endParaRPr lang="en-US" altLang="zh-TW" sz="5400" b="1" dirty="0">
+              <a:latin typeface="Microsoft JhengHei" panose="020B0604030504040204" pitchFamily="34" charset="-120"/>
+              <a:ea typeface="Microsoft JhengHei" panose="020B0604030504040204" pitchFamily="34" charset="-120"/>
+            </a:endParaRPr>
           </a:p>
           <a:p>
             <a:pPr algn="ctr">
               <a:buNone/>
             </a:pPr>
             <a:r>
-              <a:rPr lang="zh-TW" altLang="en-US" sz="5400" dirty="0" smtClean="0"/>
-              <a:t>為</a:t>
-            </a:r>
-            <a:r>
-              <a:rPr lang="zh-TW" altLang="en-US" sz="5400" dirty="0"/>
-              <a:t>世人而</a:t>
-            </a:r>
-            <a:r>
-              <a:rPr lang="zh-TW" altLang="en-US" sz="5400" dirty="0" smtClean="0"/>
-              <a:t>生</a:t>
-            </a:r>
-            <a:endParaRPr lang="en-US" altLang="zh-TW" sz="5400" dirty="0"/>
+              <a:rPr lang="zh-TW" altLang="en-US" sz="5400" b="1" dirty="0">
+                <a:latin typeface="Microsoft JhengHei" panose="020B0604030504040204" pitchFamily="34" charset="-120"/>
+                <a:ea typeface="Microsoft JhengHei" panose="020B0604030504040204" pitchFamily="34" charset="-120"/>
+              </a:rPr>
+              <a:t>為世人而生</a:t>
+            </a:r>
+            <a:endParaRPr lang="en-US" altLang="zh-TW" sz="5400" b="1" dirty="0">
+              <a:latin typeface="Microsoft JhengHei" panose="020B0604030504040204" pitchFamily="34" charset="-120"/>
+              <a:ea typeface="Microsoft JhengHei" panose="020B0604030504040204" pitchFamily="34" charset="-120"/>
+            </a:endParaRPr>
           </a:p>
           <a:p>
             <a:pPr algn="ctr">
               <a:buNone/>
             </a:pPr>
             <a:r>
-              <a:rPr lang="zh-TW" altLang="en-US" sz="5400" dirty="0" smtClean="0"/>
-              <a:t>世上</a:t>
-            </a:r>
-            <a:r>
-              <a:rPr lang="zh-TW" altLang="en-US" sz="5400" dirty="0"/>
-              <a:t>有哪一位</a:t>
-            </a:r>
-            <a:r>
-              <a:rPr lang="zh-TW" altLang="en-US" sz="5400" dirty="0" smtClean="0"/>
-              <a:t>神</a:t>
-            </a:r>
-            <a:endParaRPr lang="en-US" altLang="zh-TW" sz="5400" dirty="0" smtClean="0"/>
+              <a:rPr lang="zh-TW" altLang="en-US" sz="5400" b="1" dirty="0">
+                <a:latin typeface="Microsoft JhengHei" panose="020B0604030504040204" pitchFamily="34" charset="-120"/>
+                <a:ea typeface="Microsoft JhengHei" panose="020B0604030504040204" pitchFamily="34" charset="-120"/>
+              </a:rPr>
+              <a:t>世上有哪一位神</a:t>
+            </a:r>
+            <a:endParaRPr lang="en-US" altLang="zh-TW" sz="5400" b="1" dirty="0">
+              <a:latin typeface="Microsoft JhengHei" panose="020B0604030504040204" pitchFamily="34" charset="-120"/>
+              <a:ea typeface="Microsoft JhengHei" panose="020B0604030504040204" pitchFamily="34" charset="-120"/>
+            </a:endParaRPr>
           </a:p>
           <a:p>
             <a:pPr algn="ctr">
               <a:buNone/>
             </a:pPr>
             <a:r>
-              <a:rPr lang="zh-TW" altLang="en-US" sz="5400" dirty="0" smtClean="0"/>
-              <a:t>為</a:t>
-            </a:r>
-            <a:r>
-              <a:rPr lang="zh-TW" altLang="en-US" sz="5400" dirty="0"/>
-              <a:t>世人而死</a:t>
+              <a:rPr lang="zh-TW" altLang="en-US" sz="5400" b="1" dirty="0">
+                <a:latin typeface="Microsoft JhengHei" panose="020B0604030504040204" pitchFamily="34" charset="-120"/>
+                <a:ea typeface="Microsoft JhengHei" panose="020B0604030504040204" pitchFamily="34" charset="-120"/>
+              </a:rPr>
+              <a:t>為世人而死</a:t>
             </a:r>
           </a:p>
         </p:txBody>
@@ -3754,93 +3567,95 @@
         </p:nvSpPr>
         <p:spPr/>
         <p:txBody>
-          <a:bodyPr/>
-          <a:lstStyle/>
-          <a:p>
-            <a:r>
-              <a:rPr lang="zh-TW" altLang="en-US" dirty="0"/>
-              <a:t>歌頌復活主</a:t>
-            </a:r>
-          </a:p>
-        </p:txBody>
-      </p:sp>
-      <p:sp>
-        <p:nvSpPr>
-          <p:cNvPr id="5" name="內容版面配置區 4"/>
-          <p:cNvSpPr>
-            <a:spLocks noGrp="1"/>
-          </p:cNvSpPr>
-          <p:nvPr>
-            <p:ph idx="1"/>
-          </p:nvPr>
-        </p:nvSpPr>
-        <p:spPr/>
-        <p:txBody>
           <a:bodyPr>
             <a:normAutofit/>
           </a:bodyPr>
           <a:lstStyle/>
           <a:p>
+            <a:r>
+              <a:rPr lang="zh-TW" altLang="en-US" sz="4800" b="1" dirty="0">
+                <a:latin typeface="Microsoft JhengHei" panose="020B0604030504040204" pitchFamily="34" charset="-120"/>
+                <a:ea typeface="Microsoft JhengHei" panose="020B0604030504040204" pitchFamily="34" charset="-120"/>
+              </a:rPr>
+              <a:t>歌頌復活主</a:t>
+            </a:r>
+          </a:p>
+        </p:txBody>
+      </p:sp>
+      <p:sp>
+        <p:nvSpPr>
+          <p:cNvPr id="5" name="內容版面配置區 4"/>
+          <p:cNvSpPr>
+            <a:spLocks noGrp="1"/>
+          </p:cNvSpPr>
+          <p:nvPr>
+            <p:ph idx="1"/>
+          </p:nvPr>
+        </p:nvSpPr>
+        <p:spPr/>
+        <p:txBody>
+          <a:bodyPr>
+            <a:normAutofit/>
+          </a:bodyPr>
+          <a:lstStyle/>
+          <a:p>
             <a:pPr algn="ctr">
               <a:buNone/>
             </a:pPr>
             <a:r>
-              <a:rPr lang="zh-TW" altLang="en-US" sz="5400" dirty="0"/>
-              <a:t>世上有哪一位</a:t>
-            </a:r>
-            <a:r>
-              <a:rPr lang="zh-TW" altLang="en-US" sz="5400" dirty="0" smtClean="0"/>
-              <a:t>神</a:t>
-            </a:r>
-            <a:endParaRPr lang="en-US" altLang="zh-TW" sz="5400" dirty="0" smtClean="0"/>
+              <a:rPr lang="zh-TW" altLang="en-US" sz="5400" b="1" dirty="0">
+                <a:latin typeface="Microsoft JhengHei" panose="020B0604030504040204" pitchFamily="34" charset="-120"/>
+                <a:ea typeface="Microsoft JhengHei" panose="020B0604030504040204" pitchFamily="34" charset="-120"/>
+              </a:rPr>
+              <a:t>世上有哪一位神</a:t>
+            </a:r>
+            <a:endParaRPr lang="en-US" altLang="zh-TW" sz="5400" b="1" dirty="0">
+              <a:latin typeface="Microsoft JhengHei" panose="020B0604030504040204" pitchFamily="34" charset="-120"/>
+              <a:ea typeface="Microsoft JhengHei" panose="020B0604030504040204" pitchFamily="34" charset="-120"/>
+            </a:endParaRPr>
           </a:p>
           <a:p>
             <a:pPr algn="ctr">
               <a:buNone/>
             </a:pPr>
             <a:r>
-              <a:rPr lang="zh-TW" altLang="en-US" sz="5400" dirty="0" smtClean="0"/>
-              <a:t>為</a:t>
-            </a:r>
-            <a:r>
-              <a:rPr lang="zh-TW" altLang="en-US" sz="5400" dirty="0"/>
-              <a:t>世人</a:t>
-            </a:r>
-            <a:r>
-              <a:rPr lang="zh-TW" altLang="en-US" sz="5400" dirty="0" smtClean="0"/>
-              <a:t>復活</a:t>
-            </a:r>
-            <a:endParaRPr lang="en-US" altLang="zh-TW" sz="5400" dirty="0"/>
+              <a:rPr lang="zh-TW" altLang="en-US" sz="5400" b="1" dirty="0">
+                <a:latin typeface="Microsoft JhengHei" panose="020B0604030504040204" pitchFamily="34" charset="-120"/>
+                <a:ea typeface="Microsoft JhengHei" panose="020B0604030504040204" pitchFamily="34" charset="-120"/>
+              </a:rPr>
+              <a:t>為世人復活</a:t>
+            </a:r>
+            <a:endParaRPr lang="en-US" altLang="zh-TW" sz="5400" b="1" dirty="0">
+              <a:latin typeface="Microsoft JhengHei" panose="020B0604030504040204" pitchFamily="34" charset="-120"/>
+              <a:ea typeface="Microsoft JhengHei" panose="020B0604030504040204" pitchFamily="34" charset="-120"/>
+            </a:endParaRPr>
           </a:p>
           <a:p>
             <a:pPr algn="ctr">
               <a:buNone/>
             </a:pPr>
             <a:r>
-              <a:rPr lang="zh-TW" altLang="en-US" sz="5400" dirty="0" smtClean="0"/>
-              <a:t>世上</a:t>
-            </a:r>
-            <a:r>
-              <a:rPr lang="zh-TW" altLang="en-US" sz="5400" dirty="0"/>
-              <a:t>有哪一位</a:t>
-            </a:r>
-            <a:r>
-              <a:rPr lang="zh-TW" altLang="en-US" sz="5400" dirty="0" smtClean="0"/>
-              <a:t>救主</a:t>
-            </a:r>
-            <a:endParaRPr lang="en-US" altLang="zh-TW" sz="5400" dirty="0" smtClean="0"/>
+              <a:rPr lang="zh-TW" altLang="en-US" sz="5400" b="1" dirty="0">
+                <a:latin typeface="Microsoft JhengHei" panose="020B0604030504040204" pitchFamily="34" charset="-120"/>
+                <a:ea typeface="Microsoft JhengHei" panose="020B0604030504040204" pitchFamily="34" charset="-120"/>
+              </a:rPr>
+              <a:t>世上有哪一位救主</a:t>
+            </a:r>
+            <a:endParaRPr lang="en-US" altLang="zh-TW" sz="5400" b="1" dirty="0">
+              <a:latin typeface="Microsoft JhengHei" panose="020B0604030504040204" pitchFamily="34" charset="-120"/>
+              <a:ea typeface="Microsoft JhengHei" panose="020B0604030504040204" pitchFamily="34" charset="-120"/>
+            </a:endParaRPr>
           </a:p>
           <a:p>
             <a:pPr algn="ctr">
               <a:buNone/>
             </a:pPr>
             <a:r>
-              <a:rPr lang="zh-TW" altLang="en-US" sz="5400" dirty="0" smtClean="0"/>
-              <a:t>今天</a:t>
-            </a:r>
-            <a:r>
-              <a:rPr lang="zh-TW" altLang="en-US" sz="5400" dirty="0"/>
-              <a:t>仍活著</a:t>
+              <a:rPr lang="zh-TW" altLang="en-US" sz="5400" b="1" dirty="0">
+                <a:latin typeface="Microsoft JhengHei" panose="020B0604030504040204" pitchFamily="34" charset="-120"/>
+                <a:ea typeface="Microsoft JhengHei" panose="020B0604030504040204" pitchFamily="34" charset="-120"/>
+              </a:rPr>
+              <a:t>今天仍活著</a:t>
             </a:r>
           </a:p>
         </p:txBody>
@@ -3854,7 +3669,7 @@
 </file>
 
 <file path=ppt/theme/theme1.xml><?xml version="1.0" encoding="utf-8"?>
-<a:theme xmlns:a="http://schemas.openxmlformats.org/drawingml/2006/main" name="佈景主題7">
+<a:theme xmlns:a="http://schemas.openxmlformats.org/drawingml/2006/main" name="Theme1">
   <a:themeElements>
     <a:clrScheme name="Office">
       <a:dk1>
@@ -4133,5 +3948,10 @@
   </a:themeElements>
   <a:objectDefaults/>
   <a:extraClrSchemeLst/>
+  <a:extLst>
+    <a:ext uri="{05A4C25C-085E-4340-85A3-A5531E510DB2}">
+      <thm15:themeFamily xmlns:thm15="http://schemas.microsoft.com/office/thememl/2012/main" name="Theme1" id="{AFC7C034-021A-479F-A5B0-F4AE2AC2A6F8}" vid="{E4B01A5C-7C0B-4AB8-8973-047186F18E30}"/>
+    </a:ext>
+  </a:extLst>
 </a:theme>
 </file>
--- a/歌頌復活主.pptx
+++ b/歌頌復活主.pptx
@@ -5,10 +5,17 @@
     <p:sldMasterId id="2147483672" r:id="rId1"/>
   </p:sldMasterIdLst>
   <p:sldIdLst>
-    <p:sldId id="256" r:id="rId2"/>
-    <p:sldId id="257" r:id="rId3"/>
-    <p:sldId id="258" r:id="rId4"/>
-    <p:sldId id="259" r:id="rId5"/>
+    <p:sldId id="260" r:id="rId2"/>
+    <p:sldId id="261" r:id="rId3"/>
+    <p:sldId id="262" r:id="rId4"/>
+    <p:sldId id="263" r:id="rId5"/>
+    <p:sldId id="264" r:id="rId6"/>
+    <p:sldId id="265" r:id="rId7"/>
+    <p:sldId id="266" r:id="rId8"/>
+    <p:sldId id="267" r:id="rId9"/>
+    <p:sldId id="268" r:id="rId10"/>
+    <p:sldId id="269" r:id="rId11"/>
+    <p:sldId id="270" r:id="rId12"/>
   </p:sldIdLst>
   <p:sldSz cx="12192000" cy="6858000"/>
   <p:notesSz cx="6858000" cy="9144000"/>
@@ -307,7 +314,7 @@
           <a:p>
             <a:fld id="{EFB2791D-C3CD-4EB4-9F2F-930267A0665A}" type="datetimeFigureOut">
               <a:rPr lang="zh-TW" altLang="en-US" smtClean="0"/>
-              <a:t>2020/4/10</a:t>
+              <a:t>2023/4/8</a:t>
             </a:fld>
             <a:endParaRPr lang="zh-TW" altLang="en-US"/>
           </a:p>
@@ -477,7 +484,7 @@
           <a:p>
             <a:fld id="{EFB2791D-C3CD-4EB4-9F2F-930267A0665A}" type="datetimeFigureOut">
               <a:rPr lang="zh-TW" altLang="en-US" smtClean="0"/>
-              <a:t>2020/4/10</a:t>
+              <a:t>2023/4/8</a:t>
             </a:fld>
             <a:endParaRPr lang="zh-TW" altLang="en-US"/>
           </a:p>
@@ -657,7 +664,7 @@
           <a:p>
             <a:fld id="{EFB2791D-C3CD-4EB4-9F2F-930267A0665A}" type="datetimeFigureOut">
               <a:rPr lang="zh-TW" altLang="en-US" smtClean="0"/>
-              <a:t>2020/4/10</a:t>
+              <a:t>2023/4/8</a:t>
             </a:fld>
             <a:endParaRPr lang="zh-TW" altLang="en-US"/>
           </a:p>
@@ -827,7 +834,7 @@
           <a:p>
             <a:fld id="{EFB2791D-C3CD-4EB4-9F2F-930267A0665A}" type="datetimeFigureOut">
               <a:rPr lang="zh-TW" altLang="en-US" smtClean="0"/>
-              <a:t>2020/4/10</a:t>
+              <a:t>2023/4/8</a:t>
             </a:fld>
             <a:endParaRPr lang="zh-TW" altLang="en-US"/>
           </a:p>
@@ -1073,7 +1080,7 @@
           <a:p>
             <a:fld id="{EFB2791D-C3CD-4EB4-9F2F-930267A0665A}" type="datetimeFigureOut">
               <a:rPr lang="zh-TW" altLang="en-US" smtClean="0"/>
-              <a:t>2020/4/10</a:t>
+              <a:t>2023/4/8</a:t>
             </a:fld>
             <a:endParaRPr lang="zh-TW" altLang="en-US"/>
           </a:p>
@@ -1361,7 +1368,7 @@
           <a:p>
             <a:fld id="{EFB2791D-C3CD-4EB4-9F2F-930267A0665A}" type="datetimeFigureOut">
               <a:rPr lang="zh-TW" altLang="en-US" smtClean="0"/>
-              <a:t>2020/4/10</a:t>
+              <a:t>2023/4/8</a:t>
             </a:fld>
             <a:endParaRPr lang="zh-TW" altLang="en-US"/>
           </a:p>
@@ -1783,7 +1790,7 @@
           <a:p>
             <a:fld id="{EFB2791D-C3CD-4EB4-9F2F-930267A0665A}" type="datetimeFigureOut">
               <a:rPr lang="zh-TW" altLang="en-US" smtClean="0"/>
-              <a:t>2020/4/10</a:t>
+              <a:t>2023/4/8</a:t>
             </a:fld>
             <a:endParaRPr lang="zh-TW" altLang="en-US"/>
           </a:p>
@@ -1901,7 +1908,7 @@
           <a:p>
             <a:fld id="{EFB2791D-C3CD-4EB4-9F2F-930267A0665A}" type="datetimeFigureOut">
               <a:rPr lang="zh-TW" altLang="en-US" smtClean="0"/>
-              <a:t>2020/4/10</a:t>
+              <a:t>2023/4/8</a:t>
             </a:fld>
             <a:endParaRPr lang="zh-TW" altLang="en-US"/>
           </a:p>
@@ -1996,7 +2003,7 @@
           <a:p>
             <a:fld id="{EFB2791D-C3CD-4EB4-9F2F-930267A0665A}" type="datetimeFigureOut">
               <a:rPr lang="zh-TW" altLang="en-US" smtClean="0"/>
-              <a:t>2020/4/10</a:t>
+              <a:t>2023/4/8</a:t>
             </a:fld>
             <a:endParaRPr lang="zh-TW" altLang="en-US"/>
           </a:p>
@@ -2273,7 +2280,7 @@
           <a:p>
             <a:fld id="{EFB2791D-C3CD-4EB4-9F2F-930267A0665A}" type="datetimeFigureOut">
               <a:rPr lang="zh-TW" altLang="en-US" smtClean="0"/>
-              <a:t>2020/4/10</a:t>
+              <a:t>2023/4/8</a:t>
             </a:fld>
             <a:endParaRPr lang="zh-TW" altLang="en-US"/>
           </a:p>
@@ -2530,7 +2537,7 @@
           <a:p>
             <a:fld id="{EFB2791D-C3CD-4EB4-9F2F-930267A0665A}" type="datetimeFigureOut">
               <a:rPr lang="zh-TW" altLang="en-US" smtClean="0"/>
-              <a:t>2020/4/10</a:t>
+              <a:t>2023/4/8</a:t>
             </a:fld>
             <a:endParaRPr lang="zh-TW" altLang="en-US"/>
           </a:p>
@@ -2748,7 +2755,7 @@
           <a:p>
             <a:fld id="{EFB2791D-C3CD-4EB4-9F2F-930267A0665A}" type="datetimeFigureOut">
               <a:rPr lang="zh-TW" altLang="en-US" smtClean="0"/>
-              <a:t>2020/4/10</a:t>
+              <a:t>2023/4/8</a:t>
             </a:fld>
             <a:endParaRPr lang="zh-TW" altLang="en-US"/>
           </a:p>
@@ -3133,23 +3140,244 @@
             <p:ph type="title"/>
           </p:nvPr>
         </p:nvSpPr>
-        <p:spPr/>
+        <p:spPr>
+          <a:xfrm>
+            <a:off x="0" y="2660915"/>
+            <a:ext cx="12192000" cy="1143000"/>
+          </a:xfrm>
+        </p:spPr>
         <p:txBody>
           <a:bodyPr>
+            <a:noAutofit/>
+          </a:bodyPr>
+          <a:lstStyle/>
+          <a:p>
+            <a:r>
+              <a:rPr lang="zh-TW" altLang="en-US" sz="7200" b="1" i="1" dirty="0">
+                <a:solidFill>
+                  <a:srgbClr val="660033"/>
+                </a:solidFill>
+                <a:effectLst>
+                  <a:outerShdw blurRad="38100" dist="38100" dir="2700000" algn="tl">
+                    <a:srgbClr val="000000">
+                      <a:alpha val="43137"/>
+                    </a:srgbClr>
+                  </a:outerShdw>
+                </a:effectLst>
+                <a:latin typeface="微軟正黑體" pitchFamily="34" charset="-120"/>
+                <a:ea typeface="微軟正黑體" pitchFamily="34" charset="-120"/>
+              </a:rPr>
+              <a:t>歌</a:t>
+            </a:r>
+            <a:r>
+              <a:rPr lang="zh-TW" altLang="en-US" sz="7200" b="1" i="1" dirty="0">
+                <a:solidFill>
+                  <a:srgbClr val="660033"/>
+                </a:solidFill>
+                <a:effectLst>
+                  <a:outerShdw blurRad="38100" dist="38100" dir="2700000" algn="tl">
+                    <a:srgbClr val="000000">
+                      <a:alpha val="43137"/>
+                    </a:srgbClr>
+                  </a:outerShdw>
+                </a:effectLst>
+                <a:latin typeface="微軟正黑體" pitchFamily="34" charset="-120"/>
+                <a:ea typeface="微軟正黑體" pitchFamily="34" charset="-120"/>
+              </a:rPr>
+              <a:t>頌復活主</a:t>
+            </a:r>
+          </a:p>
+        </p:txBody>
+      </p:sp>
+    </p:spTree>
+    <p:extLst>
+      <p:ext uri="{BB962C8B-B14F-4D97-AF65-F5344CB8AC3E}">
+        <p14:creationId xmlns:p14="http://schemas.microsoft.com/office/powerpoint/2010/main" val="623918430"/>
+      </p:ext>
+    </p:extLst>
+  </p:cSld>
+  <p:clrMapOvr>
+    <a:masterClrMapping/>
+  </p:clrMapOvr>
+</p:sld>
+</file>
+
+<file path=ppt/slides/slide10.xml><?xml version="1.0" encoding="utf-8"?>
+<p:sld xmlns:a="http://schemas.openxmlformats.org/drawingml/2006/main" xmlns:r="http://schemas.openxmlformats.org/officeDocument/2006/relationships" xmlns:p="http://schemas.openxmlformats.org/presentationml/2006/main">
+  <p:cSld>
+    <p:spTree>
+      <p:nvGrpSpPr>
+        <p:cNvPr id="1" name=""/>
+        <p:cNvGrpSpPr/>
+        <p:nvPr/>
+      </p:nvGrpSpPr>
+      <p:grpSpPr>
+        <a:xfrm>
+          <a:off x="0" y="0"/>
+          <a:ext cx="0" cy="0"/>
+          <a:chOff x="0" y="0"/>
+          <a:chExt cx="0" cy="0"/>
+        </a:xfrm>
+      </p:grpSpPr>
+      <p:sp>
+        <p:nvSpPr>
+          <p:cNvPr id="5" name="內容版面配置區 4"/>
+          <p:cNvSpPr>
+            <a:spLocks noGrp="1"/>
+          </p:cNvSpPr>
+          <p:nvPr>
+            <p:ph idx="1"/>
+          </p:nvPr>
+        </p:nvSpPr>
+        <p:spPr>
+          <a:xfrm>
+            <a:off x="0" y="2084851"/>
+            <a:ext cx="12192000" cy="2404863"/>
+          </a:xfrm>
+        </p:spPr>
+        <p:txBody>
+          <a:bodyPr anchor="ctr">
             <a:normAutofit/>
           </a:bodyPr>
           <a:lstStyle/>
           <a:p>
-            <a:r>
-              <a:rPr lang="zh-TW" altLang="en-US" sz="4800" b="1" dirty="0">
+            <a:pPr algn="ctr">
+              <a:buNone/>
+            </a:pPr>
+            <a:r>
+              <a:rPr lang="zh-TW" altLang="en-US" sz="6400" b="1" dirty="0">
+                <a:solidFill>
+                  <a:srgbClr val="660033"/>
+                </a:solidFill>
+                <a:latin typeface="微軟正黑體" pitchFamily="34" charset="-120"/>
+                <a:ea typeface="微軟正黑體" pitchFamily="34" charset="-120"/>
+              </a:rPr>
+              <a:t>復活的主是主耶穌</a:t>
+            </a:r>
+            <a:endParaRPr lang="en-US" altLang="zh-TW" sz="6400" b="1" dirty="0">
+              <a:solidFill>
+                <a:srgbClr val="660033"/>
+              </a:solidFill>
+              <a:latin typeface="微軟正黑體" pitchFamily="34" charset="-120"/>
+              <a:ea typeface="微軟正黑體" pitchFamily="34" charset="-120"/>
+            </a:endParaRPr>
+          </a:p>
+          <a:p>
+            <a:pPr algn="ctr">
+              <a:buNone/>
+            </a:pPr>
+            <a:r>
+              <a:rPr lang="zh-TW" altLang="en-US" sz="6400" b="1" dirty="0">
+                <a:solidFill>
+                  <a:srgbClr val="660033"/>
+                </a:solidFill>
+                <a:latin typeface="微軟正黑體" pitchFamily="34" charset="-120"/>
+                <a:ea typeface="微軟正黑體" pitchFamily="34" charset="-120"/>
+              </a:rPr>
+              <a:t>世上沒有祂的墳墓</a:t>
+            </a:r>
+            <a:endParaRPr lang="en-US" altLang="zh-TW" sz="6400" b="1" dirty="0">
+              <a:solidFill>
+                <a:srgbClr val="660033"/>
+              </a:solidFill>
+              <a:latin typeface="微軟正黑體" pitchFamily="34" charset="-120"/>
+              <a:ea typeface="微軟正黑體" pitchFamily="34" charset="-120"/>
+            </a:endParaRPr>
+          </a:p>
+        </p:txBody>
+      </p:sp>
+      <p:sp>
+        <p:nvSpPr>
+          <p:cNvPr id="3" name="TextBox 2"/>
+          <p:cNvSpPr txBox="1"/>
+          <p:nvPr/>
+        </p:nvSpPr>
+        <p:spPr>
+          <a:xfrm>
+            <a:off x="0" y="5157192"/>
+            <a:ext cx="12192000" cy="666786"/>
+          </a:xfrm>
+          <a:prstGeom prst="rect">
+            <a:avLst/>
+          </a:prstGeom>
+          <a:noFill/>
+        </p:spPr>
+        <p:txBody>
+          <a:bodyPr wrap="square" rtlCol="0">
+            <a:spAutoFit/>
+          </a:bodyPr>
+          <a:lstStyle/>
+          <a:p>
+            <a:pPr algn="ctr"/>
+            <a:r>
+              <a:rPr lang="en-US" sz="3733" b="1" dirty="0">
+                <a:solidFill>
+                  <a:srgbClr val="660033"/>
+                </a:solidFill>
                 <a:latin typeface="Microsoft JhengHei" panose="020B0604030504040204" pitchFamily="34" charset="-120"/>
                 <a:ea typeface="Microsoft JhengHei" panose="020B0604030504040204" pitchFamily="34" charset="-120"/>
               </a:rPr>
-              <a:t>歌頌復活主</a:t>
-            </a:r>
-          </a:p>
-        </p:txBody>
-      </p:sp>
+              <a:t>( </a:t>
+            </a:r>
+            <a:r>
+              <a:rPr lang="zh-CN" altLang="en-US" sz="3733" b="1" dirty="0">
+                <a:solidFill>
+                  <a:srgbClr val="660033"/>
+                </a:solidFill>
+                <a:latin typeface="Microsoft JhengHei" panose="020B0604030504040204" pitchFamily="34" charset="-120"/>
+                <a:ea typeface="Microsoft JhengHei" panose="020B0604030504040204" pitchFamily="34" charset="-120"/>
+              </a:rPr>
+              <a:t>正</a:t>
+            </a:r>
+            <a:r>
+              <a:rPr lang="en-US" sz="3733" b="1" dirty="0">
+                <a:solidFill>
+                  <a:srgbClr val="660033"/>
+                </a:solidFill>
+                <a:latin typeface="Microsoft JhengHei" panose="020B0604030504040204" pitchFamily="34" charset="-120"/>
+                <a:ea typeface="Microsoft JhengHei" panose="020B0604030504040204" pitchFamily="34" charset="-120"/>
+              </a:rPr>
+              <a:t> )</a:t>
+            </a:r>
+            <a:endParaRPr lang="vi-VN" sz="3733" b="1" dirty="0">
+              <a:solidFill>
+                <a:srgbClr val="660033"/>
+              </a:solidFill>
+              <a:ea typeface="Microsoft JhengHei" panose="020B0604030504040204" pitchFamily="34" charset="-120"/>
+            </a:endParaRPr>
+          </a:p>
+        </p:txBody>
+      </p:sp>
+    </p:spTree>
+    <p:extLst>
+      <p:ext uri="{BB962C8B-B14F-4D97-AF65-F5344CB8AC3E}">
+        <p14:creationId xmlns:p14="http://schemas.microsoft.com/office/powerpoint/2010/main" val="583041352"/>
+      </p:ext>
+    </p:extLst>
+  </p:cSld>
+  <p:clrMapOvr>
+    <a:masterClrMapping/>
+  </p:clrMapOvr>
+</p:sld>
+</file>
+
+<file path=ppt/slides/slide11.xml><?xml version="1.0" encoding="utf-8"?>
+<p:sld xmlns:a="http://schemas.openxmlformats.org/drawingml/2006/main" xmlns:r="http://schemas.openxmlformats.org/officeDocument/2006/relationships" xmlns:p="http://schemas.openxmlformats.org/presentationml/2006/main">
+  <p:cSld>
+    <p:spTree>
+      <p:nvGrpSpPr>
+        <p:cNvPr id="1" name=""/>
+        <p:cNvGrpSpPr/>
+        <p:nvPr/>
+      </p:nvGrpSpPr>
+      <p:grpSpPr>
+        <a:xfrm>
+          <a:off x="0" y="0"/>
+          <a:ext cx="0" cy="0"/>
+          <a:chOff x="0" y="0"/>
+          <a:chExt cx="0" cy="0"/>
+        </a:xfrm>
+      </p:grpSpPr>
       <p:sp>
         <p:nvSpPr>
           <p:cNvPr id="5" name="內容版面配置區 4"/>
@@ -3160,9 +3388,14 @@
             <p:ph idx="1"/>
           </p:nvPr>
         </p:nvSpPr>
-        <p:spPr/>
-        <p:txBody>
-          <a:bodyPr>
+        <p:spPr>
+          <a:xfrm>
+            <a:off x="0" y="2084851"/>
+            <a:ext cx="12192000" cy="2404863"/>
+          </a:xfrm>
+        </p:spPr>
+        <p:txBody>
+          <a:bodyPr anchor="ctr">
             <a:normAutofit/>
           </a:bodyPr>
           <a:lstStyle/>
@@ -3171,106 +3404,108 @@
               <a:buNone/>
             </a:pPr>
             <a:r>
-              <a:rPr lang="zh-TW" altLang="en-US" sz="5400" b="1" dirty="0">
+              <a:rPr lang="zh-TW" altLang="en-US" sz="6400" b="1" dirty="0">
+                <a:solidFill>
+                  <a:srgbClr val="660033"/>
+                </a:solidFill>
+                <a:latin typeface="微軟正黑體" pitchFamily="34" charset="-120"/>
+                <a:ea typeface="微軟正黑體" pitchFamily="34" charset="-120"/>
+              </a:rPr>
+              <a:t>同來歡呼同來慶祝</a:t>
+            </a:r>
+            <a:endParaRPr lang="en-US" altLang="zh-TW" sz="6400" b="1" dirty="0">
+              <a:solidFill>
+                <a:srgbClr val="660033"/>
+              </a:solidFill>
+              <a:latin typeface="微軟正黑體" pitchFamily="34" charset="-120"/>
+              <a:ea typeface="微軟正黑體" pitchFamily="34" charset="-120"/>
+            </a:endParaRPr>
+          </a:p>
+          <a:p>
+            <a:pPr algn="ctr">
+              <a:buNone/>
+            </a:pPr>
+            <a:r>
+              <a:rPr lang="zh-TW" altLang="en-US" sz="6400" b="1" dirty="0">
+                <a:solidFill>
+                  <a:srgbClr val="660033"/>
+                </a:solidFill>
+                <a:latin typeface="微軟正黑體" pitchFamily="34" charset="-120"/>
+                <a:ea typeface="微軟正黑體" pitchFamily="34" charset="-120"/>
+              </a:rPr>
+              <a:t>祂已完成偉大救贖</a:t>
+            </a:r>
+          </a:p>
+        </p:txBody>
+      </p:sp>
+      <p:sp>
+        <p:nvSpPr>
+          <p:cNvPr id="3" name="TextBox 2"/>
+          <p:cNvSpPr txBox="1"/>
+          <p:nvPr/>
+        </p:nvSpPr>
+        <p:spPr>
+          <a:xfrm>
+            <a:off x="0" y="5157192"/>
+            <a:ext cx="12192000" cy="666786"/>
+          </a:xfrm>
+          <a:prstGeom prst="rect">
+            <a:avLst/>
+          </a:prstGeom>
+          <a:noFill/>
+        </p:spPr>
+        <p:txBody>
+          <a:bodyPr wrap="square" rtlCol="0">
+            <a:spAutoFit/>
+          </a:bodyPr>
+          <a:lstStyle/>
+          <a:p>
+            <a:pPr algn="ctr"/>
+            <a:r>
+              <a:rPr lang="en-US" sz="3733" b="1" dirty="0">
+                <a:solidFill>
+                  <a:srgbClr val="660033"/>
+                </a:solidFill>
                 <a:latin typeface="Microsoft JhengHei" panose="020B0604030504040204" pitchFamily="34" charset="-120"/>
                 <a:ea typeface="Microsoft JhengHei" panose="020B0604030504040204" pitchFamily="34" charset="-120"/>
               </a:rPr>
-              <a:t>復活的主是主</a:t>
-            </a:r>
-            <a:r>
-              <a:rPr lang="zh-TW" altLang="en-US" sz="5400" b="1" dirty="0">
+              <a:t>( </a:t>
+            </a:r>
+            <a:r>
+              <a:rPr lang="zh-CN" altLang="en-US" sz="3733" b="1" dirty="0">
+                <a:solidFill>
+                  <a:srgbClr val="660033"/>
+                </a:solidFill>
                 <a:latin typeface="Microsoft JhengHei" panose="020B0604030504040204" pitchFamily="34" charset="-120"/>
                 <a:ea typeface="Microsoft JhengHei" panose="020B0604030504040204" pitchFamily="34" charset="-120"/>
               </a:rPr>
-              <a:t>耶穌</a:t>
-            </a:r>
-            <a:endParaRPr lang="en-US" altLang="zh-TW" sz="5400" b="1" dirty="0">
-              <a:latin typeface="Microsoft JhengHei" panose="020B0604030504040204" pitchFamily="34" charset="-120"/>
+              <a:t>正</a:t>
+            </a:r>
+            <a:r>
+              <a:rPr lang="en-US" sz="3733" b="1" dirty="0">
+                <a:solidFill>
+                  <a:srgbClr val="660033"/>
+                </a:solidFill>
+                <a:latin typeface="Microsoft JhengHei" panose="020B0604030504040204" pitchFamily="34" charset="-120"/>
+                <a:ea typeface="Microsoft JhengHei" panose="020B0604030504040204" pitchFamily="34" charset="-120"/>
+              </a:rPr>
+              <a:t> )</a:t>
+            </a:r>
+            <a:endParaRPr lang="vi-VN" sz="3733" b="1" dirty="0">
+              <a:solidFill>
+                <a:srgbClr val="660033"/>
+              </a:solidFill>
               <a:ea typeface="Microsoft JhengHei" panose="020B0604030504040204" pitchFamily="34" charset="-120"/>
             </a:endParaRPr>
           </a:p>
-          <a:p>
-            <a:pPr algn="ctr">
-              <a:buNone/>
-            </a:pPr>
-            <a:r>
-              <a:rPr lang="zh-TW" altLang="en-US" sz="5400" b="1" dirty="0">
-                <a:latin typeface="Microsoft JhengHei" panose="020B0604030504040204" pitchFamily="34" charset="-120"/>
-                <a:ea typeface="Microsoft JhengHei" panose="020B0604030504040204" pitchFamily="34" charset="-120"/>
-              </a:rPr>
-              <a:t>世上</a:t>
-            </a:r>
-            <a:r>
-              <a:rPr lang="zh-TW" altLang="en-US" sz="5400" b="1" dirty="0">
-                <a:latin typeface="Microsoft JhengHei" panose="020B0604030504040204" pitchFamily="34" charset="-120"/>
-                <a:ea typeface="Microsoft JhengHei" panose="020B0604030504040204" pitchFamily="34" charset="-120"/>
-              </a:rPr>
-              <a:t>沒有祂的</a:t>
-            </a:r>
-            <a:r>
-              <a:rPr lang="zh-TW" altLang="en-US" sz="5400" b="1" dirty="0">
-                <a:latin typeface="Microsoft JhengHei" panose="020B0604030504040204" pitchFamily="34" charset="-120"/>
-                <a:ea typeface="Microsoft JhengHei" panose="020B0604030504040204" pitchFamily="34" charset="-120"/>
-              </a:rPr>
-              <a:t>墳墓</a:t>
-            </a:r>
-            <a:endParaRPr lang="en-US" altLang="zh-TW" sz="5400" b="1" dirty="0">
-              <a:latin typeface="Microsoft JhengHei" panose="020B0604030504040204" pitchFamily="34" charset="-120"/>
-              <a:ea typeface="Microsoft JhengHei" panose="020B0604030504040204" pitchFamily="34" charset="-120"/>
-            </a:endParaRPr>
-          </a:p>
-          <a:p>
-            <a:pPr algn="ctr">
-              <a:buNone/>
-            </a:pPr>
-            <a:r>
-              <a:rPr lang="zh-TW" altLang="en-US" sz="5400" b="1" dirty="0">
-                <a:latin typeface="Microsoft JhengHei" panose="020B0604030504040204" pitchFamily="34" charset="-120"/>
-                <a:ea typeface="Microsoft JhengHei" panose="020B0604030504040204" pitchFamily="34" charset="-120"/>
-              </a:rPr>
-              <a:t>挪開</a:t>
-            </a:r>
-            <a:r>
-              <a:rPr lang="zh-TW" altLang="en-US" sz="5400" b="1" dirty="0">
-                <a:latin typeface="Microsoft JhengHei" panose="020B0604030504040204" pitchFamily="34" charset="-120"/>
-                <a:ea typeface="Microsoft JhengHei" panose="020B0604030504040204" pitchFamily="34" charset="-120"/>
-              </a:rPr>
-              <a:t>咒詛挪開</a:t>
-            </a:r>
-            <a:r>
-              <a:rPr lang="zh-TW" altLang="en-US" sz="5400" b="1" dirty="0">
-                <a:latin typeface="Microsoft JhengHei" panose="020B0604030504040204" pitchFamily="34" charset="-120"/>
-                <a:ea typeface="Microsoft JhengHei" panose="020B0604030504040204" pitchFamily="34" charset="-120"/>
-              </a:rPr>
-              <a:t>羞辱</a:t>
-            </a:r>
-            <a:endParaRPr lang="en-US" altLang="zh-TW" sz="5400" b="1" dirty="0">
-              <a:latin typeface="Microsoft JhengHei" panose="020B0604030504040204" pitchFamily="34" charset="-120"/>
-              <a:ea typeface="Microsoft JhengHei" panose="020B0604030504040204" pitchFamily="34" charset="-120"/>
-            </a:endParaRPr>
-          </a:p>
-          <a:p>
-            <a:pPr algn="ctr">
-              <a:buNone/>
-            </a:pPr>
-            <a:r>
-              <a:rPr lang="zh-TW" altLang="en-US" sz="5400" b="1" dirty="0">
-                <a:latin typeface="Microsoft JhengHei" panose="020B0604030504040204" pitchFamily="34" charset="-120"/>
-                <a:ea typeface="Microsoft JhengHei" panose="020B0604030504040204" pitchFamily="34" charset="-120"/>
-              </a:rPr>
-              <a:t>祂</a:t>
-            </a:r>
-            <a:r>
-              <a:rPr lang="zh-TW" altLang="en-US" sz="5400" b="1" dirty="0">
-                <a:latin typeface="Microsoft JhengHei" panose="020B0604030504040204" pitchFamily="34" charset="-120"/>
-                <a:ea typeface="Microsoft JhengHei" panose="020B0604030504040204" pitchFamily="34" charset="-120"/>
-              </a:rPr>
-              <a:t>已完成偉大救贖</a:t>
-            </a:r>
-          </a:p>
         </p:txBody>
       </p:sp>
     </p:spTree>
+    <p:extLst>
+      <p:ext uri="{BB962C8B-B14F-4D97-AF65-F5344CB8AC3E}">
+        <p14:creationId xmlns:p14="http://schemas.microsoft.com/office/powerpoint/2010/main" val="3133936911"/>
+      </p:ext>
+    </p:extLst>
   </p:cSld>
   <p:clrMapOvr>
     <a:masterClrMapping/>
@@ -3297,110 +3532,159 @@
       </p:grpSpPr>
       <p:sp>
         <p:nvSpPr>
-          <p:cNvPr id="4" name="標題 3"/>
-          <p:cNvSpPr>
-            <a:spLocks noGrp="1"/>
-          </p:cNvSpPr>
-          <p:nvPr>
-            <p:ph type="title"/>
-          </p:nvPr>
-        </p:nvSpPr>
-        <p:spPr/>
-        <p:txBody>
-          <a:bodyPr>
+          <p:cNvPr id="5" name="內容版面配置區 4"/>
+          <p:cNvSpPr>
+            <a:spLocks noGrp="1"/>
+          </p:cNvSpPr>
+          <p:nvPr>
+            <p:ph idx="1"/>
+          </p:nvPr>
+        </p:nvSpPr>
+        <p:spPr>
+          <a:xfrm>
+            <a:off x="0" y="2084851"/>
+            <a:ext cx="12192000" cy="2404863"/>
+          </a:xfrm>
+        </p:spPr>
+        <p:txBody>
+          <a:bodyPr anchor="ctr">
             <a:normAutofit/>
           </a:bodyPr>
           <a:lstStyle/>
           <a:p>
-            <a:r>
-              <a:rPr lang="zh-TW" altLang="en-US" sz="4800" b="1" dirty="0">
+            <a:pPr algn="ctr">
+              <a:buNone/>
+            </a:pPr>
+            <a:r>
+              <a:rPr lang="zh-TW" altLang="en-US" sz="6400" b="1" dirty="0">
+                <a:solidFill>
+                  <a:srgbClr val="660033"/>
+                </a:solidFill>
+                <a:latin typeface="微軟正黑體" pitchFamily="34" charset="-120"/>
+                <a:ea typeface="微軟正黑體" pitchFamily="34" charset="-120"/>
+              </a:rPr>
+              <a:t>復</a:t>
+            </a:r>
+            <a:r>
+              <a:rPr lang="zh-TW" altLang="en-US" sz="6400" b="1" dirty="0">
+                <a:solidFill>
+                  <a:srgbClr val="660033"/>
+                </a:solidFill>
+                <a:latin typeface="微軟正黑體" pitchFamily="34" charset="-120"/>
+                <a:ea typeface="微軟正黑體" pitchFamily="34" charset="-120"/>
+              </a:rPr>
+              <a:t>活的主是主耶穌</a:t>
+            </a:r>
+            <a:endParaRPr lang="en-US" altLang="zh-TW" sz="6400" b="1" dirty="0">
+              <a:solidFill>
+                <a:srgbClr val="660033"/>
+              </a:solidFill>
+              <a:latin typeface="微軟正黑體" pitchFamily="34" charset="-120"/>
+              <a:ea typeface="微軟正黑體" pitchFamily="34" charset="-120"/>
+            </a:endParaRPr>
+          </a:p>
+          <a:p>
+            <a:pPr algn="ctr">
+              <a:buNone/>
+            </a:pPr>
+            <a:r>
+              <a:rPr lang="zh-TW" altLang="en-US" sz="6400" b="1" dirty="0">
+                <a:solidFill>
+                  <a:srgbClr val="660033"/>
+                </a:solidFill>
+                <a:latin typeface="微軟正黑體" pitchFamily="34" charset="-120"/>
+                <a:ea typeface="微軟正黑體" pitchFamily="34" charset="-120"/>
+              </a:rPr>
+              <a:t>世上沒有祂的墳</a:t>
+            </a:r>
+            <a:r>
+              <a:rPr lang="zh-TW" altLang="en-US" sz="6400" b="1" dirty="0">
+                <a:solidFill>
+                  <a:srgbClr val="660033"/>
+                </a:solidFill>
+                <a:latin typeface="微軟正黑體" pitchFamily="34" charset="-120"/>
+                <a:ea typeface="微軟正黑體" pitchFamily="34" charset="-120"/>
+              </a:rPr>
+              <a:t>墓</a:t>
+            </a:r>
+            <a:endParaRPr lang="en-US" altLang="zh-TW" sz="6400" b="1" dirty="0">
+              <a:solidFill>
+                <a:srgbClr val="660033"/>
+              </a:solidFill>
+              <a:latin typeface="微軟正黑體" pitchFamily="34" charset="-120"/>
+              <a:ea typeface="微軟正黑體" pitchFamily="34" charset="-120"/>
+            </a:endParaRPr>
+          </a:p>
+        </p:txBody>
+      </p:sp>
+      <p:sp>
+        <p:nvSpPr>
+          <p:cNvPr id="3" name="TextBox 2"/>
+          <p:cNvSpPr txBox="1"/>
+          <p:nvPr/>
+        </p:nvSpPr>
+        <p:spPr>
+          <a:xfrm>
+            <a:off x="0" y="5157192"/>
+            <a:ext cx="12192000" cy="666786"/>
+          </a:xfrm>
+          <a:prstGeom prst="rect">
+            <a:avLst/>
+          </a:prstGeom>
+          <a:noFill/>
+        </p:spPr>
+        <p:txBody>
+          <a:bodyPr wrap="square" rtlCol="0">
+            <a:spAutoFit/>
+          </a:bodyPr>
+          <a:lstStyle/>
+          <a:p>
+            <a:pPr algn="ctr"/>
+            <a:r>
+              <a:rPr lang="en-US" sz="3733" b="1" dirty="0">
+                <a:solidFill>
+                  <a:srgbClr val="660033"/>
+                </a:solidFill>
                 <a:latin typeface="Microsoft JhengHei" panose="020B0604030504040204" pitchFamily="34" charset="-120"/>
                 <a:ea typeface="Microsoft JhengHei" panose="020B0604030504040204" pitchFamily="34" charset="-120"/>
               </a:rPr>
-              <a:t>歌頌復活主</a:t>
-            </a:r>
-          </a:p>
-        </p:txBody>
-      </p:sp>
-      <p:sp>
-        <p:nvSpPr>
-          <p:cNvPr id="5" name="內容版面配置區 4"/>
-          <p:cNvSpPr>
-            <a:spLocks noGrp="1"/>
-          </p:cNvSpPr>
-          <p:nvPr>
-            <p:ph idx="1"/>
-          </p:nvPr>
-        </p:nvSpPr>
-        <p:spPr/>
-        <p:txBody>
-          <a:bodyPr>
-            <a:normAutofit/>
-          </a:bodyPr>
-          <a:lstStyle/>
-          <a:p>
-            <a:pPr algn="ctr">
-              <a:buNone/>
-            </a:pPr>
-            <a:r>
-              <a:rPr lang="zh-TW" altLang="en-US" sz="5400" b="1" dirty="0">
+              <a:t>( </a:t>
+            </a:r>
+            <a:r>
+              <a:rPr lang="zh-CN" altLang="en-US" sz="3733" b="1" dirty="0">
+                <a:solidFill>
+                  <a:srgbClr val="660033"/>
+                </a:solidFill>
                 <a:latin typeface="Microsoft JhengHei" panose="020B0604030504040204" pitchFamily="34" charset="-120"/>
                 <a:ea typeface="Microsoft JhengHei" panose="020B0604030504040204" pitchFamily="34" charset="-120"/>
               </a:rPr>
-              <a:t>復活的主是主耶穌</a:t>
-            </a:r>
-            <a:endParaRPr lang="en-US" altLang="zh-TW" sz="5400" b="1" dirty="0">
-              <a:latin typeface="Microsoft JhengHei" panose="020B0604030504040204" pitchFamily="34" charset="-120"/>
+              <a:t>正</a:t>
+            </a:r>
+            <a:r>
+              <a:rPr lang="en-US" sz="3733" b="1" dirty="0">
+                <a:solidFill>
+                  <a:srgbClr val="660033"/>
+                </a:solidFill>
+                <a:latin typeface="Microsoft JhengHei" panose="020B0604030504040204" pitchFamily="34" charset="-120"/>
+                <a:ea typeface="Microsoft JhengHei" panose="020B0604030504040204" pitchFamily="34" charset="-120"/>
+              </a:rPr>
+              <a:t> )</a:t>
+            </a:r>
+            <a:endParaRPr lang="vi-VN" sz="3733" b="1" dirty="0">
+              <a:solidFill>
+                <a:srgbClr val="660033"/>
+              </a:solidFill>
               <a:ea typeface="Microsoft JhengHei" panose="020B0604030504040204" pitchFamily="34" charset="-120"/>
             </a:endParaRPr>
           </a:p>
-          <a:p>
-            <a:pPr algn="ctr">
-              <a:buNone/>
-            </a:pPr>
-            <a:r>
-              <a:rPr lang="zh-TW" altLang="en-US" sz="5400" b="1" dirty="0">
-                <a:latin typeface="Microsoft JhengHei" panose="020B0604030504040204" pitchFamily="34" charset="-120"/>
-                <a:ea typeface="Microsoft JhengHei" panose="020B0604030504040204" pitchFamily="34" charset="-120"/>
-              </a:rPr>
-              <a:t>世上沒有祂的墳墓</a:t>
-            </a:r>
-            <a:endParaRPr lang="en-US" altLang="zh-TW" sz="5400" b="1" dirty="0">
-              <a:latin typeface="Microsoft JhengHei" panose="020B0604030504040204" pitchFamily="34" charset="-120"/>
-              <a:ea typeface="Microsoft JhengHei" panose="020B0604030504040204" pitchFamily="34" charset="-120"/>
-            </a:endParaRPr>
-          </a:p>
-          <a:p>
-            <a:pPr algn="ctr">
-              <a:buNone/>
-            </a:pPr>
-            <a:r>
-              <a:rPr lang="zh-TW" altLang="en-US" sz="5400" b="1" dirty="0">
-                <a:latin typeface="Microsoft JhengHei" panose="020B0604030504040204" pitchFamily="34" charset="-120"/>
-                <a:ea typeface="Microsoft JhengHei" panose="020B0604030504040204" pitchFamily="34" charset="-120"/>
-              </a:rPr>
-              <a:t>同來歡呼同來慶祝</a:t>
-            </a:r>
-            <a:endParaRPr lang="en-US" altLang="zh-TW" sz="5400" b="1" dirty="0">
-              <a:latin typeface="Microsoft JhengHei" panose="020B0604030504040204" pitchFamily="34" charset="-120"/>
-              <a:ea typeface="Microsoft JhengHei" panose="020B0604030504040204" pitchFamily="34" charset="-120"/>
-            </a:endParaRPr>
-          </a:p>
-          <a:p>
-            <a:pPr algn="ctr">
-              <a:buNone/>
-            </a:pPr>
-            <a:r>
-              <a:rPr lang="zh-TW" altLang="en-US" sz="5400" b="1" dirty="0">
-                <a:latin typeface="Microsoft JhengHei" panose="020B0604030504040204" pitchFamily="34" charset="-120"/>
-                <a:ea typeface="Microsoft JhengHei" panose="020B0604030504040204" pitchFamily="34" charset="-120"/>
-              </a:rPr>
-              <a:t>祂已完成偉大救贖</a:t>
-            </a:r>
-          </a:p>
         </p:txBody>
       </p:sp>
     </p:spTree>
+    <p:extLst>
+      <p:ext uri="{BB962C8B-B14F-4D97-AF65-F5344CB8AC3E}">
+        <p14:creationId xmlns:p14="http://schemas.microsoft.com/office/powerpoint/2010/main" val="3137752961"/>
+      </p:ext>
+    </p:extLst>
   </p:cSld>
   <p:clrMapOvr>
     <a:masterClrMapping/>
@@ -3427,110 +3711,132 @@
       </p:grpSpPr>
       <p:sp>
         <p:nvSpPr>
-          <p:cNvPr id="4" name="標題 3"/>
-          <p:cNvSpPr>
-            <a:spLocks noGrp="1"/>
-          </p:cNvSpPr>
-          <p:nvPr>
-            <p:ph type="title"/>
-          </p:nvPr>
-        </p:nvSpPr>
-        <p:spPr/>
-        <p:txBody>
-          <a:bodyPr>
+          <p:cNvPr id="5" name="內容版面配置區 4"/>
+          <p:cNvSpPr>
+            <a:spLocks noGrp="1"/>
+          </p:cNvSpPr>
+          <p:nvPr>
+            <p:ph idx="1"/>
+          </p:nvPr>
+        </p:nvSpPr>
+        <p:spPr>
+          <a:xfrm>
+            <a:off x="0" y="2084851"/>
+            <a:ext cx="12192000" cy="2404863"/>
+          </a:xfrm>
+        </p:spPr>
+        <p:txBody>
+          <a:bodyPr anchor="ctr">
             <a:normAutofit/>
           </a:bodyPr>
           <a:lstStyle/>
           <a:p>
-            <a:r>
-              <a:rPr lang="zh-TW" altLang="en-US" sz="4800" b="1" dirty="0">
+            <a:pPr algn="ctr">
+              <a:buNone/>
+            </a:pPr>
+            <a:r>
+              <a:rPr lang="zh-TW" altLang="en-US" sz="6400" b="1" dirty="0">
+                <a:solidFill>
+                  <a:srgbClr val="660033"/>
+                </a:solidFill>
+                <a:latin typeface="微軟正黑體" pitchFamily="34" charset="-120"/>
+                <a:ea typeface="微軟正黑體" pitchFamily="34" charset="-120"/>
+              </a:rPr>
+              <a:t>挪開咒詛挪開羞辱</a:t>
+            </a:r>
+            <a:endParaRPr lang="en-US" altLang="zh-TW" sz="6400" b="1" dirty="0">
+              <a:solidFill>
+                <a:srgbClr val="660033"/>
+              </a:solidFill>
+              <a:latin typeface="微軟正黑體" pitchFamily="34" charset="-120"/>
+              <a:ea typeface="微軟正黑體" pitchFamily="34" charset="-120"/>
+            </a:endParaRPr>
+          </a:p>
+          <a:p>
+            <a:pPr algn="ctr">
+              <a:buNone/>
+            </a:pPr>
+            <a:r>
+              <a:rPr lang="zh-TW" altLang="en-US" sz="6400" b="1" dirty="0">
+                <a:solidFill>
+                  <a:srgbClr val="660033"/>
+                </a:solidFill>
+                <a:latin typeface="微軟正黑體" pitchFamily="34" charset="-120"/>
+                <a:ea typeface="微軟正黑體" pitchFamily="34" charset="-120"/>
+              </a:rPr>
+              <a:t>祂已完成偉大救贖</a:t>
+            </a:r>
+          </a:p>
+        </p:txBody>
+      </p:sp>
+      <p:sp>
+        <p:nvSpPr>
+          <p:cNvPr id="3" name="TextBox 2"/>
+          <p:cNvSpPr txBox="1"/>
+          <p:nvPr/>
+        </p:nvSpPr>
+        <p:spPr>
+          <a:xfrm>
+            <a:off x="0" y="5157192"/>
+            <a:ext cx="12192000" cy="666786"/>
+          </a:xfrm>
+          <a:prstGeom prst="rect">
+            <a:avLst/>
+          </a:prstGeom>
+          <a:noFill/>
+        </p:spPr>
+        <p:txBody>
+          <a:bodyPr wrap="square" rtlCol="0">
+            <a:spAutoFit/>
+          </a:bodyPr>
+          <a:lstStyle/>
+          <a:p>
+            <a:pPr algn="ctr"/>
+            <a:r>
+              <a:rPr lang="en-US" sz="3733" b="1" dirty="0">
+                <a:solidFill>
+                  <a:srgbClr val="660033"/>
+                </a:solidFill>
                 <a:latin typeface="Microsoft JhengHei" panose="020B0604030504040204" pitchFamily="34" charset="-120"/>
                 <a:ea typeface="Microsoft JhengHei" panose="020B0604030504040204" pitchFamily="34" charset="-120"/>
               </a:rPr>
-              <a:t>歌頌復活主</a:t>
-            </a:r>
-          </a:p>
-        </p:txBody>
-      </p:sp>
-      <p:sp>
-        <p:nvSpPr>
-          <p:cNvPr id="5" name="內容版面配置區 4"/>
-          <p:cNvSpPr>
-            <a:spLocks noGrp="1"/>
-          </p:cNvSpPr>
-          <p:nvPr>
-            <p:ph idx="1"/>
-          </p:nvPr>
-        </p:nvSpPr>
-        <p:spPr/>
-        <p:txBody>
-          <a:bodyPr>
-            <a:normAutofit/>
-          </a:bodyPr>
-          <a:lstStyle/>
-          <a:p>
-            <a:pPr algn="ctr">
-              <a:buNone/>
-            </a:pPr>
-            <a:r>
-              <a:rPr lang="zh-TW" altLang="en-US" sz="5400" b="1" dirty="0">
+              <a:t>( </a:t>
+            </a:r>
+            <a:r>
+              <a:rPr lang="zh-CN" altLang="en-US" sz="3733" b="1" dirty="0">
+                <a:solidFill>
+                  <a:srgbClr val="660033"/>
+                </a:solidFill>
                 <a:latin typeface="Microsoft JhengHei" panose="020B0604030504040204" pitchFamily="34" charset="-120"/>
                 <a:ea typeface="Microsoft JhengHei" panose="020B0604030504040204" pitchFamily="34" charset="-120"/>
               </a:rPr>
-              <a:t>世上有哪一位神</a:t>
-            </a:r>
-            <a:endParaRPr lang="en-US" altLang="zh-TW" sz="5400" b="1" dirty="0">
-              <a:latin typeface="Microsoft JhengHei" panose="020B0604030504040204" pitchFamily="34" charset="-120"/>
+              <a:t>正</a:t>
+            </a:r>
+            <a:r>
+              <a:rPr lang="en-US" sz="3733" b="1" dirty="0">
+                <a:solidFill>
+                  <a:srgbClr val="660033"/>
+                </a:solidFill>
+                <a:latin typeface="Microsoft JhengHei" panose="020B0604030504040204" pitchFamily="34" charset="-120"/>
+                <a:ea typeface="Microsoft JhengHei" panose="020B0604030504040204" pitchFamily="34" charset="-120"/>
+              </a:rPr>
+              <a:t> )</a:t>
+            </a:r>
+            <a:endParaRPr lang="vi-VN" sz="3733" b="1" dirty="0">
+              <a:solidFill>
+                <a:srgbClr val="660033"/>
+              </a:solidFill>
               <a:ea typeface="Microsoft JhengHei" panose="020B0604030504040204" pitchFamily="34" charset="-120"/>
             </a:endParaRPr>
           </a:p>
-          <a:p>
-            <a:pPr algn="ctr">
-              <a:buNone/>
-            </a:pPr>
-            <a:r>
-              <a:rPr lang="zh-TW" altLang="en-US" sz="5400" b="1" dirty="0">
-                <a:latin typeface="Microsoft JhengHei" panose="020B0604030504040204" pitchFamily="34" charset="-120"/>
-                <a:ea typeface="Microsoft JhengHei" panose="020B0604030504040204" pitchFamily="34" charset="-120"/>
-              </a:rPr>
-              <a:t>為世人而生</a:t>
-            </a:r>
-            <a:endParaRPr lang="en-US" altLang="zh-TW" sz="5400" b="1" dirty="0">
-              <a:latin typeface="Microsoft JhengHei" panose="020B0604030504040204" pitchFamily="34" charset="-120"/>
-              <a:ea typeface="Microsoft JhengHei" panose="020B0604030504040204" pitchFamily="34" charset="-120"/>
-            </a:endParaRPr>
-          </a:p>
-          <a:p>
-            <a:pPr algn="ctr">
-              <a:buNone/>
-            </a:pPr>
-            <a:r>
-              <a:rPr lang="zh-TW" altLang="en-US" sz="5400" b="1" dirty="0">
-                <a:latin typeface="Microsoft JhengHei" panose="020B0604030504040204" pitchFamily="34" charset="-120"/>
-                <a:ea typeface="Microsoft JhengHei" panose="020B0604030504040204" pitchFamily="34" charset="-120"/>
-              </a:rPr>
-              <a:t>世上有哪一位神</a:t>
-            </a:r>
-            <a:endParaRPr lang="en-US" altLang="zh-TW" sz="5400" b="1" dirty="0">
-              <a:latin typeface="Microsoft JhengHei" panose="020B0604030504040204" pitchFamily="34" charset="-120"/>
-              <a:ea typeface="Microsoft JhengHei" panose="020B0604030504040204" pitchFamily="34" charset="-120"/>
-            </a:endParaRPr>
-          </a:p>
-          <a:p>
-            <a:pPr algn="ctr">
-              <a:buNone/>
-            </a:pPr>
-            <a:r>
-              <a:rPr lang="zh-TW" altLang="en-US" sz="5400" b="1" dirty="0">
-                <a:latin typeface="Microsoft JhengHei" panose="020B0604030504040204" pitchFamily="34" charset="-120"/>
-                <a:ea typeface="Microsoft JhengHei" panose="020B0604030504040204" pitchFamily="34" charset="-120"/>
-              </a:rPr>
-              <a:t>為世人而死</a:t>
-            </a:r>
-          </a:p>
         </p:txBody>
       </p:sp>
     </p:spTree>
+    <p:extLst>
+      <p:ext uri="{BB962C8B-B14F-4D97-AF65-F5344CB8AC3E}">
+        <p14:creationId xmlns:p14="http://schemas.microsoft.com/office/powerpoint/2010/main" val="4084550472"/>
+      </p:ext>
+    </p:extLst>
   </p:cSld>
   <p:clrMapOvr>
     <a:masterClrMapping/>
@@ -3557,31 +3863,163 @@
       </p:grpSpPr>
       <p:sp>
         <p:nvSpPr>
-          <p:cNvPr id="4" name="標題 3"/>
-          <p:cNvSpPr>
-            <a:spLocks noGrp="1"/>
-          </p:cNvSpPr>
-          <p:nvPr>
-            <p:ph type="title"/>
-          </p:nvPr>
-        </p:nvSpPr>
-        <p:spPr/>
-        <p:txBody>
-          <a:bodyPr>
+          <p:cNvPr id="5" name="內容版面配置區 4"/>
+          <p:cNvSpPr>
+            <a:spLocks noGrp="1"/>
+          </p:cNvSpPr>
+          <p:nvPr>
+            <p:ph idx="1"/>
+          </p:nvPr>
+        </p:nvSpPr>
+        <p:spPr>
+          <a:xfrm>
+            <a:off x="0" y="2084851"/>
+            <a:ext cx="12192000" cy="2404863"/>
+          </a:xfrm>
+        </p:spPr>
+        <p:txBody>
+          <a:bodyPr anchor="ctr">
             <a:normAutofit/>
           </a:bodyPr>
           <a:lstStyle/>
           <a:p>
-            <a:r>
-              <a:rPr lang="zh-TW" altLang="en-US" sz="4800" b="1" dirty="0">
+            <a:pPr algn="ctr">
+              <a:buNone/>
+            </a:pPr>
+            <a:r>
+              <a:rPr lang="zh-TW" altLang="en-US" sz="6400" b="1" dirty="0">
+                <a:solidFill>
+                  <a:srgbClr val="660033"/>
+                </a:solidFill>
+                <a:latin typeface="微軟正黑體" pitchFamily="34" charset="-120"/>
+                <a:ea typeface="微軟正黑體" pitchFamily="34" charset="-120"/>
+              </a:rPr>
+              <a:t>復活的主是主耶穌</a:t>
+            </a:r>
+            <a:endParaRPr lang="en-US" altLang="zh-TW" sz="6400" b="1" dirty="0">
+              <a:solidFill>
+                <a:srgbClr val="660033"/>
+              </a:solidFill>
+              <a:latin typeface="微軟正黑體" pitchFamily="34" charset="-120"/>
+              <a:ea typeface="微軟正黑體" pitchFamily="34" charset="-120"/>
+            </a:endParaRPr>
+          </a:p>
+          <a:p>
+            <a:pPr algn="ctr">
+              <a:buNone/>
+            </a:pPr>
+            <a:r>
+              <a:rPr lang="zh-TW" altLang="en-US" sz="6400" b="1" dirty="0">
+                <a:solidFill>
+                  <a:srgbClr val="660033"/>
+                </a:solidFill>
+                <a:latin typeface="微軟正黑體" pitchFamily="34" charset="-120"/>
+                <a:ea typeface="微軟正黑體" pitchFamily="34" charset="-120"/>
+              </a:rPr>
+              <a:t>世上沒有祂的墳墓</a:t>
+            </a:r>
+            <a:endParaRPr lang="en-US" altLang="zh-TW" sz="6400" b="1" dirty="0">
+              <a:solidFill>
+                <a:srgbClr val="660033"/>
+              </a:solidFill>
+              <a:latin typeface="微軟正黑體" pitchFamily="34" charset="-120"/>
+              <a:ea typeface="微軟正黑體" pitchFamily="34" charset="-120"/>
+            </a:endParaRPr>
+          </a:p>
+        </p:txBody>
+      </p:sp>
+      <p:sp>
+        <p:nvSpPr>
+          <p:cNvPr id="3" name="TextBox 2"/>
+          <p:cNvSpPr txBox="1"/>
+          <p:nvPr/>
+        </p:nvSpPr>
+        <p:spPr>
+          <a:xfrm>
+            <a:off x="0" y="5157192"/>
+            <a:ext cx="12192000" cy="666786"/>
+          </a:xfrm>
+          <a:prstGeom prst="rect">
+            <a:avLst/>
+          </a:prstGeom>
+          <a:noFill/>
+        </p:spPr>
+        <p:txBody>
+          <a:bodyPr wrap="square" rtlCol="0">
+            <a:spAutoFit/>
+          </a:bodyPr>
+          <a:lstStyle/>
+          <a:p>
+            <a:pPr algn="ctr"/>
+            <a:r>
+              <a:rPr lang="en-US" sz="3733" b="1" dirty="0">
+                <a:solidFill>
+                  <a:srgbClr val="660033"/>
+                </a:solidFill>
                 <a:latin typeface="Microsoft JhengHei" panose="020B0604030504040204" pitchFamily="34" charset="-120"/>
                 <a:ea typeface="Microsoft JhengHei" panose="020B0604030504040204" pitchFamily="34" charset="-120"/>
               </a:rPr>
-              <a:t>歌頌復活主</a:t>
-            </a:r>
-          </a:p>
-        </p:txBody>
-      </p:sp>
+              <a:t>( </a:t>
+            </a:r>
+            <a:r>
+              <a:rPr lang="zh-CN" altLang="en-US" sz="3733" b="1" dirty="0">
+                <a:solidFill>
+                  <a:srgbClr val="660033"/>
+                </a:solidFill>
+                <a:latin typeface="Microsoft JhengHei" panose="020B0604030504040204" pitchFamily="34" charset="-120"/>
+                <a:ea typeface="Microsoft JhengHei" panose="020B0604030504040204" pitchFamily="34" charset="-120"/>
+              </a:rPr>
+              <a:t>正</a:t>
+            </a:r>
+            <a:r>
+              <a:rPr lang="en-US" sz="3733" b="1" dirty="0">
+                <a:solidFill>
+                  <a:srgbClr val="660033"/>
+                </a:solidFill>
+                <a:latin typeface="Microsoft JhengHei" panose="020B0604030504040204" pitchFamily="34" charset="-120"/>
+                <a:ea typeface="Microsoft JhengHei" panose="020B0604030504040204" pitchFamily="34" charset="-120"/>
+              </a:rPr>
+              <a:t> )</a:t>
+            </a:r>
+            <a:endParaRPr lang="vi-VN" sz="3733" b="1" dirty="0">
+              <a:solidFill>
+                <a:srgbClr val="660033"/>
+              </a:solidFill>
+              <a:ea typeface="Microsoft JhengHei" panose="020B0604030504040204" pitchFamily="34" charset="-120"/>
+            </a:endParaRPr>
+          </a:p>
+        </p:txBody>
+      </p:sp>
+    </p:spTree>
+    <p:extLst>
+      <p:ext uri="{BB962C8B-B14F-4D97-AF65-F5344CB8AC3E}">
+        <p14:creationId xmlns:p14="http://schemas.microsoft.com/office/powerpoint/2010/main" val="1523858421"/>
+      </p:ext>
+    </p:extLst>
+  </p:cSld>
+  <p:clrMapOvr>
+    <a:masterClrMapping/>
+  </p:clrMapOvr>
+</p:sld>
+</file>
+
+<file path=ppt/slides/slide5.xml><?xml version="1.0" encoding="utf-8"?>
+<p:sld xmlns:a="http://schemas.openxmlformats.org/drawingml/2006/main" xmlns:r="http://schemas.openxmlformats.org/officeDocument/2006/relationships" xmlns:p="http://schemas.openxmlformats.org/presentationml/2006/main">
+  <p:cSld>
+    <p:spTree>
+      <p:nvGrpSpPr>
+        <p:cNvPr id="1" name=""/>
+        <p:cNvGrpSpPr/>
+        <p:nvPr/>
+      </p:nvGrpSpPr>
+      <p:grpSpPr>
+        <a:xfrm>
+          <a:off x="0" y="0"/>
+          <a:ext cx="0" cy="0"/>
+          <a:chOff x="0" y="0"/>
+          <a:chExt cx="0" cy="0"/>
+        </a:xfrm>
+      </p:grpSpPr>
       <p:sp>
         <p:nvSpPr>
           <p:cNvPr id="5" name="內容版面配置區 4"/>
@@ -3592,9 +4030,14 @@
             <p:ph idx="1"/>
           </p:nvPr>
         </p:nvSpPr>
-        <p:spPr/>
-        <p:txBody>
-          <a:bodyPr>
+        <p:spPr>
+          <a:xfrm>
+            <a:off x="0" y="2084851"/>
+            <a:ext cx="12192000" cy="2404863"/>
+          </a:xfrm>
+        </p:spPr>
+        <p:txBody>
+          <a:bodyPr anchor="ctr">
             <a:normAutofit/>
           </a:bodyPr>
           <a:lstStyle/>
@@ -3603,64 +4046,903 @@
               <a:buNone/>
             </a:pPr>
             <a:r>
-              <a:rPr lang="zh-TW" altLang="en-US" sz="5400" b="1" dirty="0">
+              <a:rPr lang="zh-TW" altLang="en-US" sz="6400" b="1" dirty="0">
+                <a:solidFill>
+                  <a:srgbClr val="660033"/>
+                </a:solidFill>
+                <a:latin typeface="微軟正黑體" pitchFamily="34" charset="-120"/>
+                <a:ea typeface="微軟正黑體" pitchFamily="34" charset="-120"/>
+              </a:rPr>
+              <a:t>同來歡呼同來慶祝</a:t>
+            </a:r>
+            <a:endParaRPr lang="en-US" altLang="zh-TW" sz="6400" b="1" dirty="0">
+              <a:solidFill>
+                <a:srgbClr val="660033"/>
+              </a:solidFill>
+              <a:latin typeface="微軟正黑體" pitchFamily="34" charset="-120"/>
+              <a:ea typeface="微軟正黑體" pitchFamily="34" charset="-120"/>
+            </a:endParaRPr>
+          </a:p>
+          <a:p>
+            <a:pPr algn="ctr">
+              <a:buNone/>
+            </a:pPr>
+            <a:r>
+              <a:rPr lang="zh-TW" altLang="en-US" sz="6400" b="1" dirty="0">
+                <a:solidFill>
+                  <a:srgbClr val="660033"/>
+                </a:solidFill>
+                <a:latin typeface="微軟正黑體" pitchFamily="34" charset="-120"/>
+                <a:ea typeface="微軟正黑體" pitchFamily="34" charset="-120"/>
+              </a:rPr>
+              <a:t>祂已完成偉大救贖</a:t>
+            </a:r>
+          </a:p>
+        </p:txBody>
+      </p:sp>
+      <p:sp>
+        <p:nvSpPr>
+          <p:cNvPr id="3" name="TextBox 2"/>
+          <p:cNvSpPr txBox="1"/>
+          <p:nvPr/>
+        </p:nvSpPr>
+        <p:spPr>
+          <a:xfrm>
+            <a:off x="0" y="5157192"/>
+            <a:ext cx="12192000" cy="666786"/>
+          </a:xfrm>
+          <a:prstGeom prst="rect">
+            <a:avLst/>
+          </a:prstGeom>
+          <a:noFill/>
+        </p:spPr>
+        <p:txBody>
+          <a:bodyPr wrap="square" rtlCol="0">
+            <a:spAutoFit/>
+          </a:bodyPr>
+          <a:lstStyle/>
+          <a:p>
+            <a:pPr algn="ctr"/>
+            <a:r>
+              <a:rPr lang="en-US" sz="3733" b="1" dirty="0">
+                <a:solidFill>
+                  <a:srgbClr val="660033"/>
+                </a:solidFill>
                 <a:latin typeface="Microsoft JhengHei" panose="020B0604030504040204" pitchFamily="34" charset="-120"/>
                 <a:ea typeface="Microsoft JhengHei" panose="020B0604030504040204" pitchFamily="34" charset="-120"/>
               </a:rPr>
-              <a:t>世上有哪一位神</a:t>
-            </a:r>
-            <a:endParaRPr lang="en-US" altLang="zh-TW" sz="5400" b="1" dirty="0">
-              <a:latin typeface="Microsoft JhengHei" panose="020B0604030504040204" pitchFamily="34" charset="-120"/>
+              <a:t>( </a:t>
+            </a:r>
+            <a:r>
+              <a:rPr lang="zh-CN" altLang="en-US" sz="3733" b="1" dirty="0">
+                <a:solidFill>
+                  <a:srgbClr val="660033"/>
+                </a:solidFill>
+                <a:latin typeface="Microsoft JhengHei" panose="020B0604030504040204" pitchFamily="34" charset="-120"/>
+                <a:ea typeface="Microsoft JhengHei" panose="020B0604030504040204" pitchFamily="34" charset="-120"/>
+              </a:rPr>
+              <a:t>正</a:t>
+            </a:r>
+            <a:r>
+              <a:rPr lang="en-US" sz="3733" b="1" dirty="0">
+                <a:solidFill>
+                  <a:srgbClr val="660033"/>
+                </a:solidFill>
+                <a:latin typeface="Microsoft JhengHei" panose="020B0604030504040204" pitchFamily="34" charset="-120"/>
+                <a:ea typeface="Microsoft JhengHei" panose="020B0604030504040204" pitchFamily="34" charset="-120"/>
+              </a:rPr>
+              <a:t> )</a:t>
+            </a:r>
+            <a:endParaRPr lang="vi-VN" sz="3733" b="1" dirty="0">
+              <a:solidFill>
+                <a:srgbClr val="660033"/>
+              </a:solidFill>
               <a:ea typeface="Microsoft JhengHei" panose="020B0604030504040204" pitchFamily="34" charset="-120"/>
             </a:endParaRPr>
           </a:p>
+        </p:txBody>
+      </p:sp>
+    </p:spTree>
+    <p:extLst>
+      <p:ext uri="{BB962C8B-B14F-4D97-AF65-F5344CB8AC3E}">
+        <p14:creationId xmlns:p14="http://schemas.microsoft.com/office/powerpoint/2010/main" val="1423003613"/>
+      </p:ext>
+    </p:extLst>
+  </p:cSld>
+  <p:clrMapOvr>
+    <a:masterClrMapping/>
+  </p:clrMapOvr>
+</p:sld>
+</file>
+
+<file path=ppt/slides/slide6.xml><?xml version="1.0" encoding="utf-8"?>
+<p:sld xmlns:a="http://schemas.openxmlformats.org/drawingml/2006/main" xmlns:r="http://schemas.openxmlformats.org/officeDocument/2006/relationships" xmlns:p="http://schemas.openxmlformats.org/presentationml/2006/main">
+  <p:cSld>
+    <p:spTree>
+      <p:nvGrpSpPr>
+        <p:cNvPr id="1" name=""/>
+        <p:cNvGrpSpPr/>
+        <p:nvPr/>
+      </p:nvGrpSpPr>
+      <p:grpSpPr>
+        <a:xfrm>
+          <a:off x="0" y="0"/>
+          <a:ext cx="0" cy="0"/>
+          <a:chOff x="0" y="0"/>
+          <a:chExt cx="0" cy="0"/>
+        </a:xfrm>
+      </p:grpSpPr>
+      <p:sp>
+        <p:nvSpPr>
+          <p:cNvPr id="5" name="內容版面配置區 4"/>
+          <p:cNvSpPr>
+            <a:spLocks noGrp="1"/>
+          </p:cNvSpPr>
+          <p:nvPr>
+            <p:ph idx="1"/>
+          </p:nvPr>
+        </p:nvSpPr>
+        <p:spPr>
+          <a:xfrm>
+            <a:off x="0" y="2084851"/>
+            <a:ext cx="12192000" cy="2404863"/>
+          </a:xfrm>
+        </p:spPr>
+        <p:txBody>
+          <a:bodyPr anchor="ctr">
+            <a:normAutofit/>
+          </a:bodyPr>
+          <a:lstStyle/>
           <a:p>
             <a:pPr algn="ctr">
               <a:buNone/>
             </a:pPr>
             <a:r>
-              <a:rPr lang="zh-TW" altLang="en-US" sz="5400" b="1" dirty="0">
+              <a:rPr lang="zh-TW" altLang="en-US" sz="6400" b="1" dirty="0">
+                <a:solidFill>
+                  <a:srgbClr val="660033"/>
+                </a:solidFill>
+                <a:latin typeface="微軟正黑體" pitchFamily="34" charset="-120"/>
+                <a:ea typeface="微軟正黑體" pitchFamily="34" charset="-120"/>
+              </a:rPr>
+              <a:t>世上有哪一位</a:t>
+            </a:r>
+            <a:r>
+              <a:rPr lang="zh-TW" altLang="en-US" sz="6400" b="1" dirty="0">
+                <a:solidFill>
+                  <a:srgbClr val="660033"/>
+                </a:solidFill>
+                <a:latin typeface="微軟正黑體" pitchFamily="34" charset="-120"/>
+                <a:ea typeface="微軟正黑體" pitchFamily="34" charset="-120"/>
+              </a:rPr>
+              <a:t>神</a:t>
+            </a:r>
+            <a:r>
+              <a:rPr lang="en-US" altLang="zh-TW" sz="6400" b="1" dirty="0">
+                <a:solidFill>
+                  <a:srgbClr val="660033"/>
+                </a:solidFill>
+                <a:latin typeface="微軟正黑體" pitchFamily="34" charset="-120"/>
+                <a:ea typeface="微軟正黑體" pitchFamily="34" charset="-120"/>
+              </a:rPr>
+              <a:t>  </a:t>
+            </a:r>
+            <a:r>
+              <a:rPr lang="zh-TW" altLang="en-US" sz="6400" b="1" dirty="0">
+                <a:solidFill>
+                  <a:srgbClr val="660033"/>
+                </a:solidFill>
+                <a:latin typeface="微軟正黑體" pitchFamily="34" charset="-120"/>
+                <a:ea typeface="微軟正黑體" pitchFamily="34" charset="-120"/>
+              </a:rPr>
+              <a:t>為</a:t>
+            </a:r>
+            <a:r>
+              <a:rPr lang="zh-TW" altLang="en-US" sz="6400" b="1" dirty="0">
+                <a:solidFill>
+                  <a:srgbClr val="660033"/>
+                </a:solidFill>
+                <a:latin typeface="微軟正黑體" pitchFamily="34" charset="-120"/>
+                <a:ea typeface="微軟正黑體" pitchFamily="34" charset="-120"/>
+              </a:rPr>
+              <a:t>世人而生</a:t>
+            </a:r>
+            <a:endParaRPr lang="en-US" altLang="zh-TW" sz="6400" b="1" dirty="0">
+              <a:solidFill>
+                <a:srgbClr val="660033"/>
+              </a:solidFill>
+              <a:latin typeface="微軟正黑體" pitchFamily="34" charset="-120"/>
+              <a:ea typeface="微軟正黑體" pitchFamily="34" charset="-120"/>
+            </a:endParaRPr>
+          </a:p>
+          <a:p>
+            <a:pPr algn="ctr">
+              <a:buNone/>
+            </a:pPr>
+            <a:r>
+              <a:rPr lang="zh-TW" altLang="en-US" sz="6400" b="1" dirty="0">
+                <a:solidFill>
+                  <a:srgbClr val="660033"/>
+                </a:solidFill>
+                <a:latin typeface="微軟正黑體" pitchFamily="34" charset="-120"/>
+                <a:ea typeface="微軟正黑體" pitchFamily="34" charset="-120"/>
+              </a:rPr>
+              <a:t>世上有哪一位</a:t>
+            </a:r>
+            <a:r>
+              <a:rPr lang="zh-TW" altLang="en-US" sz="6400" b="1" dirty="0">
+                <a:solidFill>
+                  <a:srgbClr val="660033"/>
+                </a:solidFill>
+                <a:latin typeface="微軟正黑體" pitchFamily="34" charset="-120"/>
+                <a:ea typeface="微軟正黑體" pitchFamily="34" charset="-120"/>
+              </a:rPr>
+              <a:t>神</a:t>
+            </a:r>
+            <a:r>
+              <a:rPr lang="en-US" altLang="zh-TW" sz="6400" b="1" dirty="0">
+                <a:solidFill>
+                  <a:srgbClr val="660033"/>
+                </a:solidFill>
+                <a:latin typeface="微軟正黑體" pitchFamily="34" charset="-120"/>
+                <a:ea typeface="微軟正黑體" pitchFamily="34" charset="-120"/>
+              </a:rPr>
+              <a:t>  </a:t>
+            </a:r>
+            <a:r>
+              <a:rPr lang="zh-TW" altLang="en-US" sz="6400" b="1" dirty="0">
+                <a:solidFill>
+                  <a:srgbClr val="660033"/>
+                </a:solidFill>
+                <a:latin typeface="微軟正黑體" pitchFamily="34" charset="-120"/>
+                <a:ea typeface="微軟正黑體" pitchFamily="34" charset="-120"/>
+              </a:rPr>
+              <a:t>為</a:t>
+            </a:r>
+            <a:r>
+              <a:rPr lang="zh-TW" altLang="en-US" sz="6400" b="1" dirty="0">
+                <a:solidFill>
+                  <a:srgbClr val="660033"/>
+                </a:solidFill>
+                <a:latin typeface="微軟正黑體" pitchFamily="34" charset="-120"/>
+                <a:ea typeface="微軟正黑體" pitchFamily="34" charset="-120"/>
+              </a:rPr>
+              <a:t>世人而死</a:t>
+            </a:r>
+          </a:p>
+        </p:txBody>
+      </p:sp>
+      <p:sp>
+        <p:nvSpPr>
+          <p:cNvPr id="3" name="TextBox 2"/>
+          <p:cNvSpPr txBox="1"/>
+          <p:nvPr/>
+        </p:nvSpPr>
+        <p:spPr>
+          <a:xfrm>
+            <a:off x="0" y="5157192"/>
+            <a:ext cx="12192000" cy="666786"/>
+          </a:xfrm>
+          <a:prstGeom prst="rect">
+            <a:avLst/>
+          </a:prstGeom>
+          <a:noFill/>
+        </p:spPr>
+        <p:txBody>
+          <a:bodyPr wrap="square" rtlCol="0">
+            <a:spAutoFit/>
+          </a:bodyPr>
+          <a:lstStyle/>
+          <a:p>
+            <a:pPr algn="ctr"/>
+            <a:r>
+              <a:rPr lang="en-US" sz="3733" b="1" dirty="0">
+                <a:solidFill>
+                  <a:srgbClr val="660033"/>
+                </a:solidFill>
                 <a:latin typeface="Microsoft JhengHei" panose="020B0604030504040204" pitchFamily="34" charset="-120"/>
                 <a:ea typeface="Microsoft JhengHei" panose="020B0604030504040204" pitchFamily="34" charset="-120"/>
               </a:rPr>
-              <a:t>為世人復活</a:t>
-            </a:r>
-            <a:endParaRPr lang="en-US" altLang="zh-TW" sz="5400" b="1" dirty="0">
-              <a:latin typeface="Microsoft JhengHei" panose="020B0604030504040204" pitchFamily="34" charset="-120"/>
+              <a:t>( </a:t>
+            </a:r>
+            <a:r>
+              <a:rPr lang="zh-CN" altLang="en-US" sz="3733" b="1" dirty="0">
+                <a:solidFill>
+                  <a:srgbClr val="660033"/>
+                </a:solidFill>
+                <a:latin typeface="Microsoft JhengHei" panose="020B0604030504040204" pitchFamily="34" charset="-120"/>
+                <a:ea typeface="Microsoft JhengHei" panose="020B0604030504040204" pitchFamily="34" charset="-120"/>
+              </a:rPr>
+              <a:t>副</a:t>
+            </a:r>
+            <a:r>
+              <a:rPr lang="en-US" sz="3733" b="1" dirty="0">
+                <a:solidFill>
+                  <a:srgbClr val="660033"/>
+                </a:solidFill>
+                <a:latin typeface="Microsoft JhengHei" panose="020B0604030504040204" pitchFamily="34" charset="-120"/>
+                <a:ea typeface="Microsoft JhengHei" panose="020B0604030504040204" pitchFamily="34" charset="-120"/>
+              </a:rPr>
+              <a:t> )</a:t>
+            </a:r>
+            <a:endParaRPr lang="vi-VN" sz="3733" b="1" dirty="0">
+              <a:solidFill>
+                <a:srgbClr val="660033"/>
+              </a:solidFill>
               <a:ea typeface="Microsoft JhengHei" panose="020B0604030504040204" pitchFamily="34" charset="-120"/>
             </a:endParaRPr>
           </a:p>
+        </p:txBody>
+      </p:sp>
+    </p:spTree>
+    <p:extLst>
+      <p:ext uri="{BB962C8B-B14F-4D97-AF65-F5344CB8AC3E}">
+        <p14:creationId xmlns:p14="http://schemas.microsoft.com/office/powerpoint/2010/main" val="1747734022"/>
+      </p:ext>
+    </p:extLst>
+  </p:cSld>
+  <p:clrMapOvr>
+    <a:masterClrMapping/>
+  </p:clrMapOvr>
+</p:sld>
+</file>
+
+<file path=ppt/slides/slide7.xml><?xml version="1.0" encoding="utf-8"?>
+<p:sld xmlns:a="http://schemas.openxmlformats.org/drawingml/2006/main" xmlns:r="http://schemas.openxmlformats.org/officeDocument/2006/relationships" xmlns:p="http://schemas.openxmlformats.org/presentationml/2006/main">
+  <p:cSld>
+    <p:spTree>
+      <p:nvGrpSpPr>
+        <p:cNvPr id="1" name=""/>
+        <p:cNvGrpSpPr/>
+        <p:nvPr/>
+      </p:nvGrpSpPr>
+      <p:grpSpPr>
+        <a:xfrm>
+          <a:off x="0" y="0"/>
+          <a:ext cx="0" cy="0"/>
+          <a:chOff x="0" y="0"/>
+          <a:chExt cx="0" cy="0"/>
+        </a:xfrm>
+      </p:grpSpPr>
+      <p:sp>
+        <p:nvSpPr>
+          <p:cNvPr id="5" name="內容版面配置區 4"/>
+          <p:cNvSpPr>
+            <a:spLocks noGrp="1"/>
+          </p:cNvSpPr>
+          <p:nvPr>
+            <p:ph idx="1"/>
+          </p:nvPr>
+        </p:nvSpPr>
+        <p:spPr>
+          <a:xfrm>
+            <a:off x="0" y="2084851"/>
+            <a:ext cx="12192000" cy="2404863"/>
+          </a:xfrm>
+        </p:spPr>
+        <p:txBody>
+          <a:bodyPr anchor="ctr">
+            <a:normAutofit/>
+          </a:bodyPr>
+          <a:lstStyle/>
           <a:p>
             <a:pPr algn="ctr">
               <a:buNone/>
             </a:pPr>
             <a:r>
-              <a:rPr lang="zh-TW" altLang="en-US" sz="5400" b="1" dirty="0">
+              <a:rPr lang="zh-TW" altLang="en-US" sz="6400" b="1" dirty="0">
+                <a:solidFill>
+                  <a:srgbClr val="660033"/>
+                </a:solidFill>
+                <a:latin typeface="微軟正黑體" pitchFamily="34" charset="-120"/>
+                <a:ea typeface="微軟正黑體" pitchFamily="34" charset="-120"/>
+              </a:rPr>
+              <a:t>世上有哪一位</a:t>
+            </a:r>
+            <a:r>
+              <a:rPr lang="zh-TW" altLang="en-US" sz="6400" b="1" dirty="0">
+                <a:solidFill>
+                  <a:srgbClr val="660033"/>
+                </a:solidFill>
+                <a:latin typeface="微軟正黑體" pitchFamily="34" charset="-120"/>
+                <a:ea typeface="微軟正黑體" pitchFamily="34" charset="-120"/>
+              </a:rPr>
+              <a:t>神</a:t>
+            </a:r>
+            <a:r>
+              <a:rPr lang="en-US" altLang="zh-TW" sz="6400" b="1" dirty="0">
+                <a:solidFill>
+                  <a:srgbClr val="660033"/>
+                </a:solidFill>
+                <a:latin typeface="微軟正黑體" pitchFamily="34" charset="-120"/>
+                <a:ea typeface="微軟正黑體" pitchFamily="34" charset="-120"/>
+              </a:rPr>
+              <a:t>  </a:t>
+            </a:r>
+            <a:r>
+              <a:rPr lang="zh-TW" altLang="en-US" sz="6400" b="1" dirty="0">
+                <a:solidFill>
+                  <a:srgbClr val="660033"/>
+                </a:solidFill>
+                <a:latin typeface="微軟正黑體" pitchFamily="34" charset="-120"/>
+                <a:ea typeface="微軟正黑體" pitchFamily="34" charset="-120"/>
+              </a:rPr>
+              <a:t>為</a:t>
+            </a:r>
+            <a:r>
+              <a:rPr lang="zh-TW" altLang="en-US" sz="6400" b="1" dirty="0">
+                <a:solidFill>
+                  <a:srgbClr val="660033"/>
+                </a:solidFill>
+                <a:latin typeface="微軟正黑體" pitchFamily="34" charset="-120"/>
+                <a:ea typeface="微軟正黑體" pitchFamily="34" charset="-120"/>
+              </a:rPr>
+              <a:t>世人復活</a:t>
+            </a:r>
+            <a:endParaRPr lang="en-US" altLang="zh-TW" sz="6400" b="1" dirty="0">
+              <a:solidFill>
+                <a:srgbClr val="660033"/>
+              </a:solidFill>
+              <a:latin typeface="微軟正黑體" pitchFamily="34" charset="-120"/>
+              <a:ea typeface="微軟正黑體" pitchFamily="34" charset="-120"/>
+            </a:endParaRPr>
+          </a:p>
+          <a:p>
+            <a:pPr algn="ctr">
+              <a:buNone/>
+            </a:pPr>
+            <a:r>
+              <a:rPr lang="zh-TW" altLang="en-US" sz="6400" b="1" dirty="0">
+                <a:solidFill>
+                  <a:srgbClr val="660033"/>
+                </a:solidFill>
+                <a:latin typeface="微軟正黑體" pitchFamily="34" charset="-120"/>
+                <a:ea typeface="微軟正黑體" pitchFamily="34" charset="-120"/>
+              </a:rPr>
+              <a:t>世上有哪一位救</a:t>
+            </a:r>
+            <a:r>
+              <a:rPr lang="zh-TW" altLang="en-US" sz="6400" b="1" dirty="0">
+                <a:solidFill>
+                  <a:srgbClr val="660033"/>
+                </a:solidFill>
+                <a:latin typeface="微軟正黑體" pitchFamily="34" charset="-120"/>
+                <a:ea typeface="微軟正黑體" pitchFamily="34" charset="-120"/>
+              </a:rPr>
+              <a:t>主</a:t>
+            </a:r>
+            <a:r>
+              <a:rPr lang="en-US" altLang="zh-TW" sz="6400" b="1" dirty="0">
+                <a:solidFill>
+                  <a:srgbClr val="660033"/>
+                </a:solidFill>
+                <a:latin typeface="微軟正黑體" pitchFamily="34" charset="-120"/>
+                <a:ea typeface="微軟正黑體" pitchFamily="34" charset="-120"/>
+              </a:rPr>
+              <a:t>  </a:t>
+            </a:r>
+            <a:r>
+              <a:rPr lang="zh-TW" altLang="en-US" sz="6400" b="1" dirty="0">
+                <a:solidFill>
+                  <a:srgbClr val="660033"/>
+                </a:solidFill>
+                <a:latin typeface="微軟正黑體" pitchFamily="34" charset="-120"/>
+                <a:ea typeface="微軟正黑體" pitchFamily="34" charset="-120"/>
+              </a:rPr>
+              <a:t>今</a:t>
+            </a:r>
+            <a:r>
+              <a:rPr lang="zh-TW" altLang="en-US" sz="6400" b="1" dirty="0">
+                <a:solidFill>
+                  <a:srgbClr val="660033"/>
+                </a:solidFill>
+                <a:latin typeface="微軟正黑體" pitchFamily="34" charset="-120"/>
+                <a:ea typeface="微軟正黑體" pitchFamily="34" charset="-120"/>
+              </a:rPr>
+              <a:t>天仍活著</a:t>
+            </a:r>
+          </a:p>
+        </p:txBody>
+      </p:sp>
+      <p:sp>
+        <p:nvSpPr>
+          <p:cNvPr id="3" name="TextBox 2"/>
+          <p:cNvSpPr txBox="1"/>
+          <p:nvPr/>
+        </p:nvSpPr>
+        <p:spPr>
+          <a:xfrm>
+            <a:off x="0" y="5157192"/>
+            <a:ext cx="12192000" cy="666786"/>
+          </a:xfrm>
+          <a:prstGeom prst="rect">
+            <a:avLst/>
+          </a:prstGeom>
+          <a:noFill/>
+        </p:spPr>
+        <p:txBody>
+          <a:bodyPr wrap="square" rtlCol="0">
+            <a:spAutoFit/>
+          </a:bodyPr>
+          <a:lstStyle/>
+          <a:p>
+            <a:pPr algn="ctr"/>
+            <a:r>
+              <a:rPr lang="en-US" sz="3733" b="1" dirty="0">
+                <a:solidFill>
+                  <a:srgbClr val="660033"/>
+                </a:solidFill>
                 <a:latin typeface="Microsoft JhengHei" panose="020B0604030504040204" pitchFamily="34" charset="-120"/>
                 <a:ea typeface="Microsoft JhengHei" panose="020B0604030504040204" pitchFamily="34" charset="-120"/>
               </a:rPr>
-              <a:t>世上有哪一位救主</a:t>
-            </a:r>
-            <a:endParaRPr lang="en-US" altLang="zh-TW" sz="5400" b="1" dirty="0">
-              <a:latin typeface="Microsoft JhengHei" panose="020B0604030504040204" pitchFamily="34" charset="-120"/>
+              <a:t>( </a:t>
+            </a:r>
+            <a:r>
+              <a:rPr lang="zh-CN" altLang="en-US" sz="3733" b="1" dirty="0">
+                <a:solidFill>
+                  <a:srgbClr val="660033"/>
+                </a:solidFill>
+                <a:latin typeface="Microsoft JhengHei" panose="020B0604030504040204" pitchFamily="34" charset="-120"/>
+                <a:ea typeface="Microsoft JhengHei" panose="020B0604030504040204" pitchFamily="34" charset="-120"/>
+              </a:rPr>
+              <a:t>副</a:t>
+            </a:r>
+            <a:r>
+              <a:rPr lang="en-US" sz="3733" b="1" dirty="0">
+                <a:solidFill>
+                  <a:srgbClr val="660033"/>
+                </a:solidFill>
+                <a:latin typeface="Microsoft JhengHei" panose="020B0604030504040204" pitchFamily="34" charset="-120"/>
+                <a:ea typeface="Microsoft JhengHei" panose="020B0604030504040204" pitchFamily="34" charset="-120"/>
+              </a:rPr>
+              <a:t> )</a:t>
+            </a:r>
+            <a:endParaRPr lang="vi-VN" sz="3733" b="1" dirty="0">
+              <a:solidFill>
+                <a:srgbClr val="660033"/>
+              </a:solidFill>
               <a:ea typeface="Microsoft JhengHei" panose="020B0604030504040204" pitchFamily="34" charset="-120"/>
             </a:endParaRPr>
           </a:p>
+        </p:txBody>
+      </p:sp>
+    </p:spTree>
+    <p:extLst>
+      <p:ext uri="{BB962C8B-B14F-4D97-AF65-F5344CB8AC3E}">
+        <p14:creationId xmlns:p14="http://schemas.microsoft.com/office/powerpoint/2010/main" val="3138852635"/>
+      </p:ext>
+    </p:extLst>
+  </p:cSld>
+  <p:clrMapOvr>
+    <a:masterClrMapping/>
+  </p:clrMapOvr>
+</p:sld>
+</file>
+
+<file path=ppt/slides/slide8.xml><?xml version="1.0" encoding="utf-8"?>
+<p:sld xmlns:a="http://schemas.openxmlformats.org/drawingml/2006/main" xmlns:r="http://schemas.openxmlformats.org/officeDocument/2006/relationships" xmlns:p="http://schemas.openxmlformats.org/presentationml/2006/main">
+  <p:cSld>
+    <p:spTree>
+      <p:nvGrpSpPr>
+        <p:cNvPr id="1" name=""/>
+        <p:cNvGrpSpPr/>
+        <p:nvPr/>
+      </p:nvGrpSpPr>
+      <p:grpSpPr>
+        <a:xfrm>
+          <a:off x="0" y="0"/>
+          <a:ext cx="0" cy="0"/>
+          <a:chOff x="0" y="0"/>
+          <a:chExt cx="0" cy="0"/>
+        </a:xfrm>
+      </p:grpSpPr>
+      <p:sp>
+        <p:nvSpPr>
+          <p:cNvPr id="5" name="內容版面配置區 4"/>
+          <p:cNvSpPr>
+            <a:spLocks noGrp="1"/>
+          </p:cNvSpPr>
+          <p:nvPr>
+            <p:ph idx="1"/>
+          </p:nvPr>
+        </p:nvSpPr>
+        <p:spPr>
+          <a:xfrm>
+            <a:off x="0" y="2084851"/>
+            <a:ext cx="12192000" cy="2404863"/>
+          </a:xfrm>
+        </p:spPr>
+        <p:txBody>
+          <a:bodyPr anchor="ctr">
+            <a:normAutofit/>
+          </a:bodyPr>
+          <a:lstStyle/>
           <a:p>
             <a:pPr algn="ctr">
               <a:buNone/>
             </a:pPr>
             <a:r>
-              <a:rPr lang="zh-TW" altLang="en-US" sz="5400" b="1" dirty="0">
+              <a:rPr lang="zh-TW" altLang="en-US" sz="6400" b="1" dirty="0">
+                <a:solidFill>
+                  <a:srgbClr val="660033"/>
+                </a:solidFill>
+                <a:latin typeface="微軟正黑體" pitchFamily="34" charset="-120"/>
+                <a:ea typeface="微軟正黑體" pitchFamily="34" charset="-120"/>
+              </a:rPr>
+              <a:t>復</a:t>
+            </a:r>
+            <a:r>
+              <a:rPr lang="zh-TW" altLang="en-US" sz="6400" b="1" dirty="0">
+                <a:solidFill>
+                  <a:srgbClr val="660033"/>
+                </a:solidFill>
+                <a:latin typeface="微軟正黑體" pitchFamily="34" charset="-120"/>
+                <a:ea typeface="微軟正黑體" pitchFamily="34" charset="-120"/>
+              </a:rPr>
+              <a:t>活的主是主耶穌</a:t>
+            </a:r>
+            <a:endParaRPr lang="en-US" altLang="zh-TW" sz="6400" b="1" dirty="0">
+              <a:solidFill>
+                <a:srgbClr val="660033"/>
+              </a:solidFill>
+              <a:latin typeface="微軟正黑體" pitchFamily="34" charset="-120"/>
+              <a:ea typeface="微軟正黑體" pitchFamily="34" charset="-120"/>
+            </a:endParaRPr>
+          </a:p>
+          <a:p>
+            <a:pPr algn="ctr">
+              <a:buNone/>
+            </a:pPr>
+            <a:r>
+              <a:rPr lang="zh-TW" altLang="en-US" sz="6400" b="1" dirty="0">
+                <a:solidFill>
+                  <a:srgbClr val="660033"/>
+                </a:solidFill>
+                <a:latin typeface="微軟正黑體" pitchFamily="34" charset="-120"/>
+                <a:ea typeface="微軟正黑體" pitchFamily="34" charset="-120"/>
+              </a:rPr>
+              <a:t>世上沒有祂的墳</a:t>
+            </a:r>
+            <a:r>
+              <a:rPr lang="zh-TW" altLang="en-US" sz="6400" b="1" dirty="0">
+                <a:solidFill>
+                  <a:srgbClr val="660033"/>
+                </a:solidFill>
+                <a:latin typeface="微軟正黑體" pitchFamily="34" charset="-120"/>
+                <a:ea typeface="微軟正黑體" pitchFamily="34" charset="-120"/>
+              </a:rPr>
+              <a:t>墓</a:t>
+            </a:r>
+            <a:endParaRPr lang="en-US" altLang="zh-TW" sz="6400" b="1" dirty="0">
+              <a:solidFill>
+                <a:srgbClr val="660033"/>
+              </a:solidFill>
+              <a:latin typeface="微軟正黑體" pitchFamily="34" charset="-120"/>
+              <a:ea typeface="微軟正黑體" pitchFamily="34" charset="-120"/>
+            </a:endParaRPr>
+          </a:p>
+        </p:txBody>
+      </p:sp>
+      <p:sp>
+        <p:nvSpPr>
+          <p:cNvPr id="3" name="TextBox 2"/>
+          <p:cNvSpPr txBox="1"/>
+          <p:nvPr/>
+        </p:nvSpPr>
+        <p:spPr>
+          <a:xfrm>
+            <a:off x="0" y="5157192"/>
+            <a:ext cx="12192000" cy="666786"/>
+          </a:xfrm>
+          <a:prstGeom prst="rect">
+            <a:avLst/>
+          </a:prstGeom>
+          <a:noFill/>
+        </p:spPr>
+        <p:txBody>
+          <a:bodyPr wrap="square" rtlCol="0">
+            <a:spAutoFit/>
+          </a:bodyPr>
+          <a:lstStyle/>
+          <a:p>
+            <a:pPr algn="ctr"/>
+            <a:r>
+              <a:rPr lang="en-US" sz="3733" b="1" dirty="0">
+                <a:solidFill>
+                  <a:srgbClr val="660033"/>
+                </a:solidFill>
                 <a:latin typeface="Microsoft JhengHei" panose="020B0604030504040204" pitchFamily="34" charset="-120"/>
                 <a:ea typeface="Microsoft JhengHei" panose="020B0604030504040204" pitchFamily="34" charset="-120"/>
               </a:rPr>
-              <a:t>今天仍活著</a:t>
-            </a:r>
+              <a:t>( </a:t>
+            </a:r>
+            <a:r>
+              <a:rPr lang="zh-CN" altLang="en-US" sz="3733" b="1" dirty="0">
+                <a:solidFill>
+                  <a:srgbClr val="660033"/>
+                </a:solidFill>
+                <a:latin typeface="Microsoft JhengHei" panose="020B0604030504040204" pitchFamily="34" charset="-120"/>
+                <a:ea typeface="Microsoft JhengHei" panose="020B0604030504040204" pitchFamily="34" charset="-120"/>
+              </a:rPr>
+              <a:t>正</a:t>
+            </a:r>
+            <a:r>
+              <a:rPr lang="en-US" sz="3733" b="1" dirty="0">
+                <a:solidFill>
+                  <a:srgbClr val="660033"/>
+                </a:solidFill>
+                <a:latin typeface="Microsoft JhengHei" panose="020B0604030504040204" pitchFamily="34" charset="-120"/>
+                <a:ea typeface="Microsoft JhengHei" panose="020B0604030504040204" pitchFamily="34" charset="-120"/>
+              </a:rPr>
+              <a:t> )</a:t>
+            </a:r>
+            <a:endParaRPr lang="vi-VN" sz="3733" b="1" dirty="0">
+              <a:solidFill>
+                <a:srgbClr val="660033"/>
+              </a:solidFill>
+              <a:ea typeface="Microsoft JhengHei" panose="020B0604030504040204" pitchFamily="34" charset="-120"/>
+            </a:endParaRPr>
           </a:p>
         </p:txBody>
       </p:sp>
     </p:spTree>
+    <p:extLst>
+      <p:ext uri="{BB962C8B-B14F-4D97-AF65-F5344CB8AC3E}">
+        <p14:creationId xmlns:p14="http://schemas.microsoft.com/office/powerpoint/2010/main" val="1854285182"/>
+      </p:ext>
+    </p:extLst>
+  </p:cSld>
+  <p:clrMapOvr>
+    <a:masterClrMapping/>
+  </p:clrMapOvr>
+</p:sld>
+</file>
+
+<file path=ppt/slides/slide9.xml><?xml version="1.0" encoding="utf-8"?>
+<p:sld xmlns:a="http://schemas.openxmlformats.org/drawingml/2006/main" xmlns:r="http://schemas.openxmlformats.org/officeDocument/2006/relationships" xmlns:p="http://schemas.openxmlformats.org/presentationml/2006/main">
+  <p:cSld>
+    <p:spTree>
+      <p:nvGrpSpPr>
+        <p:cNvPr id="1" name=""/>
+        <p:cNvGrpSpPr/>
+        <p:nvPr/>
+      </p:nvGrpSpPr>
+      <p:grpSpPr>
+        <a:xfrm>
+          <a:off x="0" y="0"/>
+          <a:ext cx="0" cy="0"/>
+          <a:chOff x="0" y="0"/>
+          <a:chExt cx="0" cy="0"/>
+        </a:xfrm>
+      </p:grpSpPr>
+      <p:sp>
+        <p:nvSpPr>
+          <p:cNvPr id="5" name="內容版面配置區 4"/>
+          <p:cNvSpPr>
+            <a:spLocks noGrp="1"/>
+          </p:cNvSpPr>
+          <p:nvPr>
+            <p:ph idx="1"/>
+          </p:nvPr>
+        </p:nvSpPr>
+        <p:spPr>
+          <a:xfrm>
+            <a:off x="0" y="2084851"/>
+            <a:ext cx="12192000" cy="2404863"/>
+          </a:xfrm>
+        </p:spPr>
+        <p:txBody>
+          <a:bodyPr anchor="ctr">
+            <a:normAutofit/>
+          </a:bodyPr>
+          <a:lstStyle/>
+          <a:p>
+            <a:pPr algn="ctr">
+              <a:buNone/>
+            </a:pPr>
+            <a:r>
+              <a:rPr lang="zh-TW" altLang="en-US" sz="6400" b="1" dirty="0">
+                <a:solidFill>
+                  <a:srgbClr val="660033"/>
+                </a:solidFill>
+                <a:latin typeface="微軟正黑體" pitchFamily="34" charset="-120"/>
+                <a:ea typeface="微軟正黑體" pitchFamily="34" charset="-120"/>
+              </a:rPr>
+              <a:t>挪開咒詛挪開羞辱</a:t>
+            </a:r>
+            <a:endParaRPr lang="en-US" altLang="zh-TW" sz="6400" b="1" dirty="0">
+              <a:solidFill>
+                <a:srgbClr val="660033"/>
+              </a:solidFill>
+              <a:latin typeface="微軟正黑體" pitchFamily="34" charset="-120"/>
+              <a:ea typeface="微軟正黑體" pitchFamily="34" charset="-120"/>
+            </a:endParaRPr>
+          </a:p>
+          <a:p>
+            <a:pPr algn="ctr">
+              <a:buNone/>
+            </a:pPr>
+            <a:r>
+              <a:rPr lang="zh-TW" altLang="en-US" sz="6400" b="1" dirty="0">
+                <a:solidFill>
+                  <a:srgbClr val="660033"/>
+                </a:solidFill>
+                <a:latin typeface="微軟正黑體" pitchFamily="34" charset="-120"/>
+                <a:ea typeface="微軟正黑體" pitchFamily="34" charset="-120"/>
+              </a:rPr>
+              <a:t>祂已完成偉大救贖</a:t>
+            </a:r>
+          </a:p>
+        </p:txBody>
+      </p:sp>
+      <p:sp>
+        <p:nvSpPr>
+          <p:cNvPr id="3" name="TextBox 2"/>
+          <p:cNvSpPr txBox="1"/>
+          <p:nvPr/>
+        </p:nvSpPr>
+        <p:spPr>
+          <a:xfrm>
+            <a:off x="0" y="5157192"/>
+            <a:ext cx="12192000" cy="666786"/>
+          </a:xfrm>
+          <a:prstGeom prst="rect">
+            <a:avLst/>
+          </a:prstGeom>
+          <a:noFill/>
+        </p:spPr>
+        <p:txBody>
+          <a:bodyPr wrap="square" rtlCol="0">
+            <a:spAutoFit/>
+          </a:bodyPr>
+          <a:lstStyle/>
+          <a:p>
+            <a:pPr algn="ctr"/>
+            <a:r>
+              <a:rPr lang="en-US" sz="3733" b="1" dirty="0">
+                <a:solidFill>
+                  <a:srgbClr val="660033"/>
+                </a:solidFill>
+                <a:latin typeface="Microsoft JhengHei" panose="020B0604030504040204" pitchFamily="34" charset="-120"/>
+                <a:ea typeface="Microsoft JhengHei" panose="020B0604030504040204" pitchFamily="34" charset="-120"/>
+              </a:rPr>
+              <a:t>( </a:t>
+            </a:r>
+            <a:r>
+              <a:rPr lang="zh-CN" altLang="en-US" sz="3733" b="1" dirty="0">
+                <a:solidFill>
+                  <a:srgbClr val="660033"/>
+                </a:solidFill>
+                <a:latin typeface="Microsoft JhengHei" panose="020B0604030504040204" pitchFamily="34" charset="-120"/>
+                <a:ea typeface="Microsoft JhengHei" panose="020B0604030504040204" pitchFamily="34" charset="-120"/>
+              </a:rPr>
+              <a:t>正</a:t>
+            </a:r>
+            <a:r>
+              <a:rPr lang="en-US" sz="3733" b="1" dirty="0">
+                <a:solidFill>
+                  <a:srgbClr val="660033"/>
+                </a:solidFill>
+                <a:latin typeface="Microsoft JhengHei" panose="020B0604030504040204" pitchFamily="34" charset="-120"/>
+                <a:ea typeface="Microsoft JhengHei" panose="020B0604030504040204" pitchFamily="34" charset="-120"/>
+              </a:rPr>
+              <a:t> )</a:t>
+            </a:r>
+            <a:endParaRPr lang="vi-VN" sz="3733" b="1" dirty="0">
+              <a:solidFill>
+                <a:srgbClr val="660033"/>
+              </a:solidFill>
+              <a:ea typeface="Microsoft JhengHei" panose="020B0604030504040204" pitchFamily="34" charset="-120"/>
+            </a:endParaRPr>
+          </a:p>
+        </p:txBody>
+      </p:sp>
+    </p:spTree>
+    <p:extLst>
+      <p:ext uri="{BB962C8B-B14F-4D97-AF65-F5344CB8AC3E}">
+        <p14:creationId xmlns:p14="http://schemas.microsoft.com/office/powerpoint/2010/main" val="108112687"/>
+      </p:ext>
+    </p:extLst>
   </p:cSld>
   <p:clrMapOvr>
     <a:masterClrMapping/>
